--- a/2024-Data-Science-Poster.pptx
+++ b/2024-Data-Science-Poster.pptx
@@ -12,22 +12,6 @@
   </p:sldIdLst>
   <p:sldSz cx="32918400" cy="21945600"/>
   <p:notesSz cx="6858000" cy="9144000"/>
-  <p:embeddedFontLst>
-    <p:embeddedFont>
-      <p:font typeface="Calibri" panose="020F0502020204030204" pitchFamily="34" charset="0"/>
-      <p:regular r:id="rId4"/>
-      <p:bold r:id="rId5"/>
-      <p:italic r:id="rId6"/>
-      <p:boldItalic r:id="rId7"/>
-    </p:embeddedFont>
-    <p:embeddedFont>
-      <p:font typeface="Open Sans" panose="020B0306030504020204" pitchFamily="34" charset="0"/>
-      <p:regular r:id="rId8"/>
-      <p:bold r:id="rId9"/>
-      <p:italic r:id="rId10"/>
-      <p:boldItalic r:id="rId11"/>
-    </p:embeddedFont>
-  </p:embeddedFontLst>
   <p:defaultTextStyle>
     <a:defPPr marR="0" lvl="0" algn="l" rtl="0">
       <a:lnSpc>
@@ -258,8 +242,11 @@
     </a:lvl9pPr>
   </p:defaultTextStyle>
   <p:extLst>
+    <p:ext uri="{EFAFB233-063F-42B5-8137-9DF3F51BA10A}">
+      <p15:sldGuideLst xmlns:p15="http://schemas.microsoft.com/office/powerpoint/2012/main"/>
+    </p:ext>
     <p:ext uri="GoogleSlidesCustomDataVersion2">
-      <go:slidesCustomData xmlns:go="http://customooxmlschemas.google.com/" xmlns:ahyp="http://schemas.microsoft.com/office/drawing/2018/hyperlinkcolor" xmlns:p15="http://schemas.microsoft.com/office/powerpoint/2012/main" xmlns:p14="http://schemas.microsoft.com/office/powerpoint/2010/main" xmlns:com="http://schemas.openxmlformats.org/drawingml/2006/compatibility" xmlns:pvml="urn:schemas-microsoft-com:office:powerpoint" xmlns:v="urn:schemas-microsoft-com:vml" xmlns:o="urn:schemas-microsoft-com:office:office" xmlns:dgm="http://schemas.openxmlformats.org/drawingml/2006/diagram" xmlns:c="http://schemas.openxmlformats.org/drawingml/2006/chart" xmlns:mv="urn:schemas-microsoft-com:mac:vml" xmlns:mc="http://schemas.openxmlformats.org/markup-compatibility/2006" xmlns="" r:id="rId12" roundtripDataSignature="AMtx7misWw5AgrCpxBYL1gKy6h1blTKd1w=="/>
+      <go:slidesCustomData xmlns="" xmlns:mc="http://schemas.openxmlformats.org/markup-compatibility/2006" xmlns:mv="urn:schemas-microsoft-com:mac:vml" xmlns:c="http://schemas.openxmlformats.org/drawingml/2006/chart" xmlns:dgm="http://schemas.openxmlformats.org/drawingml/2006/diagram" xmlns:o="urn:schemas-microsoft-com:office:office" xmlns:v="urn:schemas-microsoft-com:vml" xmlns:pvml="urn:schemas-microsoft-com:office:powerpoint" xmlns:com="http://schemas.openxmlformats.org/drawingml/2006/compatibility" xmlns:p14="http://schemas.microsoft.com/office/powerpoint/2010/main" xmlns:p15="http://schemas.microsoft.com/office/powerpoint/2012/main" xmlns:ahyp="http://schemas.microsoft.com/office/drawing/2018/hyperlinkcolor" xmlns:go="http://customooxmlschemas.google.com/" r:id="rId12" roundtripDataSignature="AMtx7misWw5AgrCpxBYL1gKy6h1blTKd1w=="/>
     </p:ext>
   </p:extLst>
 </p:presentation>
@@ -11054,2410 +11041,14 @@
       </p:grpSpPr>
       <p:sp>
         <p:nvSpPr>
-          <p:cNvPr id="84" name="Google Shape;84;p1"/>
-          <p:cNvSpPr txBox="1"/>
-          <p:nvPr/>
-        </p:nvSpPr>
-        <p:spPr>
-          <a:xfrm>
-            <a:off x="16971815" y="11446421"/>
-            <a:ext cx="7315200" cy="3077766"/>
-          </a:xfrm>
-          <a:prstGeom prst="rect">
-            <a:avLst/>
-          </a:prstGeom>
-          <a:noFill/>
-          <a:ln>
-            <a:noFill/>
-          </a:ln>
-        </p:spPr>
-        <p:txBody>
-          <a:bodyPr spcFirstLastPara="1" wrap="square" lIns="91425" tIns="45700" rIns="91425" bIns="45700" anchor="t" anchorCtr="0">
-            <a:spAutoFit/>
-          </a:bodyPr>
-          <a:lstStyle/>
-          <a:p>
-            <a:pPr marL="342900" marR="0" lvl="0" indent="-342900" algn="l" rtl="0">
-              <a:spcBef>
-                <a:spcPts val="0"/>
-              </a:spcBef>
-              <a:spcAft>
-                <a:spcPts val="0"/>
-              </a:spcAft>
-              <a:buClr>
-                <a:srgbClr val="000000"/>
-              </a:buClr>
-              <a:buSzPts val="2400"/>
-              <a:buFont typeface="Arial"/>
-              <a:buChar char="•"/>
-            </a:pPr>
-            <a:r>
-              <a:rPr lang="en-US" sz="2400" b="0" i="0" u="none" strike="noStrike" cap="none">
-                <a:solidFill>
-                  <a:srgbClr val="000000"/>
-                </a:solidFill>
-                <a:latin typeface="Open Sans"/>
-                <a:ea typeface="Open Sans"/>
-                <a:cs typeface="Open Sans"/>
-                <a:sym typeface="Open Sans"/>
-              </a:rPr>
-              <a:t>Resource</a:t>
-            </a:r>
-            <a:endParaRPr/>
-          </a:p>
-          <a:p>
-            <a:pPr marL="342900" marR="0" lvl="0" indent="-342900" algn="l" rtl="0">
-              <a:spcBef>
-                <a:spcPts val="1200"/>
-              </a:spcBef>
-              <a:spcAft>
-                <a:spcPts val="0"/>
-              </a:spcAft>
-              <a:buClr>
-                <a:srgbClr val="000000"/>
-              </a:buClr>
-              <a:buSzPts val="2400"/>
-              <a:buFont typeface="Arial"/>
-              <a:buChar char="•"/>
-            </a:pPr>
-            <a:r>
-              <a:rPr lang="en-US" sz="2400" b="0" i="0" u="none" strike="noStrike" cap="none">
-                <a:solidFill>
-                  <a:srgbClr val="000000"/>
-                </a:solidFill>
-                <a:latin typeface="Open Sans"/>
-                <a:ea typeface="Open Sans"/>
-                <a:cs typeface="Open Sans"/>
-                <a:sym typeface="Open Sans"/>
-              </a:rPr>
-              <a:t>Resource</a:t>
-            </a:r>
-            <a:endParaRPr sz="2400" b="0" i="0" u="none" strike="noStrike" cap="none">
-              <a:solidFill>
-                <a:srgbClr val="000000"/>
-              </a:solidFill>
-              <a:latin typeface="Open Sans"/>
-              <a:ea typeface="Open Sans"/>
-              <a:cs typeface="Open Sans"/>
-              <a:sym typeface="Open Sans"/>
-            </a:endParaRPr>
-          </a:p>
-          <a:p>
-            <a:pPr marL="342900" marR="0" lvl="0" indent="-342900" algn="l" rtl="0">
-              <a:spcBef>
-                <a:spcPts val="1200"/>
-              </a:spcBef>
-              <a:spcAft>
-                <a:spcPts val="0"/>
-              </a:spcAft>
-              <a:buClr>
-                <a:srgbClr val="000000"/>
-              </a:buClr>
-              <a:buSzPts val="2400"/>
-              <a:buFont typeface="Arial"/>
-              <a:buChar char="•"/>
-            </a:pPr>
-            <a:r>
-              <a:rPr lang="en-US" sz="2400" b="0" i="0" u="none" strike="noStrike" cap="none">
-                <a:solidFill>
-                  <a:srgbClr val="000000"/>
-                </a:solidFill>
-                <a:latin typeface="Open Sans"/>
-                <a:ea typeface="Open Sans"/>
-                <a:cs typeface="Open Sans"/>
-                <a:sym typeface="Open Sans"/>
-              </a:rPr>
-              <a:t>Resource</a:t>
-            </a:r>
-            <a:endParaRPr/>
-          </a:p>
-          <a:p>
-            <a:pPr marL="342900" marR="0" lvl="0" indent="-342900" algn="l" rtl="0">
-              <a:spcBef>
-                <a:spcPts val="1200"/>
-              </a:spcBef>
-              <a:spcAft>
-                <a:spcPts val="0"/>
-              </a:spcAft>
-              <a:buClr>
-                <a:srgbClr val="000000"/>
-              </a:buClr>
-              <a:buSzPts val="2400"/>
-              <a:buFont typeface="Arial"/>
-              <a:buChar char="•"/>
-            </a:pPr>
-            <a:r>
-              <a:rPr lang="en-US" sz="2400" b="0" i="0" u="none" strike="noStrike" cap="none">
-                <a:solidFill>
-                  <a:srgbClr val="000000"/>
-                </a:solidFill>
-                <a:latin typeface="Open Sans"/>
-                <a:ea typeface="Open Sans"/>
-                <a:cs typeface="Open Sans"/>
-                <a:sym typeface="Open Sans"/>
-              </a:rPr>
-              <a:t>Resource</a:t>
-            </a:r>
-            <a:endParaRPr sz="2400" b="0" i="0" u="none" strike="noStrike" cap="none">
-              <a:solidFill>
-                <a:srgbClr val="000000"/>
-              </a:solidFill>
-              <a:latin typeface="Open Sans"/>
-              <a:ea typeface="Open Sans"/>
-              <a:cs typeface="Open Sans"/>
-              <a:sym typeface="Open Sans"/>
-            </a:endParaRPr>
-          </a:p>
-          <a:p>
-            <a:pPr marL="342900" marR="0" lvl="0" indent="-342900" algn="l" rtl="0">
-              <a:spcBef>
-                <a:spcPts val="1200"/>
-              </a:spcBef>
-              <a:spcAft>
-                <a:spcPts val="0"/>
-              </a:spcAft>
-              <a:buClr>
-                <a:srgbClr val="000000"/>
-              </a:buClr>
-              <a:buSzPts val="2400"/>
-              <a:buFont typeface="Arial"/>
-              <a:buChar char="•"/>
-            </a:pPr>
-            <a:r>
-              <a:rPr lang="en-US" sz="2400" b="0" i="0" u="none" strike="noStrike" cap="none">
-                <a:solidFill>
-                  <a:srgbClr val="000000"/>
-                </a:solidFill>
-                <a:latin typeface="Open Sans"/>
-                <a:ea typeface="Open Sans"/>
-                <a:cs typeface="Open Sans"/>
-                <a:sym typeface="Open Sans"/>
-              </a:rPr>
-              <a:t>Resource</a:t>
-            </a:r>
-            <a:endParaRPr/>
-          </a:p>
-          <a:p>
-            <a:pPr marL="342900" marR="0" lvl="0" indent="-342900" algn="l" rtl="0">
-              <a:spcBef>
-                <a:spcPts val="1200"/>
-              </a:spcBef>
-              <a:spcAft>
-                <a:spcPts val="0"/>
-              </a:spcAft>
-              <a:buClr>
-                <a:srgbClr val="000000"/>
-              </a:buClr>
-              <a:buSzPts val="2400"/>
-              <a:buFont typeface="Arial"/>
-              <a:buChar char="•"/>
-            </a:pPr>
-            <a:r>
-              <a:rPr lang="en-US" sz="2400" b="0" i="0" u="none" strike="noStrike" cap="none">
-                <a:solidFill>
-                  <a:srgbClr val="000000"/>
-                </a:solidFill>
-                <a:latin typeface="Open Sans"/>
-                <a:ea typeface="Open Sans"/>
-                <a:cs typeface="Open Sans"/>
-                <a:sym typeface="Open Sans"/>
-              </a:rPr>
-              <a:t>Resource</a:t>
-            </a:r>
-            <a:endParaRPr/>
-          </a:p>
-        </p:txBody>
-      </p:sp>
-      <p:sp>
-        <p:nvSpPr>
-          <p:cNvPr id="85" name="Google Shape;85;p1"/>
-          <p:cNvSpPr txBox="1"/>
-          <p:nvPr/>
-        </p:nvSpPr>
-        <p:spPr>
-          <a:xfrm>
-            <a:off x="16971815" y="2785653"/>
-            <a:ext cx="7315200" cy="8294578"/>
-          </a:xfrm>
-          <a:prstGeom prst="rect">
-            <a:avLst/>
-          </a:prstGeom>
-          <a:noFill/>
-          <a:ln>
-            <a:noFill/>
-          </a:ln>
-        </p:spPr>
-        <p:txBody>
-          <a:bodyPr spcFirstLastPara="1" wrap="square" lIns="91425" tIns="45700" rIns="91425" bIns="45700" anchor="t" anchorCtr="0">
-            <a:spAutoFit/>
-          </a:bodyPr>
-          <a:lstStyle/>
-          <a:p>
-            <a:pPr marL="0" marR="0" lvl="0" indent="0" algn="l" rtl="0">
-              <a:spcBef>
-                <a:spcPts val="0"/>
-              </a:spcBef>
-              <a:spcAft>
-                <a:spcPts val="0"/>
-              </a:spcAft>
-              <a:buNone/>
-            </a:pPr>
-            <a:r>
-              <a:rPr lang="en-US" sz="2400" b="0" i="0" u="none" strike="noStrike" cap="none" dirty="0">
-                <a:solidFill>
-                  <a:srgbClr val="000000"/>
-                </a:solidFill>
-                <a:latin typeface="Open Sans"/>
-                <a:ea typeface="Open Sans"/>
-                <a:cs typeface="Open Sans"/>
-                <a:sym typeface="Open Sans"/>
-              </a:rPr>
-              <a:t>Lorem ipsum dolor sit </a:t>
-            </a:r>
-            <a:r>
-              <a:rPr lang="en-US" sz="2400" b="0" i="0" u="none" strike="noStrike" cap="none" dirty="0" err="1">
-                <a:solidFill>
-                  <a:srgbClr val="000000"/>
-                </a:solidFill>
-                <a:latin typeface="Open Sans"/>
-                <a:ea typeface="Open Sans"/>
-                <a:cs typeface="Open Sans"/>
-                <a:sym typeface="Open Sans"/>
-              </a:rPr>
-              <a:t>amet</a:t>
-            </a:r>
-            <a:r>
-              <a:rPr lang="en-US" sz="2400" b="0" i="0" u="none" strike="noStrike" cap="none" dirty="0">
-                <a:solidFill>
-                  <a:srgbClr val="000000"/>
-                </a:solidFill>
-                <a:latin typeface="Open Sans"/>
-                <a:ea typeface="Open Sans"/>
-                <a:cs typeface="Open Sans"/>
-                <a:sym typeface="Open Sans"/>
-              </a:rPr>
-              <a:t>, </a:t>
-            </a:r>
-            <a:r>
-              <a:rPr lang="en-US" sz="2400" b="0" i="0" u="none" strike="noStrike" cap="none" dirty="0" err="1">
-                <a:solidFill>
-                  <a:srgbClr val="000000"/>
-                </a:solidFill>
-                <a:latin typeface="Open Sans"/>
-                <a:ea typeface="Open Sans"/>
-                <a:cs typeface="Open Sans"/>
-                <a:sym typeface="Open Sans"/>
-              </a:rPr>
-              <a:t>consectetur</a:t>
-            </a:r>
-            <a:r>
-              <a:rPr lang="en-US" sz="2400" b="0" i="0" u="none" strike="noStrike" cap="none" dirty="0">
-                <a:solidFill>
-                  <a:srgbClr val="000000"/>
-                </a:solidFill>
-                <a:latin typeface="Open Sans"/>
-                <a:ea typeface="Open Sans"/>
-                <a:cs typeface="Open Sans"/>
-                <a:sym typeface="Open Sans"/>
-              </a:rPr>
-              <a:t> </a:t>
-            </a:r>
-            <a:r>
-              <a:rPr lang="en-US" sz="2400" b="0" i="0" u="none" strike="noStrike" cap="none" dirty="0" err="1">
-                <a:solidFill>
-                  <a:srgbClr val="000000"/>
-                </a:solidFill>
-                <a:latin typeface="Open Sans"/>
-                <a:ea typeface="Open Sans"/>
-                <a:cs typeface="Open Sans"/>
-                <a:sym typeface="Open Sans"/>
-              </a:rPr>
-              <a:t>adipiscing</a:t>
-            </a:r>
-            <a:r>
-              <a:rPr lang="en-US" sz="2400" b="0" i="0" u="none" strike="noStrike" cap="none" dirty="0">
-                <a:solidFill>
-                  <a:srgbClr val="000000"/>
-                </a:solidFill>
-                <a:latin typeface="Open Sans"/>
-                <a:ea typeface="Open Sans"/>
-                <a:cs typeface="Open Sans"/>
-                <a:sym typeface="Open Sans"/>
-              </a:rPr>
-              <a:t> </a:t>
-            </a:r>
-            <a:r>
-              <a:rPr lang="en-US" sz="2400" b="0" i="0" u="none" strike="noStrike" cap="none" dirty="0" err="1">
-                <a:solidFill>
-                  <a:srgbClr val="000000"/>
-                </a:solidFill>
-                <a:latin typeface="Open Sans"/>
-                <a:ea typeface="Open Sans"/>
-                <a:cs typeface="Open Sans"/>
-                <a:sym typeface="Open Sans"/>
-              </a:rPr>
-              <a:t>elit</a:t>
-            </a:r>
-            <a:r>
-              <a:rPr lang="en-US" sz="2400" b="0" i="0" u="none" strike="noStrike" cap="none" dirty="0">
-                <a:solidFill>
-                  <a:srgbClr val="000000"/>
-                </a:solidFill>
-                <a:latin typeface="Open Sans"/>
-                <a:ea typeface="Open Sans"/>
-                <a:cs typeface="Open Sans"/>
-                <a:sym typeface="Open Sans"/>
-              </a:rPr>
-              <a:t>, sed do </a:t>
-            </a:r>
-            <a:r>
-              <a:rPr lang="en-US" sz="2400" b="0" i="0" u="none" strike="noStrike" cap="none" dirty="0" err="1">
-                <a:solidFill>
-                  <a:srgbClr val="000000"/>
-                </a:solidFill>
-                <a:latin typeface="Open Sans"/>
-                <a:ea typeface="Open Sans"/>
-                <a:cs typeface="Open Sans"/>
-                <a:sym typeface="Open Sans"/>
-              </a:rPr>
-              <a:t>eiusmod</a:t>
-            </a:r>
-            <a:r>
-              <a:rPr lang="en-US" sz="2400" b="0" i="0" u="none" strike="noStrike" cap="none" dirty="0">
-                <a:solidFill>
-                  <a:srgbClr val="000000"/>
-                </a:solidFill>
-                <a:latin typeface="Open Sans"/>
-                <a:ea typeface="Open Sans"/>
-                <a:cs typeface="Open Sans"/>
-                <a:sym typeface="Open Sans"/>
-              </a:rPr>
-              <a:t> </a:t>
-            </a:r>
-            <a:r>
-              <a:rPr lang="en-US" sz="2400" b="0" i="0" u="none" strike="noStrike" cap="none" dirty="0" err="1">
-                <a:solidFill>
-                  <a:srgbClr val="000000"/>
-                </a:solidFill>
-                <a:latin typeface="Open Sans"/>
-                <a:ea typeface="Open Sans"/>
-                <a:cs typeface="Open Sans"/>
-                <a:sym typeface="Open Sans"/>
-              </a:rPr>
-              <a:t>tempor</a:t>
-            </a:r>
-            <a:r>
-              <a:rPr lang="en-US" sz="2400" b="0" i="0" u="none" strike="noStrike" cap="none" dirty="0">
-                <a:solidFill>
-                  <a:srgbClr val="000000"/>
-                </a:solidFill>
-                <a:latin typeface="Open Sans"/>
-                <a:ea typeface="Open Sans"/>
-                <a:cs typeface="Open Sans"/>
-                <a:sym typeface="Open Sans"/>
-              </a:rPr>
-              <a:t> </a:t>
-            </a:r>
-            <a:r>
-              <a:rPr lang="en-US" sz="2400" b="0" i="0" u="none" strike="noStrike" cap="none" dirty="0" err="1">
-                <a:solidFill>
-                  <a:srgbClr val="000000"/>
-                </a:solidFill>
-                <a:latin typeface="Open Sans"/>
-                <a:ea typeface="Open Sans"/>
-                <a:cs typeface="Open Sans"/>
-                <a:sym typeface="Open Sans"/>
-              </a:rPr>
-              <a:t>incididunt</a:t>
-            </a:r>
-            <a:r>
-              <a:rPr lang="en-US" sz="2400" b="0" i="0" u="none" strike="noStrike" cap="none" dirty="0">
-                <a:solidFill>
-                  <a:srgbClr val="000000"/>
-                </a:solidFill>
-                <a:latin typeface="Open Sans"/>
-                <a:ea typeface="Open Sans"/>
-                <a:cs typeface="Open Sans"/>
-                <a:sym typeface="Open Sans"/>
-              </a:rPr>
-              <a:t> </a:t>
-            </a:r>
-            <a:r>
-              <a:rPr lang="en-US" sz="2400" b="0" i="0" u="none" strike="noStrike" cap="none" dirty="0" err="1">
-                <a:solidFill>
-                  <a:srgbClr val="000000"/>
-                </a:solidFill>
-                <a:latin typeface="Open Sans"/>
-                <a:ea typeface="Open Sans"/>
-                <a:cs typeface="Open Sans"/>
-                <a:sym typeface="Open Sans"/>
-              </a:rPr>
-              <a:t>ut</a:t>
-            </a:r>
-            <a:r>
-              <a:rPr lang="en-US" sz="2400" b="0" i="0" u="none" strike="noStrike" cap="none" dirty="0">
-                <a:solidFill>
-                  <a:srgbClr val="000000"/>
-                </a:solidFill>
-                <a:latin typeface="Open Sans"/>
-                <a:ea typeface="Open Sans"/>
-                <a:cs typeface="Open Sans"/>
-                <a:sym typeface="Open Sans"/>
-              </a:rPr>
-              <a:t> labore et dolore magna </a:t>
-            </a:r>
-            <a:r>
-              <a:rPr lang="en-US" sz="2400" b="0" i="0" u="none" strike="noStrike" cap="none" dirty="0" err="1">
-                <a:solidFill>
-                  <a:srgbClr val="000000"/>
-                </a:solidFill>
-                <a:latin typeface="Open Sans"/>
-                <a:ea typeface="Open Sans"/>
-                <a:cs typeface="Open Sans"/>
-                <a:sym typeface="Open Sans"/>
-              </a:rPr>
-              <a:t>aliqua</a:t>
-            </a:r>
-            <a:r>
-              <a:rPr lang="en-US" sz="2400" b="0" i="0" u="none" strike="noStrike" cap="none" dirty="0">
-                <a:solidFill>
-                  <a:srgbClr val="000000"/>
-                </a:solidFill>
-                <a:latin typeface="Open Sans"/>
-                <a:ea typeface="Open Sans"/>
-                <a:cs typeface="Open Sans"/>
-                <a:sym typeface="Open Sans"/>
-              </a:rPr>
-              <a:t>. Ut </a:t>
-            </a:r>
-            <a:r>
-              <a:rPr lang="en-US" sz="2400" b="0" i="0" u="none" strike="noStrike" cap="none" dirty="0" err="1">
-                <a:solidFill>
-                  <a:srgbClr val="000000"/>
-                </a:solidFill>
-                <a:latin typeface="Open Sans"/>
-                <a:ea typeface="Open Sans"/>
-                <a:cs typeface="Open Sans"/>
-                <a:sym typeface="Open Sans"/>
-              </a:rPr>
-              <a:t>enim</a:t>
-            </a:r>
-            <a:r>
-              <a:rPr lang="en-US" sz="2400" b="0" i="0" u="none" strike="noStrike" cap="none" dirty="0">
-                <a:solidFill>
-                  <a:srgbClr val="000000"/>
-                </a:solidFill>
-                <a:latin typeface="Open Sans"/>
-                <a:ea typeface="Open Sans"/>
-                <a:cs typeface="Open Sans"/>
-                <a:sym typeface="Open Sans"/>
-              </a:rPr>
-              <a:t> ad minim </a:t>
-            </a:r>
-            <a:r>
-              <a:rPr lang="en-US" sz="2400" b="0" i="0" u="none" strike="noStrike" cap="none" dirty="0" err="1">
-                <a:solidFill>
-                  <a:srgbClr val="000000"/>
-                </a:solidFill>
-                <a:latin typeface="Open Sans"/>
-                <a:ea typeface="Open Sans"/>
-                <a:cs typeface="Open Sans"/>
-                <a:sym typeface="Open Sans"/>
-              </a:rPr>
-              <a:t>veniam</a:t>
-            </a:r>
-            <a:r>
-              <a:rPr lang="en-US" sz="2400" b="0" i="0" u="none" strike="noStrike" cap="none" dirty="0">
-                <a:solidFill>
-                  <a:srgbClr val="000000"/>
-                </a:solidFill>
-                <a:latin typeface="Open Sans"/>
-                <a:ea typeface="Open Sans"/>
-                <a:cs typeface="Open Sans"/>
-                <a:sym typeface="Open Sans"/>
-              </a:rPr>
-              <a:t>, </a:t>
-            </a:r>
-            <a:r>
-              <a:rPr lang="en-US" sz="2400" b="0" i="0" u="none" strike="noStrike" cap="none" dirty="0" err="1">
-                <a:solidFill>
-                  <a:srgbClr val="000000"/>
-                </a:solidFill>
-                <a:latin typeface="Open Sans"/>
-                <a:ea typeface="Open Sans"/>
-                <a:cs typeface="Open Sans"/>
-                <a:sym typeface="Open Sans"/>
-              </a:rPr>
-              <a:t>quis</a:t>
-            </a:r>
-            <a:r>
-              <a:rPr lang="en-US" sz="2400" b="0" i="0" u="none" strike="noStrike" cap="none" dirty="0">
-                <a:solidFill>
-                  <a:srgbClr val="000000"/>
-                </a:solidFill>
-                <a:latin typeface="Open Sans"/>
-                <a:ea typeface="Open Sans"/>
-                <a:cs typeface="Open Sans"/>
-                <a:sym typeface="Open Sans"/>
-              </a:rPr>
-              <a:t> </a:t>
-            </a:r>
-            <a:r>
-              <a:rPr lang="en-US" sz="2400" b="0" i="0" u="none" strike="noStrike" cap="none" dirty="0" err="1">
-                <a:solidFill>
-                  <a:srgbClr val="000000"/>
-                </a:solidFill>
-                <a:latin typeface="Open Sans"/>
-                <a:ea typeface="Open Sans"/>
-                <a:cs typeface="Open Sans"/>
-                <a:sym typeface="Open Sans"/>
-              </a:rPr>
-              <a:t>nostrud</a:t>
-            </a:r>
-            <a:r>
-              <a:rPr lang="en-US" sz="2400" b="0" i="0" u="none" strike="noStrike" cap="none" dirty="0">
-                <a:solidFill>
-                  <a:srgbClr val="000000"/>
-                </a:solidFill>
-                <a:latin typeface="Open Sans"/>
-                <a:ea typeface="Open Sans"/>
-                <a:cs typeface="Open Sans"/>
-                <a:sym typeface="Open Sans"/>
-              </a:rPr>
-              <a:t> exercitation </a:t>
-            </a:r>
-            <a:r>
-              <a:rPr lang="en-US" sz="2400" b="0" i="0" u="none" strike="noStrike" cap="none" dirty="0" err="1">
-                <a:solidFill>
-                  <a:srgbClr val="000000"/>
-                </a:solidFill>
-                <a:latin typeface="Open Sans"/>
-                <a:ea typeface="Open Sans"/>
-                <a:cs typeface="Open Sans"/>
-                <a:sym typeface="Open Sans"/>
-              </a:rPr>
-              <a:t>ullamco</a:t>
-            </a:r>
-            <a:r>
-              <a:rPr lang="en-US" sz="2400" b="0" i="0" u="none" strike="noStrike" cap="none" dirty="0">
-                <a:solidFill>
-                  <a:srgbClr val="000000"/>
-                </a:solidFill>
-                <a:latin typeface="Open Sans"/>
-                <a:ea typeface="Open Sans"/>
-                <a:cs typeface="Open Sans"/>
-                <a:sym typeface="Open Sans"/>
-              </a:rPr>
-              <a:t> </a:t>
-            </a:r>
-            <a:r>
-              <a:rPr lang="en-US" sz="2400" b="0" i="0" u="none" strike="noStrike" cap="none" dirty="0" err="1">
-                <a:solidFill>
-                  <a:srgbClr val="000000"/>
-                </a:solidFill>
-                <a:latin typeface="Open Sans"/>
-                <a:ea typeface="Open Sans"/>
-                <a:cs typeface="Open Sans"/>
-                <a:sym typeface="Open Sans"/>
-              </a:rPr>
-              <a:t>laboris</a:t>
-            </a:r>
-            <a:r>
-              <a:rPr lang="en-US" sz="2400" b="0" i="0" u="none" strike="noStrike" cap="none" dirty="0">
-                <a:solidFill>
-                  <a:srgbClr val="000000"/>
-                </a:solidFill>
-                <a:latin typeface="Open Sans"/>
-                <a:ea typeface="Open Sans"/>
-                <a:cs typeface="Open Sans"/>
-                <a:sym typeface="Open Sans"/>
-              </a:rPr>
-              <a:t> nisi </a:t>
-            </a:r>
-            <a:r>
-              <a:rPr lang="en-US" sz="2400" b="0" i="0" u="none" strike="noStrike" cap="none" dirty="0" err="1">
-                <a:solidFill>
-                  <a:srgbClr val="000000"/>
-                </a:solidFill>
-                <a:latin typeface="Open Sans"/>
-                <a:ea typeface="Open Sans"/>
-                <a:cs typeface="Open Sans"/>
-                <a:sym typeface="Open Sans"/>
-              </a:rPr>
-              <a:t>ut</a:t>
-            </a:r>
-            <a:r>
-              <a:rPr lang="en-US" sz="2400" b="0" i="0" u="none" strike="noStrike" cap="none" dirty="0">
-                <a:solidFill>
-                  <a:srgbClr val="000000"/>
-                </a:solidFill>
-                <a:latin typeface="Open Sans"/>
-                <a:ea typeface="Open Sans"/>
-                <a:cs typeface="Open Sans"/>
-                <a:sym typeface="Open Sans"/>
-              </a:rPr>
-              <a:t> </a:t>
-            </a:r>
-            <a:r>
-              <a:rPr lang="en-US" sz="2400" b="0" i="0" u="none" strike="noStrike" cap="none" dirty="0" err="1">
-                <a:solidFill>
-                  <a:srgbClr val="000000"/>
-                </a:solidFill>
-                <a:latin typeface="Open Sans"/>
-                <a:ea typeface="Open Sans"/>
-                <a:cs typeface="Open Sans"/>
-                <a:sym typeface="Open Sans"/>
-              </a:rPr>
-              <a:t>aliquip</a:t>
-            </a:r>
-            <a:r>
-              <a:rPr lang="en-US" sz="2400" b="0" i="0" u="none" strike="noStrike" cap="none" dirty="0">
-                <a:solidFill>
-                  <a:srgbClr val="000000"/>
-                </a:solidFill>
-                <a:latin typeface="Open Sans"/>
-                <a:ea typeface="Open Sans"/>
-                <a:cs typeface="Open Sans"/>
-                <a:sym typeface="Open Sans"/>
-              </a:rPr>
-              <a:t> ex </a:t>
-            </a:r>
-            <a:r>
-              <a:rPr lang="en-US" sz="2400" b="0" i="0" u="none" strike="noStrike" cap="none" dirty="0" err="1">
-                <a:solidFill>
-                  <a:srgbClr val="000000"/>
-                </a:solidFill>
-                <a:latin typeface="Open Sans"/>
-                <a:ea typeface="Open Sans"/>
-                <a:cs typeface="Open Sans"/>
-                <a:sym typeface="Open Sans"/>
-              </a:rPr>
-              <a:t>ea</a:t>
-            </a:r>
-            <a:r>
-              <a:rPr lang="en-US" sz="2400" b="0" i="0" u="none" strike="noStrike" cap="none" dirty="0">
-                <a:solidFill>
-                  <a:srgbClr val="000000"/>
-                </a:solidFill>
-                <a:latin typeface="Open Sans"/>
-                <a:ea typeface="Open Sans"/>
-                <a:cs typeface="Open Sans"/>
-                <a:sym typeface="Open Sans"/>
-              </a:rPr>
-              <a:t> </a:t>
-            </a:r>
-            <a:r>
-              <a:rPr lang="en-US" sz="2400" b="0" i="0" u="none" strike="noStrike" cap="none" dirty="0" err="1">
-                <a:solidFill>
-                  <a:srgbClr val="000000"/>
-                </a:solidFill>
-                <a:latin typeface="Open Sans"/>
-                <a:ea typeface="Open Sans"/>
-                <a:cs typeface="Open Sans"/>
-                <a:sym typeface="Open Sans"/>
-              </a:rPr>
-              <a:t>commodo</a:t>
-            </a:r>
-            <a:r>
-              <a:rPr lang="en-US" sz="2400" b="0" i="0" u="none" strike="noStrike" cap="none" dirty="0">
-                <a:solidFill>
-                  <a:srgbClr val="000000"/>
-                </a:solidFill>
-                <a:latin typeface="Open Sans"/>
-                <a:ea typeface="Open Sans"/>
-                <a:cs typeface="Open Sans"/>
-                <a:sym typeface="Open Sans"/>
-              </a:rPr>
-              <a:t> </a:t>
-            </a:r>
-            <a:r>
-              <a:rPr lang="en-US" sz="2400" b="0" i="0" u="none" strike="noStrike" cap="none" dirty="0" err="1">
-                <a:solidFill>
-                  <a:srgbClr val="000000"/>
-                </a:solidFill>
-                <a:latin typeface="Open Sans"/>
-                <a:ea typeface="Open Sans"/>
-                <a:cs typeface="Open Sans"/>
-                <a:sym typeface="Open Sans"/>
-              </a:rPr>
-              <a:t>consequat</a:t>
-            </a:r>
-            <a:r>
-              <a:rPr lang="en-US" sz="2400" b="0" i="0" u="none" strike="noStrike" cap="none" dirty="0">
-                <a:solidFill>
-                  <a:srgbClr val="000000"/>
-                </a:solidFill>
-                <a:latin typeface="Open Sans"/>
-                <a:ea typeface="Open Sans"/>
-                <a:cs typeface="Open Sans"/>
-                <a:sym typeface="Open Sans"/>
-              </a:rPr>
-              <a:t>. Duis </a:t>
-            </a:r>
-            <a:r>
-              <a:rPr lang="en-US" sz="2400" b="0" i="0" u="none" strike="noStrike" cap="none" dirty="0" err="1">
-                <a:solidFill>
-                  <a:srgbClr val="000000"/>
-                </a:solidFill>
-                <a:latin typeface="Open Sans"/>
-                <a:ea typeface="Open Sans"/>
-                <a:cs typeface="Open Sans"/>
-                <a:sym typeface="Open Sans"/>
-              </a:rPr>
-              <a:t>aute</a:t>
-            </a:r>
-            <a:r>
-              <a:rPr lang="en-US" sz="2400" b="0" i="0" u="none" strike="noStrike" cap="none" dirty="0">
-                <a:solidFill>
-                  <a:srgbClr val="000000"/>
-                </a:solidFill>
-                <a:latin typeface="Open Sans"/>
-                <a:ea typeface="Open Sans"/>
-                <a:cs typeface="Open Sans"/>
-                <a:sym typeface="Open Sans"/>
-              </a:rPr>
-              <a:t> </a:t>
-            </a:r>
-            <a:r>
-              <a:rPr lang="en-US" sz="2400" b="0" i="0" u="none" strike="noStrike" cap="none" dirty="0" err="1">
-                <a:solidFill>
-                  <a:srgbClr val="000000"/>
-                </a:solidFill>
-                <a:latin typeface="Open Sans"/>
-                <a:ea typeface="Open Sans"/>
-                <a:cs typeface="Open Sans"/>
-                <a:sym typeface="Open Sans"/>
-              </a:rPr>
-              <a:t>irure</a:t>
-            </a:r>
-            <a:r>
-              <a:rPr lang="en-US" sz="2400" b="0" i="0" u="none" strike="noStrike" cap="none" dirty="0">
-                <a:solidFill>
-                  <a:srgbClr val="000000"/>
-                </a:solidFill>
-                <a:latin typeface="Open Sans"/>
-                <a:ea typeface="Open Sans"/>
-                <a:cs typeface="Open Sans"/>
-                <a:sym typeface="Open Sans"/>
-              </a:rPr>
-              <a:t> dolor in </a:t>
-            </a:r>
-            <a:r>
-              <a:rPr lang="en-US" sz="2400" b="0" i="0" u="none" strike="noStrike" cap="none" dirty="0" err="1">
-                <a:solidFill>
-                  <a:srgbClr val="000000"/>
-                </a:solidFill>
-                <a:latin typeface="Open Sans"/>
-                <a:ea typeface="Open Sans"/>
-                <a:cs typeface="Open Sans"/>
-                <a:sym typeface="Open Sans"/>
-              </a:rPr>
-              <a:t>reprehenderit</a:t>
-            </a:r>
-            <a:r>
-              <a:rPr lang="en-US" sz="2400" b="0" i="0" u="none" strike="noStrike" cap="none" dirty="0">
-                <a:solidFill>
-                  <a:srgbClr val="000000"/>
-                </a:solidFill>
-                <a:latin typeface="Open Sans"/>
-                <a:ea typeface="Open Sans"/>
-                <a:cs typeface="Open Sans"/>
-                <a:sym typeface="Open Sans"/>
-              </a:rPr>
-              <a:t> in </a:t>
-            </a:r>
-            <a:r>
-              <a:rPr lang="en-US" sz="2400" b="0" i="0" u="none" strike="noStrike" cap="none" dirty="0" err="1">
-                <a:solidFill>
-                  <a:srgbClr val="000000"/>
-                </a:solidFill>
-                <a:latin typeface="Open Sans"/>
-                <a:ea typeface="Open Sans"/>
-                <a:cs typeface="Open Sans"/>
-                <a:sym typeface="Open Sans"/>
-              </a:rPr>
-              <a:t>voluptate</a:t>
-            </a:r>
-            <a:r>
-              <a:rPr lang="en-US" sz="2400" b="0" i="0" u="none" strike="noStrike" cap="none" dirty="0">
-                <a:solidFill>
-                  <a:srgbClr val="000000"/>
-                </a:solidFill>
-                <a:latin typeface="Open Sans"/>
-                <a:ea typeface="Open Sans"/>
-                <a:cs typeface="Open Sans"/>
-                <a:sym typeface="Open Sans"/>
-              </a:rPr>
-              <a:t> </a:t>
-            </a:r>
-            <a:r>
-              <a:rPr lang="en-US" sz="2400" b="0" i="0" u="none" strike="noStrike" cap="none" dirty="0" err="1">
-                <a:solidFill>
-                  <a:srgbClr val="000000"/>
-                </a:solidFill>
-                <a:latin typeface="Open Sans"/>
-                <a:ea typeface="Open Sans"/>
-                <a:cs typeface="Open Sans"/>
-                <a:sym typeface="Open Sans"/>
-              </a:rPr>
-              <a:t>velit</a:t>
-            </a:r>
-            <a:r>
-              <a:rPr lang="en-US" sz="2400" b="0" i="0" u="none" strike="noStrike" cap="none" dirty="0">
-                <a:solidFill>
-                  <a:srgbClr val="000000"/>
-                </a:solidFill>
-                <a:latin typeface="Open Sans"/>
-                <a:ea typeface="Open Sans"/>
-                <a:cs typeface="Open Sans"/>
-                <a:sym typeface="Open Sans"/>
-              </a:rPr>
-              <a:t> </a:t>
-            </a:r>
-            <a:r>
-              <a:rPr lang="en-US" sz="2400" b="0" i="0" u="none" strike="noStrike" cap="none" dirty="0" err="1">
-                <a:solidFill>
-                  <a:srgbClr val="000000"/>
-                </a:solidFill>
-                <a:latin typeface="Open Sans"/>
-                <a:ea typeface="Open Sans"/>
-                <a:cs typeface="Open Sans"/>
-                <a:sym typeface="Open Sans"/>
-              </a:rPr>
-              <a:t>esse</a:t>
-            </a:r>
-            <a:r>
-              <a:rPr lang="en-US" sz="2400" b="0" i="0" u="none" strike="noStrike" cap="none" dirty="0">
-                <a:solidFill>
-                  <a:srgbClr val="000000"/>
-                </a:solidFill>
-                <a:latin typeface="Open Sans"/>
-                <a:ea typeface="Open Sans"/>
-                <a:cs typeface="Open Sans"/>
-                <a:sym typeface="Open Sans"/>
-              </a:rPr>
-              <a:t> </a:t>
-            </a:r>
-            <a:r>
-              <a:rPr lang="en-US" sz="2400" b="0" i="0" u="none" strike="noStrike" cap="none" dirty="0" err="1">
-                <a:solidFill>
-                  <a:srgbClr val="000000"/>
-                </a:solidFill>
-                <a:latin typeface="Open Sans"/>
-                <a:ea typeface="Open Sans"/>
-                <a:cs typeface="Open Sans"/>
-                <a:sym typeface="Open Sans"/>
-              </a:rPr>
-              <a:t>cillum</a:t>
-            </a:r>
-            <a:r>
-              <a:rPr lang="en-US" sz="2400" b="0" i="0" u="none" strike="noStrike" cap="none" dirty="0">
-                <a:solidFill>
-                  <a:srgbClr val="000000"/>
-                </a:solidFill>
-                <a:latin typeface="Open Sans"/>
-                <a:ea typeface="Open Sans"/>
-                <a:cs typeface="Open Sans"/>
-                <a:sym typeface="Open Sans"/>
-              </a:rPr>
-              <a:t> dolore </a:t>
-            </a:r>
-            <a:r>
-              <a:rPr lang="en-US" sz="2400" b="0" i="0" u="none" strike="noStrike" cap="none" dirty="0" err="1">
-                <a:solidFill>
-                  <a:srgbClr val="000000"/>
-                </a:solidFill>
-                <a:latin typeface="Open Sans"/>
-                <a:ea typeface="Open Sans"/>
-                <a:cs typeface="Open Sans"/>
-                <a:sym typeface="Open Sans"/>
-              </a:rPr>
-              <a:t>eu</a:t>
-            </a:r>
-            <a:r>
-              <a:rPr lang="en-US" sz="2400" b="0" i="0" u="none" strike="noStrike" cap="none" dirty="0">
-                <a:solidFill>
-                  <a:srgbClr val="000000"/>
-                </a:solidFill>
-                <a:latin typeface="Open Sans"/>
-                <a:ea typeface="Open Sans"/>
-                <a:cs typeface="Open Sans"/>
-                <a:sym typeface="Open Sans"/>
-              </a:rPr>
-              <a:t> </a:t>
-            </a:r>
-            <a:r>
-              <a:rPr lang="en-US" sz="2400" b="0" i="0" u="none" strike="noStrike" cap="none" dirty="0" err="1">
-                <a:solidFill>
-                  <a:srgbClr val="000000"/>
-                </a:solidFill>
-                <a:latin typeface="Open Sans"/>
-                <a:ea typeface="Open Sans"/>
-                <a:cs typeface="Open Sans"/>
-                <a:sym typeface="Open Sans"/>
-              </a:rPr>
-              <a:t>fugiat</a:t>
-            </a:r>
-            <a:r>
-              <a:rPr lang="en-US" sz="2400" b="0" i="0" u="none" strike="noStrike" cap="none" dirty="0">
-                <a:solidFill>
-                  <a:srgbClr val="000000"/>
-                </a:solidFill>
-                <a:latin typeface="Open Sans"/>
-                <a:ea typeface="Open Sans"/>
-                <a:cs typeface="Open Sans"/>
-                <a:sym typeface="Open Sans"/>
-              </a:rPr>
-              <a:t> </a:t>
-            </a:r>
-            <a:r>
-              <a:rPr lang="en-US" sz="2400" b="0" i="0" u="none" strike="noStrike" cap="none" dirty="0" err="1">
-                <a:solidFill>
-                  <a:srgbClr val="000000"/>
-                </a:solidFill>
-                <a:latin typeface="Open Sans"/>
-                <a:ea typeface="Open Sans"/>
-                <a:cs typeface="Open Sans"/>
-                <a:sym typeface="Open Sans"/>
-              </a:rPr>
-              <a:t>nulla</a:t>
-            </a:r>
-            <a:r>
-              <a:rPr lang="en-US" sz="2400" b="0" i="0" u="none" strike="noStrike" cap="none" dirty="0">
-                <a:solidFill>
-                  <a:srgbClr val="000000"/>
-                </a:solidFill>
-                <a:latin typeface="Open Sans"/>
-                <a:ea typeface="Open Sans"/>
-                <a:cs typeface="Open Sans"/>
-                <a:sym typeface="Open Sans"/>
-              </a:rPr>
-              <a:t> </a:t>
-            </a:r>
-            <a:r>
-              <a:rPr lang="en-US" sz="2400" b="0" i="0" u="none" strike="noStrike" cap="none" dirty="0" err="1">
-                <a:solidFill>
-                  <a:srgbClr val="000000"/>
-                </a:solidFill>
-                <a:latin typeface="Open Sans"/>
-                <a:ea typeface="Open Sans"/>
-                <a:cs typeface="Open Sans"/>
-                <a:sym typeface="Open Sans"/>
-              </a:rPr>
-              <a:t>pariatur</a:t>
-            </a:r>
-            <a:r>
-              <a:rPr lang="en-US" sz="2400" b="0" i="0" u="none" strike="noStrike" cap="none" dirty="0">
-                <a:solidFill>
-                  <a:srgbClr val="000000"/>
-                </a:solidFill>
-                <a:latin typeface="Open Sans"/>
-                <a:ea typeface="Open Sans"/>
-                <a:cs typeface="Open Sans"/>
-                <a:sym typeface="Open Sans"/>
-              </a:rPr>
-              <a:t>. </a:t>
-            </a:r>
-            <a:r>
-              <a:rPr lang="en-US" sz="2400" b="0" i="0" u="none" strike="noStrike" cap="none" dirty="0" err="1">
-                <a:solidFill>
-                  <a:srgbClr val="000000"/>
-                </a:solidFill>
-                <a:latin typeface="Open Sans"/>
-                <a:ea typeface="Open Sans"/>
-                <a:cs typeface="Open Sans"/>
-                <a:sym typeface="Open Sans"/>
-              </a:rPr>
-              <a:t>Excepteur</a:t>
-            </a:r>
-            <a:r>
-              <a:rPr lang="en-US" sz="2400" b="0" i="0" u="none" strike="noStrike" cap="none" dirty="0">
-                <a:solidFill>
-                  <a:srgbClr val="000000"/>
-                </a:solidFill>
-                <a:latin typeface="Open Sans"/>
-                <a:ea typeface="Open Sans"/>
-                <a:cs typeface="Open Sans"/>
-                <a:sym typeface="Open Sans"/>
-              </a:rPr>
-              <a:t> </a:t>
-            </a:r>
-            <a:r>
-              <a:rPr lang="en-US" sz="2400" b="0" i="0" u="none" strike="noStrike" cap="none" dirty="0" err="1">
-                <a:solidFill>
-                  <a:srgbClr val="000000"/>
-                </a:solidFill>
-                <a:latin typeface="Open Sans"/>
-                <a:ea typeface="Open Sans"/>
-                <a:cs typeface="Open Sans"/>
-                <a:sym typeface="Open Sans"/>
-              </a:rPr>
-              <a:t>sint</a:t>
-            </a:r>
-            <a:r>
-              <a:rPr lang="en-US" sz="2400" b="0" i="0" u="none" strike="noStrike" cap="none" dirty="0">
-                <a:solidFill>
-                  <a:srgbClr val="000000"/>
-                </a:solidFill>
-                <a:latin typeface="Open Sans"/>
-                <a:ea typeface="Open Sans"/>
-                <a:cs typeface="Open Sans"/>
-                <a:sym typeface="Open Sans"/>
-              </a:rPr>
-              <a:t> </a:t>
-            </a:r>
-            <a:r>
-              <a:rPr lang="en-US" sz="2400" b="0" i="0" u="none" strike="noStrike" cap="none" dirty="0" err="1">
-                <a:solidFill>
-                  <a:srgbClr val="000000"/>
-                </a:solidFill>
-                <a:latin typeface="Open Sans"/>
-                <a:ea typeface="Open Sans"/>
-                <a:cs typeface="Open Sans"/>
-                <a:sym typeface="Open Sans"/>
-              </a:rPr>
-              <a:t>occaecat</a:t>
-            </a:r>
-            <a:r>
-              <a:rPr lang="en-US" sz="2400" b="0" i="0" u="none" strike="noStrike" cap="none" dirty="0">
-                <a:solidFill>
-                  <a:srgbClr val="000000"/>
-                </a:solidFill>
-                <a:latin typeface="Open Sans"/>
-                <a:ea typeface="Open Sans"/>
-                <a:cs typeface="Open Sans"/>
-                <a:sym typeface="Open Sans"/>
-              </a:rPr>
-              <a:t> </a:t>
-            </a:r>
-            <a:r>
-              <a:rPr lang="en-US" sz="2400" b="0" i="0" u="none" strike="noStrike" cap="none" dirty="0" err="1">
-                <a:solidFill>
-                  <a:srgbClr val="000000"/>
-                </a:solidFill>
-                <a:latin typeface="Open Sans"/>
-                <a:ea typeface="Open Sans"/>
-                <a:cs typeface="Open Sans"/>
-                <a:sym typeface="Open Sans"/>
-              </a:rPr>
-              <a:t>cupidatat</a:t>
-            </a:r>
-            <a:r>
-              <a:rPr lang="en-US" sz="2400" b="0" i="0" u="none" strike="noStrike" cap="none" dirty="0">
-                <a:solidFill>
-                  <a:srgbClr val="000000"/>
-                </a:solidFill>
-                <a:latin typeface="Open Sans"/>
-                <a:ea typeface="Open Sans"/>
-                <a:cs typeface="Open Sans"/>
-                <a:sym typeface="Open Sans"/>
-              </a:rPr>
-              <a:t> non </a:t>
-            </a:r>
-            <a:r>
-              <a:rPr lang="en-US" sz="2400" b="0" i="0" u="none" strike="noStrike" cap="none" dirty="0" err="1">
-                <a:solidFill>
-                  <a:srgbClr val="000000"/>
-                </a:solidFill>
-                <a:latin typeface="Open Sans"/>
-                <a:ea typeface="Open Sans"/>
-                <a:cs typeface="Open Sans"/>
-                <a:sym typeface="Open Sans"/>
-              </a:rPr>
-              <a:t>proident</a:t>
-            </a:r>
-            <a:r>
-              <a:rPr lang="en-US" sz="2400" b="0" i="0" u="none" strike="noStrike" cap="none" dirty="0">
-                <a:solidFill>
-                  <a:srgbClr val="000000"/>
-                </a:solidFill>
-                <a:latin typeface="Open Sans"/>
-                <a:ea typeface="Open Sans"/>
-                <a:cs typeface="Open Sans"/>
-                <a:sym typeface="Open Sans"/>
-              </a:rPr>
-              <a:t>, sunt in culpa qui </a:t>
-            </a:r>
-            <a:r>
-              <a:rPr lang="en-US" sz="2400" b="0" i="0" u="none" strike="noStrike" cap="none" dirty="0" err="1">
-                <a:solidFill>
-                  <a:srgbClr val="000000"/>
-                </a:solidFill>
-                <a:latin typeface="Open Sans"/>
-                <a:ea typeface="Open Sans"/>
-                <a:cs typeface="Open Sans"/>
-                <a:sym typeface="Open Sans"/>
-              </a:rPr>
-              <a:t>officia</a:t>
-            </a:r>
-            <a:r>
-              <a:rPr lang="en-US" sz="2400" b="0" i="0" u="none" strike="noStrike" cap="none" dirty="0">
-                <a:solidFill>
-                  <a:srgbClr val="000000"/>
-                </a:solidFill>
-                <a:latin typeface="Open Sans"/>
-                <a:ea typeface="Open Sans"/>
-                <a:cs typeface="Open Sans"/>
-                <a:sym typeface="Open Sans"/>
-              </a:rPr>
-              <a:t> </a:t>
-            </a:r>
-            <a:r>
-              <a:rPr lang="en-US" sz="2400" b="0" i="0" u="none" strike="noStrike" cap="none" dirty="0" err="1">
-                <a:solidFill>
-                  <a:srgbClr val="000000"/>
-                </a:solidFill>
-                <a:latin typeface="Open Sans"/>
-                <a:ea typeface="Open Sans"/>
-                <a:cs typeface="Open Sans"/>
-                <a:sym typeface="Open Sans"/>
-              </a:rPr>
-              <a:t>deserunt</a:t>
-            </a:r>
-            <a:r>
-              <a:rPr lang="en-US" sz="2400" b="0" i="0" u="none" strike="noStrike" cap="none" dirty="0">
-                <a:solidFill>
-                  <a:srgbClr val="000000"/>
-                </a:solidFill>
-                <a:latin typeface="Open Sans"/>
-                <a:ea typeface="Open Sans"/>
-                <a:cs typeface="Open Sans"/>
-                <a:sym typeface="Open Sans"/>
-              </a:rPr>
-              <a:t> </a:t>
-            </a:r>
-            <a:r>
-              <a:rPr lang="en-US" sz="2400" b="0" i="0" u="none" strike="noStrike" cap="none" dirty="0" err="1">
-                <a:solidFill>
-                  <a:srgbClr val="000000"/>
-                </a:solidFill>
-                <a:latin typeface="Open Sans"/>
-                <a:ea typeface="Open Sans"/>
-                <a:cs typeface="Open Sans"/>
-                <a:sym typeface="Open Sans"/>
-              </a:rPr>
-              <a:t>mollit</a:t>
-            </a:r>
-            <a:r>
-              <a:rPr lang="en-US" sz="2400" b="0" i="0" u="none" strike="noStrike" cap="none" dirty="0">
-                <a:solidFill>
-                  <a:srgbClr val="000000"/>
-                </a:solidFill>
-                <a:latin typeface="Open Sans"/>
-                <a:ea typeface="Open Sans"/>
-                <a:cs typeface="Open Sans"/>
-                <a:sym typeface="Open Sans"/>
-              </a:rPr>
-              <a:t> </a:t>
-            </a:r>
-            <a:r>
-              <a:rPr lang="en-US" sz="2400" b="0" i="0" u="none" strike="noStrike" cap="none" dirty="0" err="1">
-                <a:solidFill>
-                  <a:srgbClr val="000000"/>
-                </a:solidFill>
-                <a:latin typeface="Open Sans"/>
-                <a:ea typeface="Open Sans"/>
-                <a:cs typeface="Open Sans"/>
-                <a:sym typeface="Open Sans"/>
-              </a:rPr>
-              <a:t>anim</a:t>
-            </a:r>
-            <a:r>
-              <a:rPr lang="en-US" sz="2400" b="0" i="0" u="none" strike="noStrike" cap="none" dirty="0">
-                <a:solidFill>
-                  <a:srgbClr val="000000"/>
-                </a:solidFill>
-                <a:latin typeface="Open Sans"/>
-                <a:ea typeface="Open Sans"/>
-                <a:cs typeface="Open Sans"/>
-                <a:sym typeface="Open Sans"/>
-              </a:rPr>
-              <a:t> id </a:t>
-            </a:r>
-            <a:r>
-              <a:rPr lang="en-US" sz="2400" b="0" i="0" u="none" strike="noStrike" cap="none" dirty="0" err="1">
-                <a:solidFill>
-                  <a:srgbClr val="000000"/>
-                </a:solidFill>
-                <a:latin typeface="Open Sans"/>
-                <a:ea typeface="Open Sans"/>
-                <a:cs typeface="Open Sans"/>
-                <a:sym typeface="Open Sans"/>
-              </a:rPr>
-              <a:t>est</a:t>
-            </a:r>
-            <a:r>
-              <a:rPr lang="en-US" sz="2400" b="0" i="0" u="none" strike="noStrike" cap="none" dirty="0">
-                <a:solidFill>
-                  <a:srgbClr val="000000"/>
-                </a:solidFill>
-                <a:latin typeface="Open Sans"/>
-                <a:ea typeface="Open Sans"/>
-                <a:cs typeface="Open Sans"/>
-                <a:sym typeface="Open Sans"/>
-              </a:rPr>
-              <a:t> </a:t>
-            </a:r>
-            <a:r>
-              <a:rPr lang="en-US" sz="2400" b="0" i="0" u="none" strike="noStrike" cap="none" dirty="0" err="1">
-                <a:solidFill>
-                  <a:srgbClr val="000000"/>
-                </a:solidFill>
-                <a:latin typeface="Open Sans"/>
-                <a:ea typeface="Open Sans"/>
-                <a:cs typeface="Open Sans"/>
-                <a:sym typeface="Open Sans"/>
-              </a:rPr>
-              <a:t>laborum</a:t>
-            </a:r>
-            <a:r>
-              <a:rPr lang="en-US" sz="2400" b="0" i="0" u="none" strike="noStrike" cap="none" dirty="0">
-                <a:solidFill>
-                  <a:srgbClr val="000000"/>
-                </a:solidFill>
-                <a:latin typeface="Open Sans"/>
-                <a:ea typeface="Open Sans"/>
-                <a:cs typeface="Open Sans"/>
-                <a:sym typeface="Open Sans"/>
-              </a:rPr>
-              <a:t>. </a:t>
-            </a:r>
-            <a:endParaRPr dirty="0"/>
-          </a:p>
-          <a:p>
-            <a:pPr marL="0" marR="0" lvl="0" indent="0" algn="l" rtl="0">
-              <a:spcBef>
-                <a:spcPts val="1200"/>
-              </a:spcBef>
-              <a:spcAft>
-                <a:spcPts val="0"/>
-              </a:spcAft>
-              <a:buNone/>
-            </a:pPr>
-            <a:r>
-              <a:rPr lang="en-US" sz="2400" b="0" i="0" u="none" strike="noStrike" cap="none" dirty="0">
-                <a:solidFill>
-                  <a:srgbClr val="000000"/>
-                </a:solidFill>
-                <a:latin typeface="Open Sans"/>
-                <a:ea typeface="Open Sans"/>
-                <a:cs typeface="Open Sans"/>
-                <a:sym typeface="Open Sans"/>
-              </a:rPr>
-              <a:t>Lorem ipsum dolor sit </a:t>
-            </a:r>
-            <a:r>
-              <a:rPr lang="en-US" sz="2400" b="0" i="0" u="none" strike="noStrike" cap="none" dirty="0" err="1">
-                <a:solidFill>
-                  <a:srgbClr val="000000"/>
-                </a:solidFill>
-                <a:latin typeface="Open Sans"/>
-                <a:ea typeface="Open Sans"/>
-                <a:cs typeface="Open Sans"/>
-                <a:sym typeface="Open Sans"/>
-              </a:rPr>
-              <a:t>amet</a:t>
-            </a:r>
-            <a:r>
-              <a:rPr lang="en-US" sz="2400" b="0" i="0" u="none" strike="noStrike" cap="none" dirty="0">
-                <a:solidFill>
-                  <a:srgbClr val="000000"/>
-                </a:solidFill>
-                <a:latin typeface="Open Sans"/>
-                <a:ea typeface="Open Sans"/>
-                <a:cs typeface="Open Sans"/>
-                <a:sym typeface="Open Sans"/>
-              </a:rPr>
-              <a:t>, </a:t>
-            </a:r>
-            <a:r>
-              <a:rPr lang="en-US" sz="2400" b="0" i="0" u="none" strike="noStrike" cap="none" dirty="0" err="1">
-                <a:solidFill>
-                  <a:srgbClr val="000000"/>
-                </a:solidFill>
-                <a:latin typeface="Open Sans"/>
-                <a:ea typeface="Open Sans"/>
-                <a:cs typeface="Open Sans"/>
-                <a:sym typeface="Open Sans"/>
-              </a:rPr>
-              <a:t>consectetur</a:t>
-            </a:r>
-            <a:r>
-              <a:rPr lang="en-US" sz="2400" b="0" i="0" u="none" strike="noStrike" cap="none" dirty="0">
-                <a:solidFill>
-                  <a:srgbClr val="000000"/>
-                </a:solidFill>
-                <a:latin typeface="Open Sans"/>
-                <a:ea typeface="Open Sans"/>
-                <a:cs typeface="Open Sans"/>
-                <a:sym typeface="Open Sans"/>
-              </a:rPr>
-              <a:t> </a:t>
-            </a:r>
-            <a:r>
-              <a:rPr lang="en-US" sz="2400" b="0" i="0" u="none" strike="noStrike" cap="none" dirty="0" err="1">
-                <a:solidFill>
-                  <a:srgbClr val="000000"/>
-                </a:solidFill>
-                <a:latin typeface="Open Sans"/>
-                <a:ea typeface="Open Sans"/>
-                <a:cs typeface="Open Sans"/>
-                <a:sym typeface="Open Sans"/>
-              </a:rPr>
-              <a:t>adipiscing</a:t>
-            </a:r>
-            <a:r>
-              <a:rPr lang="en-US" sz="2400" b="0" i="0" u="none" strike="noStrike" cap="none" dirty="0">
-                <a:solidFill>
-                  <a:srgbClr val="000000"/>
-                </a:solidFill>
-                <a:latin typeface="Open Sans"/>
-                <a:ea typeface="Open Sans"/>
-                <a:cs typeface="Open Sans"/>
-                <a:sym typeface="Open Sans"/>
-              </a:rPr>
-              <a:t> </a:t>
-            </a:r>
-            <a:r>
-              <a:rPr lang="en-US" sz="2400" b="0" i="0" u="none" strike="noStrike" cap="none" dirty="0" err="1">
-                <a:solidFill>
-                  <a:srgbClr val="000000"/>
-                </a:solidFill>
-                <a:latin typeface="Open Sans"/>
-                <a:ea typeface="Open Sans"/>
-                <a:cs typeface="Open Sans"/>
-                <a:sym typeface="Open Sans"/>
-              </a:rPr>
-              <a:t>elit</a:t>
-            </a:r>
-            <a:r>
-              <a:rPr lang="en-US" sz="2400" b="0" i="0" u="none" strike="noStrike" cap="none" dirty="0">
-                <a:solidFill>
-                  <a:srgbClr val="000000"/>
-                </a:solidFill>
-                <a:latin typeface="Open Sans"/>
-                <a:ea typeface="Open Sans"/>
-                <a:cs typeface="Open Sans"/>
-                <a:sym typeface="Open Sans"/>
-              </a:rPr>
-              <a:t>, sed do </a:t>
-            </a:r>
-            <a:r>
-              <a:rPr lang="en-US" sz="2400" b="0" i="0" u="none" strike="noStrike" cap="none" dirty="0" err="1">
-                <a:solidFill>
-                  <a:srgbClr val="000000"/>
-                </a:solidFill>
-                <a:latin typeface="Open Sans"/>
-                <a:ea typeface="Open Sans"/>
-                <a:cs typeface="Open Sans"/>
-                <a:sym typeface="Open Sans"/>
-              </a:rPr>
-              <a:t>eiusmod</a:t>
-            </a:r>
-            <a:r>
-              <a:rPr lang="en-US" sz="2400" b="0" i="0" u="none" strike="noStrike" cap="none" dirty="0">
-                <a:solidFill>
-                  <a:srgbClr val="000000"/>
-                </a:solidFill>
-                <a:latin typeface="Open Sans"/>
-                <a:ea typeface="Open Sans"/>
-                <a:cs typeface="Open Sans"/>
-                <a:sym typeface="Open Sans"/>
-              </a:rPr>
-              <a:t> </a:t>
-            </a:r>
-            <a:r>
-              <a:rPr lang="en-US" sz="2400" b="0" i="0" u="none" strike="noStrike" cap="none" dirty="0" err="1">
-                <a:solidFill>
-                  <a:srgbClr val="000000"/>
-                </a:solidFill>
-                <a:latin typeface="Open Sans"/>
-                <a:ea typeface="Open Sans"/>
-                <a:cs typeface="Open Sans"/>
-                <a:sym typeface="Open Sans"/>
-              </a:rPr>
-              <a:t>tempor</a:t>
-            </a:r>
-            <a:r>
-              <a:rPr lang="en-US" sz="2400" b="0" i="0" u="none" strike="noStrike" cap="none" dirty="0">
-                <a:solidFill>
-                  <a:srgbClr val="000000"/>
-                </a:solidFill>
-                <a:latin typeface="Open Sans"/>
-                <a:ea typeface="Open Sans"/>
-                <a:cs typeface="Open Sans"/>
-                <a:sym typeface="Open Sans"/>
-              </a:rPr>
-              <a:t> </a:t>
-            </a:r>
-            <a:r>
-              <a:rPr lang="en-US" sz="2400" b="0" i="0" u="none" strike="noStrike" cap="none" dirty="0" err="1">
-                <a:solidFill>
-                  <a:srgbClr val="000000"/>
-                </a:solidFill>
-                <a:latin typeface="Open Sans"/>
-                <a:ea typeface="Open Sans"/>
-                <a:cs typeface="Open Sans"/>
-                <a:sym typeface="Open Sans"/>
-              </a:rPr>
-              <a:t>incididunt</a:t>
-            </a:r>
-            <a:r>
-              <a:rPr lang="en-US" sz="2400" b="0" i="0" u="none" strike="noStrike" cap="none" dirty="0">
-                <a:solidFill>
-                  <a:srgbClr val="000000"/>
-                </a:solidFill>
-                <a:latin typeface="Open Sans"/>
-                <a:ea typeface="Open Sans"/>
-                <a:cs typeface="Open Sans"/>
-                <a:sym typeface="Open Sans"/>
-              </a:rPr>
-              <a:t> </a:t>
-            </a:r>
-            <a:r>
-              <a:rPr lang="en-US" sz="2400" b="0" i="0" u="none" strike="noStrike" cap="none" dirty="0" err="1">
-                <a:solidFill>
-                  <a:srgbClr val="000000"/>
-                </a:solidFill>
-                <a:latin typeface="Open Sans"/>
-                <a:ea typeface="Open Sans"/>
-                <a:cs typeface="Open Sans"/>
-                <a:sym typeface="Open Sans"/>
-              </a:rPr>
-              <a:t>ut</a:t>
-            </a:r>
-            <a:r>
-              <a:rPr lang="en-US" sz="2400" b="0" i="0" u="none" strike="noStrike" cap="none" dirty="0">
-                <a:solidFill>
-                  <a:srgbClr val="000000"/>
-                </a:solidFill>
-                <a:latin typeface="Open Sans"/>
-                <a:ea typeface="Open Sans"/>
-                <a:cs typeface="Open Sans"/>
-                <a:sym typeface="Open Sans"/>
-              </a:rPr>
-              <a:t> labore et dolore magna </a:t>
-            </a:r>
-            <a:r>
-              <a:rPr lang="en-US" sz="2400" b="0" i="0" u="none" strike="noStrike" cap="none" dirty="0" err="1">
-                <a:solidFill>
-                  <a:srgbClr val="000000"/>
-                </a:solidFill>
-                <a:latin typeface="Open Sans"/>
-                <a:ea typeface="Open Sans"/>
-                <a:cs typeface="Open Sans"/>
-                <a:sym typeface="Open Sans"/>
-              </a:rPr>
-              <a:t>aliqua</a:t>
-            </a:r>
-            <a:r>
-              <a:rPr lang="en-US" sz="2400" b="0" i="0" u="none" strike="noStrike" cap="none" dirty="0">
-                <a:solidFill>
-                  <a:srgbClr val="000000"/>
-                </a:solidFill>
-                <a:latin typeface="Open Sans"/>
-                <a:ea typeface="Open Sans"/>
-                <a:cs typeface="Open Sans"/>
-                <a:sym typeface="Open Sans"/>
-              </a:rPr>
-              <a:t>. Ut </a:t>
-            </a:r>
-            <a:r>
-              <a:rPr lang="en-US" sz="2400" b="0" i="0" u="none" strike="noStrike" cap="none" dirty="0" err="1">
-                <a:solidFill>
-                  <a:srgbClr val="000000"/>
-                </a:solidFill>
-                <a:latin typeface="Open Sans"/>
-                <a:ea typeface="Open Sans"/>
-                <a:cs typeface="Open Sans"/>
-                <a:sym typeface="Open Sans"/>
-              </a:rPr>
-              <a:t>enim</a:t>
-            </a:r>
-            <a:r>
-              <a:rPr lang="en-US" sz="2400" b="0" i="0" u="none" strike="noStrike" cap="none" dirty="0">
-                <a:solidFill>
-                  <a:srgbClr val="000000"/>
-                </a:solidFill>
-                <a:latin typeface="Open Sans"/>
-                <a:ea typeface="Open Sans"/>
-                <a:cs typeface="Open Sans"/>
-                <a:sym typeface="Open Sans"/>
-              </a:rPr>
-              <a:t> ad minim </a:t>
-            </a:r>
-            <a:r>
-              <a:rPr lang="en-US" sz="2400" b="0" i="0" u="none" strike="noStrike" cap="none" dirty="0" err="1">
-                <a:solidFill>
-                  <a:srgbClr val="000000"/>
-                </a:solidFill>
-                <a:latin typeface="Open Sans"/>
-                <a:ea typeface="Open Sans"/>
-                <a:cs typeface="Open Sans"/>
-                <a:sym typeface="Open Sans"/>
-              </a:rPr>
-              <a:t>veniam</a:t>
-            </a:r>
-            <a:r>
-              <a:rPr lang="en-US" sz="2400" b="0" i="0" u="none" strike="noStrike" cap="none" dirty="0">
-                <a:solidFill>
-                  <a:srgbClr val="000000"/>
-                </a:solidFill>
-                <a:latin typeface="Open Sans"/>
-                <a:ea typeface="Open Sans"/>
-                <a:cs typeface="Open Sans"/>
-                <a:sym typeface="Open Sans"/>
-              </a:rPr>
-              <a:t>, </a:t>
-            </a:r>
-            <a:r>
-              <a:rPr lang="en-US" sz="2400" b="0" i="0" u="none" strike="noStrike" cap="none" dirty="0" err="1">
-                <a:solidFill>
-                  <a:srgbClr val="000000"/>
-                </a:solidFill>
-                <a:latin typeface="Open Sans"/>
-                <a:ea typeface="Open Sans"/>
-                <a:cs typeface="Open Sans"/>
-                <a:sym typeface="Open Sans"/>
-              </a:rPr>
-              <a:t>quis</a:t>
-            </a:r>
-            <a:r>
-              <a:rPr lang="en-US" sz="2400" b="0" i="0" u="none" strike="noStrike" cap="none" dirty="0">
-                <a:solidFill>
-                  <a:srgbClr val="000000"/>
-                </a:solidFill>
-                <a:latin typeface="Open Sans"/>
-                <a:ea typeface="Open Sans"/>
-                <a:cs typeface="Open Sans"/>
-                <a:sym typeface="Open Sans"/>
-              </a:rPr>
-              <a:t> </a:t>
-            </a:r>
-            <a:r>
-              <a:rPr lang="en-US" sz="2400" b="0" i="0" u="none" strike="noStrike" cap="none" dirty="0" err="1">
-                <a:solidFill>
-                  <a:srgbClr val="000000"/>
-                </a:solidFill>
-                <a:latin typeface="Open Sans"/>
-                <a:ea typeface="Open Sans"/>
-                <a:cs typeface="Open Sans"/>
-                <a:sym typeface="Open Sans"/>
-              </a:rPr>
-              <a:t>nostrud</a:t>
-            </a:r>
-            <a:r>
-              <a:rPr lang="en-US" sz="2400" b="0" i="0" u="none" strike="noStrike" cap="none" dirty="0">
-                <a:solidFill>
-                  <a:srgbClr val="000000"/>
-                </a:solidFill>
-                <a:latin typeface="Open Sans"/>
-                <a:ea typeface="Open Sans"/>
-                <a:cs typeface="Open Sans"/>
-                <a:sym typeface="Open Sans"/>
-              </a:rPr>
-              <a:t> exercitation </a:t>
-            </a:r>
-            <a:r>
-              <a:rPr lang="en-US" sz="2400" b="0" i="0" u="none" strike="noStrike" cap="none" dirty="0" err="1">
-                <a:solidFill>
-                  <a:srgbClr val="000000"/>
-                </a:solidFill>
-                <a:latin typeface="Open Sans"/>
-                <a:ea typeface="Open Sans"/>
-                <a:cs typeface="Open Sans"/>
-                <a:sym typeface="Open Sans"/>
-              </a:rPr>
-              <a:t>ullamco</a:t>
-            </a:r>
-            <a:r>
-              <a:rPr lang="en-US" sz="2400" b="0" i="0" u="none" strike="noStrike" cap="none" dirty="0">
-                <a:solidFill>
-                  <a:srgbClr val="000000"/>
-                </a:solidFill>
-                <a:latin typeface="Open Sans"/>
-                <a:ea typeface="Open Sans"/>
-                <a:cs typeface="Open Sans"/>
-                <a:sym typeface="Open Sans"/>
-              </a:rPr>
-              <a:t> </a:t>
-            </a:r>
-            <a:r>
-              <a:rPr lang="en-US" sz="2400" b="0" i="0" u="none" strike="noStrike" cap="none" dirty="0" err="1">
-                <a:solidFill>
-                  <a:srgbClr val="000000"/>
-                </a:solidFill>
-                <a:latin typeface="Open Sans"/>
-                <a:ea typeface="Open Sans"/>
-                <a:cs typeface="Open Sans"/>
-                <a:sym typeface="Open Sans"/>
-              </a:rPr>
-              <a:t>laboris</a:t>
-            </a:r>
-            <a:r>
-              <a:rPr lang="en-US" sz="2400" b="0" i="0" u="none" strike="noStrike" cap="none" dirty="0">
-                <a:solidFill>
-                  <a:srgbClr val="000000"/>
-                </a:solidFill>
-                <a:latin typeface="Open Sans"/>
-                <a:ea typeface="Open Sans"/>
-                <a:cs typeface="Open Sans"/>
-                <a:sym typeface="Open Sans"/>
-              </a:rPr>
-              <a:t> nisi </a:t>
-            </a:r>
-            <a:r>
-              <a:rPr lang="en-US" sz="2400" b="0" i="0" u="none" strike="noStrike" cap="none" dirty="0" err="1">
-                <a:solidFill>
-                  <a:srgbClr val="000000"/>
-                </a:solidFill>
-                <a:latin typeface="Open Sans"/>
-                <a:ea typeface="Open Sans"/>
-                <a:cs typeface="Open Sans"/>
-                <a:sym typeface="Open Sans"/>
-              </a:rPr>
-              <a:t>ut</a:t>
-            </a:r>
-            <a:r>
-              <a:rPr lang="en-US" sz="2400" b="0" i="0" u="none" strike="noStrike" cap="none" dirty="0">
-                <a:solidFill>
-                  <a:srgbClr val="000000"/>
-                </a:solidFill>
-                <a:latin typeface="Open Sans"/>
-                <a:ea typeface="Open Sans"/>
-                <a:cs typeface="Open Sans"/>
-                <a:sym typeface="Open Sans"/>
-              </a:rPr>
-              <a:t> </a:t>
-            </a:r>
-            <a:r>
-              <a:rPr lang="en-US" sz="2400" b="0" i="0" u="none" strike="noStrike" cap="none" dirty="0" err="1">
-                <a:solidFill>
-                  <a:srgbClr val="000000"/>
-                </a:solidFill>
-                <a:latin typeface="Open Sans"/>
-                <a:ea typeface="Open Sans"/>
-                <a:cs typeface="Open Sans"/>
-                <a:sym typeface="Open Sans"/>
-              </a:rPr>
-              <a:t>aliquip</a:t>
-            </a:r>
-            <a:r>
-              <a:rPr lang="en-US" sz="2400" b="0" i="0" u="none" strike="noStrike" cap="none" dirty="0">
-                <a:solidFill>
-                  <a:srgbClr val="000000"/>
-                </a:solidFill>
-                <a:latin typeface="Open Sans"/>
-                <a:ea typeface="Open Sans"/>
-                <a:cs typeface="Open Sans"/>
-                <a:sym typeface="Open Sans"/>
-              </a:rPr>
-              <a:t> ex </a:t>
-            </a:r>
-            <a:r>
-              <a:rPr lang="en-US" sz="2400" b="0" i="0" u="none" strike="noStrike" cap="none" dirty="0" err="1">
-                <a:solidFill>
-                  <a:srgbClr val="000000"/>
-                </a:solidFill>
-                <a:latin typeface="Open Sans"/>
-                <a:ea typeface="Open Sans"/>
-                <a:cs typeface="Open Sans"/>
-                <a:sym typeface="Open Sans"/>
-              </a:rPr>
-              <a:t>ea</a:t>
-            </a:r>
-            <a:r>
-              <a:rPr lang="en-US" sz="2400" b="0" i="0" u="none" strike="noStrike" cap="none" dirty="0">
-                <a:solidFill>
-                  <a:srgbClr val="000000"/>
-                </a:solidFill>
-                <a:latin typeface="Open Sans"/>
-                <a:ea typeface="Open Sans"/>
-                <a:cs typeface="Open Sans"/>
-                <a:sym typeface="Open Sans"/>
-              </a:rPr>
-              <a:t> </a:t>
-            </a:r>
-            <a:r>
-              <a:rPr lang="en-US" sz="2400" b="0" i="0" u="none" strike="noStrike" cap="none" dirty="0" err="1">
-                <a:solidFill>
-                  <a:srgbClr val="000000"/>
-                </a:solidFill>
-                <a:latin typeface="Open Sans"/>
-                <a:ea typeface="Open Sans"/>
-                <a:cs typeface="Open Sans"/>
-                <a:sym typeface="Open Sans"/>
-              </a:rPr>
-              <a:t>commodo</a:t>
-            </a:r>
-            <a:r>
-              <a:rPr lang="en-US" sz="2400" b="0" i="0" u="none" strike="noStrike" cap="none" dirty="0">
-                <a:solidFill>
-                  <a:srgbClr val="000000"/>
-                </a:solidFill>
-                <a:latin typeface="Open Sans"/>
-                <a:ea typeface="Open Sans"/>
-                <a:cs typeface="Open Sans"/>
-                <a:sym typeface="Open Sans"/>
-              </a:rPr>
-              <a:t> </a:t>
-            </a:r>
-            <a:r>
-              <a:rPr lang="en-US" sz="2400" b="0" i="0" u="none" strike="noStrike" cap="none" dirty="0" err="1">
-                <a:solidFill>
-                  <a:srgbClr val="000000"/>
-                </a:solidFill>
-                <a:latin typeface="Open Sans"/>
-                <a:ea typeface="Open Sans"/>
-                <a:cs typeface="Open Sans"/>
-                <a:sym typeface="Open Sans"/>
-              </a:rPr>
-              <a:t>consequat</a:t>
-            </a:r>
-            <a:r>
-              <a:rPr lang="en-US" sz="2400" b="0" i="0" u="none" strike="noStrike" cap="none" dirty="0">
-                <a:solidFill>
-                  <a:srgbClr val="000000"/>
-                </a:solidFill>
-                <a:latin typeface="Open Sans"/>
-                <a:ea typeface="Open Sans"/>
-                <a:cs typeface="Open Sans"/>
-                <a:sym typeface="Open Sans"/>
-              </a:rPr>
-              <a:t>. Duis </a:t>
-            </a:r>
-            <a:r>
-              <a:rPr lang="en-US" sz="2400" b="0" i="0" u="none" strike="noStrike" cap="none" dirty="0" err="1">
-                <a:solidFill>
-                  <a:srgbClr val="000000"/>
-                </a:solidFill>
-                <a:latin typeface="Open Sans"/>
-                <a:ea typeface="Open Sans"/>
-                <a:cs typeface="Open Sans"/>
-                <a:sym typeface="Open Sans"/>
-              </a:rPr>
-              <a:t>aute</a:t>
-            </a:r>
-            <a:r>
-              <a:rPr lang="en-US" sz="2400" b="0" i="0" u="none" strike="noStrike" cap="none" dirty="0">
-                <a:solidFill>
-                  <a:srgbClr val="000000"/>
-                </a:solidFill>
-                <a:latin typeface="Open Sans"/>
-                <a:ea typeface="Open Sans"/>
-                <a:cs typeface="Open Sans"/>
-                <a:sym typeface="Open Sans"/>
-              </a:rPr>
-              <a:t> </a:t>
-            </a:r>
-            <a:r>
-              <a:rPr lang="en-US" sz="2400" b="0" i="0" u="none" strike="noStrike" cap="none" dirty="0" err="1">
-                <a:solidFill>
-                  <a:srgbClr val="000000"/>
-                </a:solidFill>
-                <a:latin typeface="Open Sans"/>
-                <a:ea typeface="Open Sans"/>
-                <a:cs typeface="Open Sans"/>
-                <a:sym typeface="Open Sans"/>
-              </a:rPr>
-              <a:t>irure</a:t>
-            </a:r>
-            <a:r>
-              <a:rPr lang="en-US" sz="2400" b="0" i="0" u="none" strike="noStrike" cap="none" dirty="0">
-                <a:solidFill>
-                  <a:srgbClr val="000000"/>
-                </a:solidFill>
-                <a:latin typeface="Open Sans"/>
-                <a:ea typeface="Open Sans"/>
-                <a:cs typeface="Open Sans"/>
-                <a:sym typeface="Open Sans"/>
-              </a:rPr>
-              <a:t> dolor in </a:t>
-            </a:r>
-            <a:r>
-              <a:rPr lang="en-US" sz="2400" b="0" i="0" u="none" strike="noStrike" cap="none" dirty="0" err="1">
-                <a:solidFill>
-                  <a:srgbClr val="000000"/>
-                </a:solidFill>
-                <a:latin typeface="Open Sans"/>
-                <a:ea typeface="Open Sans"/>
-                <a:cs typeface="Open Sans"/>
-                <a:sym typeface="Open Sans"/>
-              </a:rPr>
-              <a:t>reprehenderit</a:t>
-            </a:r>
-            <a:r>
-              <a:rPr lang="en-US" sz="2400" b="0" i="0" u="none" strike="noStrike" cap="none" dirty="0">
-                <a:solidFill>
-                  <a:srgbClr val="000000"/>
-                </a:solidFill>
-                <a:latin typeface="Open Sans"/>
-                <a:ea typeface="Open Sans"/>
-                <a:cs typeface="Open Sans"/>
-                <a:sym typeface="Open Sans"/>
-              </a:rPr>
-              <a:t> in </a:t>
-            </a:r>
-            <a:r>
-              <a:rPr lang="en-US" sz="2400" b="0" i="0" u="none" strike="noStrike" cap="none" dirty="0" err="1">
-                <a:solidFill>
-                  <a:srgbClr val="000000"/>
-                </a:solidFill>
-                <a:latin typeface="Open Sans"/>
-                <a:ea typeface="Open Sans"/>
-                <a:cs typeface="Open Sans"/>
-                <a:sym typeface="Open Sans"/>
-              </a:rPr>
-              <a:t>voluptate</a:t>
-            </a:r>
-            <a:r>
-              <a:rPr lang="en-US" sz="2400" b="0" i="0" u="none" strike="noStrike" cap="none" dirty="0">
-                <a:solidFill>
-                  <a:srgbClr val="000000"/>
-                </a:solidFill>
-                <a:latin typeface="Open Sans"/>
-                <a:ea typeface="Open Sans"/>
-                <a:cs typeface="Open Sans"/>
-                <a:sym typeface="Open Sans"/>
-              </a:rPr>
-              <a:t> </a:t>
-            </a:r>
-            <a:r>
-              <a:rPr lang="en-US" sz="2400" b="0" i="0" u="none" strike="noStrike" cap="none" dirty="0" err="1">
-                <a:solidFill>
-                  <a:srgbClr val="000000"/>
-                </a:solidFill>
-                <a:latin typeface="Open Sans"/>
-                <a:ea typeface="Open Sans"/>
-                <a:cs typeface="Open Sans"/>
-                <a:sym typeface="Open Sans"/>
-              </a:rPr>
-              <a:t>velit</a:t>
-            </a:r>
-            <a:r>
-              <a:rPr lang="en-US" sz="2400" b="0" i="0" u="none" strike="noStrike" cap="none" dirty="0">
-                <a:solidFill>
-                  <a:srgbClr val="000000"/>
-                </a:solidFill>
-                <a:latin typeface="Open Sans"/>
-                <a:ea typeface="Open Sans"/>
-                <a:cs typeface="Open Sans"/>
-                <a:sym typeface="Open Sans"/>
-              </a:rPr>
-              <a:t> </a:t>
-            </a:r>
-            <a:r>
-              <a:rPr lang="en-US" sz="2400" b="0" i="0" u="none" strike="noStrike" cap="none" dirty="0" err="1">
-                <a:solidFill>
-                  <a:srgbClr val="000000"/>
-                </a:solidFill>
-                <a:latin typeface="Open Sans"/>
-                <a:ea typeface="Open Sans"/>
-                <a:cs typeface="Open Sans"/>
-                <a:sym typeface="Open Sans"/>
-              </a:rPr>
-              <a:t>esse</a:t>
-            </a:r>
-            <a:r>
-              <a:rPr lang="en-US" sz="2400" b="0" i="0" u="none" strike="noStrike" cap="none" dirty="0">
-                <a:solidFill>
-                  <a:srgbClr val="000000"/>
-                </a:solidFill>
-                <a:latin typeface="Open Sans"/>
-                <a:ea typeface="Open Sans"/>
-                <a:cs typeface="Open Sans"/>
-                <a:sym typeface="Open Sans"/>
-              </a:rPr>
-              <a:t> </a:t>
-            </a:r>
-            <a:r>
-              <a:rPr lang="en-US" sz="2400" b="0" i="0" u="none" strike="noStrike" cap="none" dirty="0" err="1">
-                <a:solidFill>
-                  <a:srgbClr val="000000"/>
-                </a:solidFill>
-                <a:latin typeface="Open Sans"/>
-                <a:ea typeface="Open Sans"/>
-                <a:cs typeface="Open Sans"/>
-                <a:sym typeface="Open Sans"/>
-              </a:rPr>
-              <a:t>cillum</a:t>
-            </a:r>
-            <a:r>
-              <a:rPr lang="en-US" sz="2400" b="0" i="0" u="none" strike="noStrike" cap="none" dirty="0">
-                <a:solidFill>
-                  <a:srgbClr val="000000"/>
-                </a:solidFill>
-                <a:latin typeface="Open Sans"/>
-                <a:ea typeface="Open Sans"/>
-                <a:cs typeface="Open Sans"/>
-                <a:sym typeface="Open Sans"/>
-              </a:rPr>
-              <a:t> dolore </a:t>
-            </a:r>
-            <a:r>
-              <a:rPr lang="en-US" sz="2400" b="0" i="0" u="none" strike="noStrike" cap="none" dirty="0" err="1">
-                <a:solidFill>
-                  <a:srgbClr val="000000"/>
-                </a:solidFill>
-                <a:latin typeface="Open Sans"/>
-                <a:ea typeface="Open Sans"/>
-                <a:cs typeface="Open Sans"/>
-                <a:sym typeface="Open Sans"/>
-              </a:rPr>
-              <a:t>eu</a:t>
-            </a:r>
-            <a:r>
-              <a:rPr lang="en-US" sz="2400" b="0" i="0" u="none" strike="noStrike" cap="none" dirty="0">
-                <a:solidFill>
-                  <a:srgbClr val="000000"/>
-                </a:solidFill>
-                <a:latin typeface="Open Sans"/>
-                <a:ea typeface="Open Sans"/>
-                <a:cs typeface="Open Sans"/>
-                <a:sym typeface="Open Sans"/>
-              </a:rPr>
-              <a:t> </a:t>
-            </a:r>
-            <a:r>
-              <a:rPr lang="en-US" sz="2400" b="0" i="0" u="none" strike="noStrike" cap="none" dirty="0" err="1">
-                <a:solidFill>
-                  <a:srgbClr val="000000"/>
-                </a:solidFill>
-                <a:latin typeface="Open Sans"/>
-                <a:ea typeface="Open Sans"/>
-                <a:cs typeface="Open Sans"/>
-                <a:sym typeface="Open Sans"/>
-              </a:rPr>
-              <a:t>fugiat</a:t>
-            </a:r>
-            <a:r>
-              <a:rPr lang="en-US" sz="2400" b="0" i="0" u="none" strike="noStrike" cap="none" dirty="0">
-                <a:solidFill>
-                  <a:srgbClr val="000000"/>
-                </a:solidFill>
-                <a:latin typeface="Open Sans"/>
-                <a:ea typeface="Open Sans"/>
-                <a:cs typeface="Open Sans"/>
-                <a:sym typeface="Open Sans"/>
-              </a:rPr>
-              <a:t> </a:t>
-            </a:r>
-            <a:r>
-              <a:rPr lang="en-US" sz="2400" b="0" i="0" u="none" strike="noStrike" cap="none" dirty="0" err="1">
-                <a:solidFill>
-                  <a:srgbClr val="000000"/>
-                </a:solidFill>
-                <a:latin typeface="Open Sans"/>
-                <a:ea typeface="Open Sans"/>
-                <a:cs typeface="Open Sans"/>
-                <a:sym typeface="Open Sans"/>
-              </a:rPr>
-              <a:t>nulla</a:t>
-            </a:r>
-            <a:r>
-              <a:rPr lang="en-US" sz="2400" b="0" i="0" u="none" strike="noStrike" cap="none" dirty="0">
-                <a:solidFill>
-                  <a:srgbClr val="000000"/>
-                </a:solidFill>
-                <a:latin typeface="Open Sans"/>
-                <a:ea typeface="Open Sans"/>
-                <a:cs typeface="Open Sans"/>
-                <a:sym typeface="Open Sans"/>
-              </a:rPr>
-              <a:t> </a:t>
-            </a:r>
-            <a:r>
-              <a:rPr lang="en-US" sz="2400" b="0" i="0" u="none" strike="noStrike" cap="none" dirty="0" err="1">
-                <a:solidFill>
-                  <a:srgbClr val="000000"/>
-                </a:solidFill>
-                <a:latin typeface="Open Sans"/>
-                <a:ea typeface="Open Sans"/>
-                <a:cs typeface="Open Sans"/>
-                <a:sym typeface="Open Sans"/>
-              </a:rPr>
-              <a:t>pariatur</a:t>
-            </a:r>
-            <a:r>
-              <a:rPr lang="en-US" sz="2400" b="0" i="0" u="none" strike="noStrike" cap="none" dirty="0">
-                <a:solidFill>
-                  <a:srgbClr val="000000"/>
-                </a:solidFill>
-                <a:latin typeface="Open Sans"/>
-                <a:ea typeface="Open Sans"/>
-                <a:cs typeface="Open Sans"/>
-                <a:sym typeface="Open Sans"/>
-              </a:rPr>
-              <a:t>. </a:t>
-            </a:r>
-            <a:r>
-              <a:rPr lang="en-US" sz="2400" b="0" i="0" u="none" strike="noStrike" cap="none" dirty="0" err="1">
-                <a:solidFill>
-                  <a:srgbClr val="000000"/>
-                </a:solidFill>
-                <a:latin typeface="Open Sans"/>
-                <a:ea typeface="Open Sans"/>
-                <a:cs typeface="Open Sans"/>
-                <a:sym typeface="Open Sans"/>
-              </a:rPr>
-              <a:t>Excepteur</a:t>
-            </a:r>
-            <a:r>
-              <a:rPr lang="en-US" sz="2400" b="0" i="0" u="none" strike="noStrike" cap="none" dirty="0">
-                <a:solidFill>
-                  <a:srgbClr val="000000"/>
-                </a:solidFill>
-                <a:latin typeface="Open Sans"/>
-                <a:ea typeface="Open Sans"/>
-                <a:cs typeface="Open Sans"/>
-                <a:sym typeface="Open Sans"/>
-              </a:rPr>
-              <a:t> </a:t>
-            </a:r>
-            <a:r>
-              <a:rPr lang="en-US" sz="2400" b="0" i="0" u="none" strike="noStrike" cap="none" dirty="0" err="1">
-                <a:solidFill>
-                  <a:srgbClr val="000000"/>
-                </a:solidFill>
-                <a:latin typeface="Open Sans"/>
-                <a:ea typeface="Open Sans"/>
-                <a:cs typeface="Open Sans"/>
-                <a:sym typeface="Open Sans"/>
-              </a:rPr>
-              <a:t>sint</a:t>
-            </a:r>
-            <a:r>
-              <a:rPr lang="en-US" sz="2400" b="0" i="0" u="none" strike="noStrike" cap="none" dirty="0">
-                <a:solidFill>
-                  <a:srgbClr val="000000"/>
-                </a:solidFill>
-                <a:latin typeface="Open Sans"/>
-                <a:ea typeface="Open Sans"/>
-                <a:cs typeface="Open Sans"/>
-                <a:sym typeface="Open Sans"/>
-              </a:rPr>
-              <a:t> </a:t>
-            </a:r>
-            <a:r>
-              <a:rPr lang="en-US" sz="2400" b="0" i="0" u="none" strike="noStrike" cap="none" dirty="0" err="1">
-                <a:solidFill>
-                  <a:srgbClr val="000000"/>
-                </a:solidFill>
-                <a:latin typeface="Open Sans"/>
-                <a:ea typeface="Open Sans"/>
-                <a:cs typeface="Open Sans"/>
-                <a:sym typeface="Open Sans"/>
-              </a:rPr>
-              <a:t>occaecat</a:t>
-            </a:r>
-            <a:r>
-              <a:rPr lang="en-US" sz="2400" b="0" i="0" u="none" strike="noStrike" cap="none" dirty="0">
-                <a:solidFill>
-                  <a:srgbClr val="000000"/>
-                </a:solidFill>
-                <a:latin typeface="Open Sans"/>
-                <a:ea typeface="Open Sans"/>
-                <a:cs typeface="Open Sans"/>
-                <a:sym typeface="Open Sans"/>
-              </a:rPr>
-              <a:t> </a:t>
-            </a:r>
-            <a:r>
-              <a:rPr lang="en-US" sz="2400" b="0" i="0" u="none" strike="noStrike" cap="none" dirty="0" err="1">
-                <a:solidFill>
-                  <a:srgbClr val="000000"/>
-                </a:solidFill>
-                <a:latin typeface="Open Sans"/>
-                <a:ea typeface="Open Sans"/>
-                <a:cs typeface="Open Sans"/>
-                <a:sym typeface="Open Sans"/>
-              </a:rPr>
-              <a:t>cupidatat</a:t>
-            </a:r>
-            <a:r>
-              <a:rPr lang="en-US" sz="2400" b="0" i="0" u="none" strike="noStrike" cap="none" dirty="0">
-                <a:solidFill>
-                  <a:srgbClr val="000000"/>
-                </a:solidFill>
-                <a:latin typeface="Open Sans"/>
-                <a:ea typeface="Open Sans"/>
-                <a:cs typeface="Open Sans"/>
-                <a:sym typeface="Open Sans"/>
-              </a:rPr>
-              <a:t> non </a:t>
-            </a:r>
-            <a:r>
-              <a:rPr lang="en-US" sz="2400" b="0" i="0" u="none" strike="noStrike" cap="none" dirty="0" err="1">
-                <a:solidFill>
-                  <a:srgbClr val="000000"/>
-                </a:solidFill>
-                <a:latin typeface="Open Sans"/>
-                <a:ea typeface="Open Sans"/>
-                <a:cs typeface="Open Sans"/>
-                <a:sym typeface="Open Sans"/>
-              </a:rPr>
-              <a:t>proident</a:t>
-            </a:r>
-            <a:r>
-              <a:rPr lang="en-US" sz="2400" b="0" i="0" u="none" strike="noStrike" cap="none" dirty="0">
-                <a:solidFill>
-                  <a:srgbClr val="000000"/>
-                </a:solidFill>
-                <a:latin typeface="Open Sans"/>
-                <a:ea typeface="Open Sans"/>
-                <a:cs typeface="Open Sans"/>
-                <a:sym typeface="Open Sans"/>
-              </a:rPr>
-              <a:t>, sunt in culpa qui </a:t>
-            </a:r>
-            <a:r>
-              <a:rPr lang="en-US" sz="2400" b="0" i="0" u="none" strike="noStrike" cap="none" dirty="0" err="1">
-                <a:solidFill>
-                  <a:srgbClr val="000000"/>
-                </a:solidFill>
-                <a:latin typeface="Open Sans"/>
-                <a:ea typeface="Open Sans"/>
-                <a:cs typeface="Open Sans"/>
-                <a:sym typeface="Open Sans"/>
-              </a:rPr>
-              <a:t>officia</a:t>
-            </a:r>
-            <a:r>
-              <a:rPr lang="en-US" sz="2400" b="0" i="0" u="none" strike="noStrike" cap="none" dirty="0">
-                <a:solidFill>
-                  <a:srgbClr val="000000"/>
-                </a:solidFill>
-                <a:latin typeface="Open Sans"/>
-                <a:ea typeface="Open Sans"/>
-                <a:cs typeface="Open Sans"/>
-                <a:sym typeface="Open Sans"/>
-              </a:rPr>
-              <a:t> </a:t>
-            </a:r>
-            <a:r>
-              <a:rPr lang="en-US" sz="2400" b="0" i="0" u="none" strike="noStrike" cap="none" dirty="0" err="1">
-                <a:solidFill>
-                  <a:srgbClr val="000000"/>
-                </a:solidFill>
-                <a:latin typeface="Open Sans"/>
-                <a:ea typeface="Open Sans"/>
-                <a:cs typeface="Open Sans"/>
-                <a:sym typeface="Open Sans"/>
-              </a:rPr>
-              <a:t>deserunt</a:t>
-            </a:r>
-            <a:r>
-              <a:rPr lang="en-US" sz="2400" b="0" i="0" u="none" strike="noStrike" cap="none" dirty="0">
-                <a:solidFill>
-                  <a:srgbClr val="000000"/>
-                </a:solidFill>
-                <a:latin typeface="Open Sans"/>
-                <a:ea typeface="Open Sans"/>
-                <a:cs typeface="Open Sans"/>
-                <a:sym typeface="Open Sans"/>
-              </a:rPr>
-              <a:t> </a:t>
-            </a:r>
-            <a:r>
-              <a:rPr lang="en-US" sz="2400" b="0" i="0" u="none" strike="noStrike" cap="none" dirty="0" err="1">
-                <a:solidFill>
-                  <a:srgbClr val="000000"/>
-                </a:solidFill>
-                <a:latin typeface="Open Sans"/>
-                <a:ea typeface="Open Sans"/>
-                <a:cs typeface="Open Sans"/>
-                <a:sym typeface="Open Sans"/>
-              </a:rPr>
-              <a:t>mollit</a:t>
-            </a:r>
-            <a:r>
-              <a:rPr lang="en-US" sz="2400" b="0" i="0" u="none" strike="noStrike" cap="none" dirty="0">
-                <a:solidFill>
-                  <a:srgbClr val="000000"/>
-                </a:solidFill>
-                <a:latin typeface="Open Sans"/>
-                <a:ea typeface="Open Sans"/>
-                <a:cs typeface="Open Sans"/>
-                <a:sym typeface="Open Sans"/>
-              </a:rPr>
-              <a:t> </a:t>
-            </a:r>
-            <a:r>
-              <a:rPr lang="en-US" sz="2400" b="0" i="0" u="none" strike="noStrike" cap="none" dirty="0" err="1">
-                <a:solidFill>
-                  <a:srgbClr val="000000"/>
-                </a:solidFill>
-                <a:latin typeface="Open Sans"/>
-                <a:ea typeface="Open Sans"/>
-                <a:cs typeface="Open Sans"/>
-                <a:sym typeface="Open Sans"/>
-              </a:rPr>
-              <a:t>anim</a:t>
-            </a:r>
-            <a:r>
-              <a:rPr lang="en-US" sz="2400" b="0" i="0" u="none" strike="noStrike" cap="none" dirty="0">
-                <a:solidFill>
-                  <a:srgbClr val="000000"/>
-                </a:solidFill>
-                <a:latin typeface="Open Sans"/>
-                <a:ea typeface="Open Sans"/>
-                <a:cs typeface="Open Sans"/>
-                <a:sym typeface="Open Sans"/>
-              </a:rPr>
-              <a:t> id </a:t>
-            </a:r>
-            <a:r>
-              <a:rPr lang="en-US" sz="2400" b="0" i="0" u="none" strike="noStrike" cap="none" dirty="0" err="1">
-                <a:solidFill>
-                  <a:srgbClr val="000000"/>
-                </a:solidFill>
-                <a:latin typeface="Open Sans"/>
-                <a:ea typeface="Open Sans"/>
-                <a:cs typeface="Open Sans"/>
-                <a:sym typeface="Open Sans"/>
-              </a:rPr>
-              <a:t>est</a:t>
-            </a:r>
-            <a:r>
-              <a:rPr lang="en-US" sz="2400" b="0" i="0" u="none" strike="noStrike" cap="none" dirty="0">
-                <a:solidFill>
-                  <a:srgbClr val="000000"/>
-                </a:solidFill>
-                <a:latin typeface="Open Sans"/>
-                <a:ea typeface="Open Sans"/>
-                <a:cs typeface="Open Sans"/>
-                <a:sym typeface="Open Sans"/>
-              </a:rPr>
-              <a:t> </a:t>
-            </a:r>
-            <a:r>
-              <a:rPr lang="en-US" sz="2400" b="0" i="0" u="none" strike="noStrike" cap="none" dirty="0" err="1">
-                <a:solidFill>
-                  <a:srgbClr val="000000"/>
-                </a:solidFill>
-                <a:latin typeface="Open Sans"/>
-                <a:ea typeface="Open Sans"/>
-                <a:cs typeface="Open Sans"/>
-                <a:sym typeface="Open Sans"/>
-              </a:rPr>
-              <a:t>laborum</a:t>
-            </a:r>
-            <a:r>
-              <a:rPr lang="en-US" sz="2400" b="0" i="0" u="none" strike="noStrike" cap="none" dirty="0">
-                <a:solidFill>
-                  <a:srgbClr val="000000"/>
-                </a:solidFill>
-                <a:latin typeface="Open Sans"/>
-                <a:ea typeface="Open Sans"/>
-                <a:cs typeface="Open Sans"/>
-                <a:sym typeface="Open Sans"/>
-              </a:rPr>
-              <a:t>.</a:t>
-            </a:r>
-            <a:endParaRPr sz="2400" b="0" i="0" u="none" strike="noStrike" cap="none" dirty="0">
-              <a:solidFill>
-                <a:schemeClr val="dk1"/>
-              </a:solidFill>
-              <a:latin typeface="Calibri"/>
-              <a:ea typeface="Calibri"/>
-              <a:cs typeface="Calibri"/>
-              <a:sym typeface="Calibri"/>
-            </a:endParaRPr>
-          </a:p>
-        </p:txBody>
-      </p:sp>
-      <p:sp>
-        <p:nvSpPr>
-          <p:cNvPr id="86" name="Google Shape;86;p1"/>
-          <p:cNvSpPr txBox="1"/>
-          <p:nvPr/>
-        </p:nvSpPr>
-        <p:spPr>
-          <a:xfrm>
-            <a:off x="290920" y="2855828"/>
-            <a:ext cx="7315200" cy="7634700"/>
-          </a:xfrm>
-          <a:prstGeom prst="rect">
-            <a:avLst/>
-          </a:prstGeom>
-          <a:noFill/>
-          <a:ln>
-            <a:noFill/>
-          </a:ln>
-        </p:spPr>
-        <p:txBody>
-          <a:bodyPr spcFirstLastPara="1" wrap="square" lIns="91425" tIns="45700" rIns="91425" bIns="45700" anchor="t" anchorCtr="0">
-            <a:spAutoFit/>
-          </a:bodyPr>
-          <a:lstStyle/>
-          <a:p>
-            <a:pPr marL="0" marR="0" lvl="0" indent="0" algn="l" rtl="0">
-              <a:spcBef>
-                <a:spcPts val="0"/>
-              </a:spcBef>
-              <a:spcAft>
-                <a:spcPts val="0"/>
-              </a:spcAft>
-              <a:buNone/>
-            </a:pPr>
-            <a:r>
-              <a:rPr lang="en-US" sz="2400" b="0" i="0" u="none" strike="noStrike" cap="none">
-                <a:solidFill>
-                  <a:srgbClr val="000000"/>
-                </a:solidFill>
-                <a:latin typeface="Open Sans"/>
-                <a:ea typeface="Open Sans"/>
-                <a:cs typeface="Open Sans"/>
-                <a:sym typeface="Open Sans"/>
-              </a:rPr>
-              <a:t>Lorem ipsum dolor sit amet, consectetur adipiscing elit, sed do eiusmod tempor incididunt ut labore et dolore magna aliqua. Ut enim ad minim veniam, quis nostrud exercitation ullamco laboris nisi ut aliquip ex ea commodo consequat. Duis aute irure dolor in reprehenderit in voluptate velit esse cillum dolore eu fugiat nulla pariatur. Excepteur sint occaecat cupidatat non proident, sunt in culpa qui officia deserunt mollit anim id est laborum. </a:t>
-            </a:r>
-            <a:endParaRPr/>
-          </a:p>
-          <a:p>
-            <a:pPr marL="0" marR="0" lvl="0" indent="0" algn="l" rtl="0">
-              <a:spcBef>
-                <a:spcPts val="1200"/>
-              </a:spcBef>
-              <a:spcAft>
-                <a:spcPts val="0"/>
-              </a:spcAft>
-              <a:buNone/>
-            </a:pPr>
-            <a:r>
-              <a:rPr lang="en-US" sz="2400" b="0" i="0" u="none" strike="noStrike" cap="none">
-                <a:solidFill>
-                  <a:srgbClr val="000000"/>
-                </a:solidFill>
-                <a:latin typeface="Open Sans"/>
-                <a:ea typeface="Open Sans"/>
-                <a:cs typeface="Open Sans"/>
-                <a:sym typeface="Open Sans"/>
-              </a:rPr>
-              <a:t>Lorem ipsum dolor sit amet, consectetur adipiscing elit, sed do eiusmod tempor incididunt ut labore et dolore magna aliqua. Ut enim ad minim veniam, quis nostrud exercitation ullamco laboris nisi ut aliquip ex ea commodo consequat. Duis aute irure dolor in reprehenderit in voluptate velit esse cillum dolore eu fugiat nulla pariatur. Excepteur sint occaecat cupidatat non proident, sunt in culpa qui officia deserunt mollit anim id est laborum.</a:t>
-            </a:r>
-            <a:endParaRPr sz="2400" b="0" i="0" u="none" strike="noStrike" cap="none">
-              <a:solidFill>
-                <a:schemeClr val="dk1"/>
-              </a:solidFill>
-              <a:latin typeface="Calibri"/>
-              <a:ea typeface="Calibri"/>
-              <a:cs typeface="Calibri"/>
-              <a:sym typeface="Calibri"/>
-            </a:endParaRPr>
-          </a:p>
-        </p:txBody>
-      </p:sp>
-      <p:sp>
-        <p:nvSpPr>
           <p:cNvPr id="87" name="Google Shape;87;p1"/>
           <p:cNvSpPr/>
           <p:nvPr/>
         </p:nvSpPr>
         <p:spPr>
           <a:xfrm>
-            <a:off x="-28073" y="0"/>
-            <a:ext cx="32974546" cy="1828800"/>
+            <a:off x="-28073" y="-1"/>
+            <a:ext cx="32974546" cy="2531875"/>
           </a:xfrm>
           <a:prstGeom prst="rect">
             <a:avLst/>
@@ -13612,7 +11203,7 @@
         </p:nvSpPr>
         <p:spPr>
           <a:xfrm>
-            <a:off x="290920" y="2216996"/>
+            <a:off x="129584" y="3694807"/>
             <a:ext cx="7315200" cy="640200"/>
           </a:xfrm>
           <a:prstGeom prst="rect">
@@ -13641,7 +11232,7 @@
               <a:buNone/>
             </a:pPr>
             <a:r>
-              <a:rPr lang="en-US" sz="4000" b="1" i="0" u="none" strike="noStrike" cap="none">
+              <a:rPr lang="en-US" sz="4000" b="1" i="0" u="none" strike="noStrike" cap="none" dirty="0">
                 <a:solidFill>
                   <a:schemeClr val="lt1"/>
                 </a:solidFill>
@@ -13652,7 +11243,7 @@
               </a:rPr>
               <a:t>Revised Course Description</a:t>
             </a:r>
-            <a:endParaRPr/>
+            <a:endParaRPr dirty="0"/>
           </a:p>
         </p:txBody>
       </p:sp>
@@ -13716,7 +11307,7 @@
         </p:nvSpPr>
         <p:spPr>
           <a:xfrm>
-            <a:off x="8631380" y="2132948"/>
+            <a:off x="8631380" y="3684511"/>
             <a:ext cx="7315200" cy="640080"/>
           </a:xfrm>
           <a:prstGeom prst="rect">
@@ -13745,7 +11336,7 @@
               <a:buNone/>
             </a:pPr>
             <a:r>
-              <a:rPr lang="en-US" sz="4000" b="1">
+              <a:rPr lang="en-US" sz="4000" b="1" dirty="0">
                 <a:solidFill>
                   <a:schemeClr val="lt1"/>
                 </a:solidFill>
@@ -13756,7 +11347,7 @@
               </a:rPr>
               <a:t>Sample HPC/Gateways Exercise</a:t>
             </a:r>
-            <a:endParaRPr/>
+            <a:endParaRPr dirty="0"/>
           </a:p>
         </p:txBody>
       </p:sp>
@@ -13820,7 +11411,7 @@
         </p:nvSpPr>
         <p:spPr>
           <a:xfrm>
-            <a:off x="16971815" y="2145573"/>
+            <a:off x="16929969" y="3654445"/>
             <a:ext cx="15270480" cy="640080"/>
           </a:xfrm>
           <a:prstGeom prst="rect">
@@ -13849,7 +11440,7 @@
               <a:buNone/>
             </a:pPr>
             <a:r>
-              <a:rPr lang="en-US" sz="4000" b="1">
+              <a:rPr lang="en-US" sz="4000" b="1" dirty="0">
                 <a:solidFill>
                   <a:schemeClr val="lt1"/>
                 </a:solidFill>
@@ -13860,7 +11451,7 @@
               </a:rPr>
               <a:t>Gateway Community Mentor Syllabus Suggestions</a:t>
             </a:r>
-            <a:endParaRPr/>
+            <a:endParaRPr dirty="0"/>
           </a:p>
         </p:txBody>
       </p:sp>
@@ -13872,8 +11463,8 @@
         </p:nvSpPr>
         <p:spPr>
           <a:xfrm>
-            <a:off x="16971815" y="10972800"/>
-            <a:ext cx="7315200" cy="457200"/>
+            <a:off x="16459200" y="11361419"/>
+            <a:ext cx="7315200" cy="719993"/>
           </a:xfrm>
           <a:prstGeom prst="rect">
             <a:avLst/>
@@ -13924,8 +11515,8 @@
         </p:nvSpPr>
         <p:spPr>
           <a:xfrm>
-            <a:off x="16952420" y="15627240"/>
-            <a:ext cx="7315200" cy="457200"/>
+            <a:off x="16459200" y="15505043"/>
+            <a:ext cx="7315200" cy="518768"/>
           </a:xfrm>
           <a:prstGeom prst="rect">
             <a:avLst/>
@@ -13976,7 +11567,7 @@
         </p:nvSpPr>
         <p:spPr>
           <a:xfrm>
-            <a:off x="24904646" y="2860880"/>
+            <a:off x="24885250" y="4567317"/>
             <a:ext cx="7315200" cy="457200"/>
           </a:xfrm>
           <a:prstGeom prst="rect">
@@ -14015,3644 +11606,6 @@
                 <a:sym typeface="Calibri"/>
               </a:rPr>
               <a:t>Datasets</a:t>
-            </a:r>
-            <a:endParaRPr/>
-          </a:p>
-        </p:txBody>
-      </p:sp>
-      <p:sp>
-        <p:nvSpPr>
-          <p:cNvPr id="97" name="Google Shape;97;p1"/>
-          <p:cNvSpPr/>
-          <p:nvPr/>
-        </p:nvSpPr>
-        <p:spPr>
-          <a:xfrm>
-            <a:off x="24904646" y="7458823"/>
-            <a:ext cx="7315200" cy="457200"/>
-          </a:xfrm>
-          <a:prstGeom prst="rect">
-            <a:avLst/>
-          </a:prstGeom>
-          <a:solidFill>
-            <a:srgbClr val="4682B4"/>
-          </a:solidFill>
-          <a:ln>
-            <a:noFill/>
-          </a:ln>
-        </p:spPr>
-        <p:txBody>
-          <a:bodyPr spcFirstLastPara="1" wrap="square" lIns="91425" tIns="45700" rIns="91425" bIns="45700" anchor="ctr" anchorCtr="0">
-            <a:noAutofit/>
-          </a:bodyPr>
-          <a:lstStyle/>
-          <a:p>
-            <a:pPr marL="0" marR="0" lvl="0" indent="0" algn="l" rtl="0">
-              <a:spcBef>
-                <a:spcPts val="0"/>
-              </a:spcBef>
-              <a:spcAft>
-                <a:spcPts val="0"/>
-              </a:spcAft>
-              <a:buNone/>
-            </a:pPr>
-            <a:r>
-              <a:rPr lang="en-US" sz="3200" b="1">
-                <a:solidFill>
-                  <a:schemeClr val="lt1"/>
-                </a:solidFill>
-                <a:latin typeface="Calibri"/>
-                <a:ea typeface="Calibri"/>
-                <a:cs typeface="Calibri"/>
-                <a:sym typeface="Calibri"/>
-              </a:rPr>
-              <a:t>Possible Expansions</a:t>
-            </a:r>
-            <a:endParaRPr/>
-          </a:p>
-        </p:txBody>
-      </p:sp>
-      <p:sp>
-        <p:nvSpPr>
-          <p:cNvPr id="98" name="Google Shape;98;p1"/>
-          <p:cNvSpPr txBox="1"/>
-          <p:nvPr/>
-        </p:nvSpPr>
-        <p:spPr>
-          <a:xfrm>
-            <a:off x="290945" y="12019838"/>
-            <a:ext cx="7315200" cy="8371523"/>
-          </a:xfrm>
-          <a:prstGeom prst="rect">
-            <a:avLst/>
-          </a:prstGeom>
-          <a:noFill/>
-          <a:ln>
-            <a:noFill/>
-          </a:ln>
-        </p:spPr>
-        <p:txBody>
-          <a:bodyPr spcFirstLastPara="1" wrap="square" lIns="91425" tIns="45700" rIns="91425" bIns="45700" anchor="t" anchorCtr="0">
-            <a:spAutoFit/>
-          </a:bodyPr>
-          <a:lstStyle/>
-          <a:p>
-            <a:pPr marL="0" marR="0" lvl="0" indent="0" algn="l" rtl="0">
-              <a:spcBef>
-                <a:spcPts val="0"/>
-              </a:spcBef>
-              <a:spcAft>
-                <a:spcPts val="0"/>
-              </a:spcAft>
-              <a:buNone/>
-            </a:pPr>
-            <a:r>
-              <a:rPr lang="en-US" sz="2400" b="0" i="0">
-                <a:solidFill>
-                  <a:srgbClr val="000000"/>
-                </a:solidFill>
-                <a:latin typeface="Open Sans"/>
-                <a:ea typeface="Open Sans"/>
-                <a:cs typeface="Open Sans"/>
-                <a:sym typeface="Open Sans"/>
-              </a:rPr>
-              <a:t>Lorem ipsum dolor sit amet, consectetur adipiscing elit, sed do eiusmod tempor incididunt ut labore et dolore magna aliqua. Ut enim ad minim veniam, quis nostrud exercitation ullamco laboris nisi ut aliquip ex ea commodo consequat. Duis aute irure dolor in reprehenderit in voluptate velit esse cillum dolore eu fugiat nulla pariatur. Excepteur sint occaecat cupidatat non proident, sunt in culpa qui officia deserunt mollit anim id est laborum. </a:t>
-            </a:r>
-            <a:endParaRPr/>
-          </a:p>
-          <a:p>
-            <a:pPr marL="0" marR="0" lvl="0" indent="0" algn="l" rtl="0">
-              <a:spcBef>
-                <a:spcPts val="1200"/>
-              </a:spcBef>
-              <a:spcAft>
-                <a:spcPts val="0"/>
-              </a:spcAft>
-              <a:buNone/>
-            </a:pPr>
-            <a:r>
-              <a:rPr lang="en-US" sz="2400" b="0" i="0">
-                <a:solidFill>
-                  <a:srgbClr val="000000"/>
-                </a:solidFill>
-                <a:latin typeface="Open Sans"/>
-                <a:ea typeface="Open Sans"/>
-                <a:cs typeface="Open Sans"/>
-                <a:sym typeface="Open Sans"/>
-              </a:rPr>
-              <a:t>Lorem ipsum dolor sit amet, consectetur adipiscing elit, sed do eiusmod tempor incididunt ut labore et dolore magna aliqua. Ut enim ad minim veniam, quis nostrud exercitation ullamco laboris nisi ut aliquip ex ea commodo consequat. Duis aute irure dolor in reprehenderit in voluptate velit esse cillum dolore eu fugiat nulla pariatur. Excepteur sint occaecat cupidatat non proident, sunt in culpa qui officia deserunt mollit anim id est laborum.</a:t>
-            </a:r>
-            <a:endParaRPr sz="2400">
-              <a:solidFill>
-                <a:schemeClr val="dk1"/>
-              </a:solidFill>
-              <a:latin typeface="Calibri"/>
-              <a:ea typeface="Calibri"/>
-              <a:cs typeface="Calibri"/>
-              <a:sym typeface="Calibri"/>
-            </a:endParaRPr>
-          </a:p>
-        </p:txBody>
-      </p:sp>
-      <p:sp>
-        <p:nvSpPr>
-          <p:cNvPr id="99" name="Google Shape;99;p1"/>
-          <p:cNvSpPr txBox="1"/>
-          <p:nvPr/>
-        </p:nvSpPr>
-        <p:spPr>
-          <a:xfrm>
-            <a:off x="8631380" y="2785653"/>
-            <a:ext cx="7315200" cy="8371523"/>
-          </a:xfrm>
-          <a:prstGeom prst="rect">
-            <a:avLst/>
-          </a:prstGeom>
-          <a:noFill/>
-          <a:ln>
-            <a:noFill/>
-          </a:ln>
-        </p:spPr>
-        <p:txBody>
-          <a:bodyPr spcFirstLastPara="1" wrap="square" lIns="91425" tIns="45700" rIns="91425" bIns="45700" anchor="t" anchorCtr="0">
-            <a:spAutoFit/>
-          </a:bodyPr>
-          <a:lstStyle/>
-          <a:p>
-            <a:pPr marL="0" marR="0" lvl="0" indent="0" algn="l" rtl="0">
-              <a:spcBef>
-                <a:spcPts val="0"/>
-              </a:spcBef>
-              <a:spcAft>
-                <a:spcPts val="0"/>
-              </a:spcAft>
-              <a:buNone/>
-            </a:pPr>
-            <a:r>
-              <a:rPr lang="en-US" sz="2400" b="0" i="0">
-                <a:solidFill>
-                  <a:srgbClr val="000000"/>
-                </a:solidFill>
-                <a:latin typeface="Open Sans"/>
-                <a:ea typeface="Open Sans"/>
-                <a:cs typeface="Open Sans"/>
-                <a:sym typeface="Open Sans"/>
-              </a:rPr>
-              <a:t>Lorem ipsum dolor sit amet, consectetur adipiscing elit, sed do eiusmod tempor incididunt ut labore et dolore magna aliqua. Ut enim ad minim veniam, quis nostrud exercitation ullamco laboris nisi ut aliquip ex ea commodo consequat. Duis aute irure dolor in reprehenderit in voluptate velit esse cillum dolore eu fugiat nulla pariatur. Excepteur sint occaecat cupidatat non proident, sunt in culpa qui officia deserunt mollit anim id est laborum. </a:t>
-            </a:r>
-            <a:endParaRPr/>
-          </a:p>
-          <a:p>
-            <a:pPr marL="0" marR="0" lvl="0" indent="0" algn="l" rtl="0">
-              <a:spcBef>
-                <a:spcPts val="1200"/>
-              </a:spcBef>
-              <a:spcAft>
-                <a:spcPts val="0"/>
-              </a:spcAft>
-              <a:buNone/>
-            </a:pPr>
-            <a:r>
-              <a:rPr lang="en-US" sz="2400" b="0" i="0">
-                <a:solidFill>
-                  <a:srgbClr val="000000"/>
-                </a:solidFill>
-                <a:latin typeface="Open Sans"/>
-                <a:ea typeface="Open Sans"/>
-                <a:cs typeface="Open Sans"/>
-                <a:sym typeface="Open Sans"/>
-              </a:rPr>
-              <a:t>Lorem ipsum dolor sit amet, consectetur adipiscing elit, sed do eiusmod tempor incididunt ut labore et dolore magna aliqua. Ut enim ad minim veniam, quis nostrud exercitation ullamco laboris nisi ut aliquip ex ea commodo consequat. Duis aute irure dolor in reprehenderit in voluptate velit esse cillum dolore eu fugiat nulla pariatur. Excepteur sint occaecat cupidatat non proident, sunt in culpa qui officia deserunt mollit anim id est laborum.</a:t>
-            </a:r>
-            <a:endParaRPr sz="2400">
-              <a:solidFill>
-                <a:schemeClr val="dk1"/>
-              </a:solidFill>
-              <a:latin typeface="Calibri"/>
-              <a:ea typeface="Calibri"/>
-              <a:cs typeface="Calibri"/>
-              <a:sym typeface="Calibri"/>
-            </a:endParaRPr>
-          </a:p>
-        </p:txBody>
-      </p:sp>
-      <p:sp>
-        <p:nvSpPr>
-          <p:cNvPr id="100" name="Google Shape;100;p1"/>
-          <p:cNvSpPr txBox="1"/>
-          <p:nvPr/>
-        </p:nvSpPr>
-        <p:spPr>
-          <a:xfrm>
-            <a:off x="8631380" y="12019838"/>
-            <a:ext cx="7315200" cy="8371523"/>
-          </a:xfrm>
-          <a:prstGeom prst="rect">
-            <a:avLst/>
-          </a:prstGeom>
-          <a:noFill/>
-          <a:ln>
-            <a:noFill/>
-          </a:ln>
-        </p:spPr>
-        <p:txBody>
-          <a:bodyPr spcFirstLastPara="1" wrap="square" lIns="91425" tIns="45700" rIns="91425" bIns="45700" anchor="t" anchorCtr="0">
-            <a:spAutoFit/>
-          </a:bodyPr>
-          <a:lstStyle/>
-          <a:p>
-            <a:pPr marL="0" marR="0" lvl="0" indent="0" algn="l" rtl="0">
-              <a:spcBef>
-                <a:spcPts val="0"/>
-              </a:spcBef>
-              <a:spcAft>
-                <a:spcPts val="0"/>
-              </a:spcAft>
-              <a:buNone/>
-            </a:pPr>
-            <a:r>
-              <a:rPr lang="en-US" sz="2400" b="0" i="0" dirty="0">
-                <a:solidFill>
-                  <a:srgbClr val="000000"/>
-                </a:solidFill>
-                <a:latin typeface="Open Sans"/>
-                <a:ea typeface="Open Sans"/>
-                <a:cs typeface="Open Sans"/>
-                <a:sym typeface="Open Sans"/>
-              </a:rPr>
-              <a:t>Lorem ipsum dolor sit </a:t>
-            </a:r>
-            <a:r>
-              <a:rPr lang="en-US" sz="2400" b="0" i="0" dirty="0" err="1">
-                <a:solidFill>
-                  <a:srgbClr val="000000"/>
-                </a:solidFill>
-                <a:latin typeface="Open Sans"/>
-                <a:ea typeface="Open Sans"/>
-                <a:cs typeface="Open Sans"/>
-                <a:sym typeface="Open Sans"/>
-              </a:rPr>
-              <a:t>amet</a:t>
-            </a:r>
-            <a:r>
-              <a:rPr lang="en-US" sz="2400" b="0" i="0" dirty="0">
-                <a:solidFill>
-                  <a:srgbClr val="000000"/>
-                </a:solidFill>
-                <a:latin typeface="Open Sans"/>
-                <a:ea typeface="Open Sans"/>
-                <a:cs typeface="Open Sans"/>
-                <a:sym typeface="Open Sans"/>
-              </a:rPr>
-              <a:t>, </a:t>
-            </a:r>
-            <a:r>
-              <a:rPr lang="en-US" sz="2400" b="0" i="0" dirty="0" err="1">
-                <a:solidFill>
-                  <a:srgbClr val="000000"/>
-                </a:solidFill>
-                <a:latin typeface="Open Sans"/>
-                <a:ea typeface="Open Sans"/>
-                <a:cs typeface="Open Sans"/>
-                <a:sym typeface="Open Sans"/>
-              </a:rPr>
-              <a:t>consectetur</a:t>
-            </a:r>
-            <a:r>
-              <a:rPr lang="en-US" sz="2400" b="0" i="0" dirty="0">
-                <a:solidFill>
-                  <a:srgbClr val="000000"/>
-                </a:solidFill>
-                <a:latin typeface="Open Sans"/>
-                <a:ea typeface="Open Sans"/>
-                <a:cs typeface="Open Sans"/>
-                <a:sym typeface="Open Sans"/>
-              </a:rPr>
-              <a:t> </a:t>
-            </a:r>
-            <a:r>
-              <a:rPr lang="en-US" sz="2400" b="0" i="0" dirty="0" err="1">
-                <a:solidFill>
-                  <a:srgbClr val="000000"/>
-                </a:solidFill>
-                <a:latin typeface="Open Sans"/>
-                <a:ea typeface="Open Sans"/>
-                <a:cs typeface="Open Sans"/>
-                <a:sym typeface="Open Sans"/>
-              </a:rPr>
-              <a:t>adipiscing</a:t>
-            </a:r>
-            <a:r>
-              <a:rPr lang="en-US" sz="2400" b="0" i="0" dirty="0">
-                <a:solidFill>
-                  <a:srgbClr val="000000"/>
-                </a:solidFill>
-                <a:latin typeface="Open Sans"/>
-                <a:ea typeface="Open Sans"/>
-                <a:cs typeface="Open Sans"/>
-                <a:sym typeface="Open Sans"/>
-              </a:rPr>
-              <a:t> </a:t>
-            </a:r>
-            <a:r>
-              <a:rPr lang="en-US" sz="2400" b="0" i="0" dirty="0" err="1">
-                <a:solidFill>
-                  <a:srgbClr val="000000"/>
-                </a:solidFill>
-                <a:latin typeface="Open Sans"/>
-                <a:ea typeface="Open Sans"/>
-                <a:cs typeface="Open Sans"/>
-                <a:sym typeface="Open Sans"/>
-              </a:rPr>
-              <a:t>elit</a:t>
-            </a:r>
-            <a:r>
-              <a:rPr lang="en-US" sz="2400" b="0" i="0" dirty="0">
-                <a:solidFill>
-                  <a:srgbClr val="000000"/>
-                </a:solidFill>
-                <a:latin typeface="Open Sans"/>
-                <a:ea typeface="Open Sans"/>
-                <a:cs typeface="Open Sans"/>
-                <a:sym typeface="Open Sans"/>
-              </a:rPr>
-              <a:t>, sed do </a:t>
-            </a:r>
-            <a:r>
-              <a:rPr lang="en-US" sz="2400" b="0" i="0" dirty="0" err="1">
-                <a:solidFill>
-                  <a:srgbClr val="000000"/>
-                </a:solidFill>
-                <a:latin typeface="Open Sans"/>
-                <a:ea typeface="Open Sans"/>
-                <a:cs typeface="Open Sans"/>
-                <a:sym typeface="Open Sans"/>
-              </a:rPr>
-              <a:t>eiusmod</a:t>
-            </a:r>
-            <a:r>
-              <a:rPr lang="en-US" sz="2400" b="0" i="0" dirty="0">
-                <a:solidFill>
-                  <a:srgbClr val="000000"/>
-                </a:solidFill>
-                <a:latin typeface="Open Sans"/>
-                <a:ea typeface="Open Sans"/>
-                <a:cs typeface="Open Sans"/>
-                <a:sym typeface="Open Sans"/>
-              </a:rPr>
-              <a:t> </a:t>
-            </a:r>
-            <a:r>
-              <a:rPr lang="en-US" sz="2400" b="0" i="0" dirty="0" err="1">
-                <a:solidFill>
-                  <a:srgbClr val="000000"/>
-                </a:solidFill>
-                <a:latin typeface="Open Sans"/>
-                <a:ea typeface="Open Sans"/>
-                <a:cs typeface="Open Sans"/>
-                <a:sym typeface="Open Sans"/>
-              </a:rPr>
-              <a:t>tempor</a:t>
-            </a:r>
-            <a:r>
-              <a:rPr lang="en-US" sz="2400" b="0" i="0" dirty="0">
-                <a:solidFill>
-                  <a:srgbClr val="000000"/>
-                </a:solidFill>
-                <a:latin typeface="Open Sans"/>
-                <a:ea typeface="Open Sans"/>
-                <a:cs typeface="Open Sans"/>
-                <a:sym typeface="Open Sans"/>
-              </a:rPr>
-              <a:t> </a:t>
-            </a:r>
-            <a:r>
-              <a:rPr lang="en-US" sz="2400" b="0" i="0" dirty="0" err="1">
-                <a:solidFill>
-                  <a:srgbClr val="000000"/>
-                </a:solidFill>
-                <a:latin typeface="Open Sans"/>
-                <a:ea typeface="Open Sans"/>
-                <a:cs typeface="Open Sans"/>
-                <a:sym typeface="Open Sans"/>
-              </a:rPr>
-              <a:t>incididunt</a:t>
-            </a:r>
-            <a:r>
-              <a:rPr lang="en-US" sz="2400" b="0" i="0" dirty="0">
-                <a:solidFill>
-                  <a:srgbClr val="000000"/>
-                </a:solidFill>
-                <a:latin typeface="Open Sans"/>
-                <a:ea typeface="Open Sans"/>
-                <a:cs typeface="Open Sans"/>
-                <a:sym typeface="Open Sans"/>
-              </a:rPr>
-              <a:t> </a:t>
-            </a:r>
-            <a:r>
-              <a:rPr lang="en-US" sz="2400" b="0" i="0" dirty="0" err="1">
-                <a:solidFill>
-                  <a:srgbClr val="000000"/>
-                </a:solidFill>
-                <a:latin typeface="Open Sans"/>
-                <a:ea typeface="Open Sans"/>
-                <a:cs typeface="Open Sans"/>
-                <a:sym typeface="Open Sans"/>
-              </a:rPr>
-              <a:t>ut</a:t>
-            </a:r>
-            <a:r>
-              <a:rPr lang="en-US" sz="2400" b="0" i="0" dirty="0">
-                <a:solidFill>
-                  <a:srgbClr val="000000"/>
-                </a:solidFill>
-                <a:latin typeface="Open Sans"/>
-                <a:ea typeface="Open Sans"/>
-                <a:cs typeface="Open Sans"/>
-                <a:sym typeface="Open Sans"/>
-              </a:rPr>
-              <a:t> labore et dolore magna </a:t>
-            </a:r>
-            <a:r>
-              <a:rPr lang="en-US" sz="2400" b="0" i="0" dirty="0" err="1">
-                <a:solidFill>
-                  <a:srgbClr val="000000"/>
-                </a:solidFill>
-                <a:latin typeface="Open Sans"/>
-                <a:ea typeface="Open Sans"/>
-                <a:cs typeface="Open Sans"/>
-                <a:sym typeface="Open Sans"/>
-              </a:rPr>
-              <a:t>aliqua</a:t>
-            </a:r>
-            <a:r>
-              <a:rPr lang="en-US" sz="2400" b="0" i="0" dirty="0">
-                <a:solidFill>
-                  <a:srgbClr val="000000"/>
-                </a:solidFill>
-                <a:latin typeface="Open Sans"/>
-                <a:ea typeface="Open Sans"/>
-                <a:cs typeface="Open Sans"/>
-                <a:sym typeface="Open Sans"/>
-              </a:rPr>
-              <a:t>. Ut </a:t>
-            </a:r>
-            <a:r>
-              <a:rPr lang="en-US" sz="2400" b="0" i="0" dirty="0" err="1">
-                <a:solidFill>
-                  <a:srgbClr val="000000"/>
-                </a:solidFill>
-                <a:latin typeface="Open Sans"/>
-                <a:ea typeface="Open Sans"/>
-                <a:cs typeface="Open Sans"/>
-                <a:sym typeface="Open Sans"/>
-              </a:rPr>
-              <a:t>enim</a:t>
-            </a:r>
-            <a:r>
-              <a:rPr lang="en-US" sz="2400" b="0" i="0" dirty="0">
-                <a:solidFill>
-                  <a:srgbClr val="000000"/>
-                </a:solidFill>
-                <a:latin typeface="Open Sans"/>
-                <a:ea typeface="Open Sans"/>
-                <a:cs typeface="Open Sans"/>
-                <a:sym typeface="Open Sans"/>
-              </a:rPr>
-              <a:t> ad minim </a:t>
-            </a:r>
-            <a:r>
-              <a:rPr lang="en-US" sz="2400" b="0" i="0" dirty="0" err="1">
-                <a:solidFill>
-                  <a:srgbClr val="000000"/>
-                </a:solidFill>
-                <a:latin typeface="Open Sans"/>
-                <a:ea typeface="Open Sans"/>
-                <a:cs typeface="Open Sans"/>
-                <a:sym typeface="Open Sans"/>
-              </a:rPr>
-              <a:t>veniam</a:t>
-            </a:r>
-            <a:r>
-              <a:rPr lang="en-US" sz="2400" b="0" i="0" dirty="0">
-                <a:solidFill>
-                  <a:srgbClr val="000000"/>
-                </a:solidFill>
-                <a:latin typeface="Open Sans"/>
-                <a:ea typeface="Open Sans"/>
-                <a:cs typeface="Open Sans"/>
-                <a:sym typeface="Open Sans"/>
-              </a:rPr>
-              <a:t>, </a:t>
-            </a:r>
-            <a:r>
-              <a:rPr lang="en-US" sz="2400" b="0" i="0" dirty="0" err="1">
-                <a:solidFill>
-                  <a:srgbClr val="000000"/>
-                </a:solidFill>
-                <a:latin typeface="Open Sans"/>
-                <a:ea typeface="Open Sans"/>
-                <a:cs typeface="Open Sans"/>
-                <a:sym typeface="Open Sans"/>
-              </a:rPr>
-              <a:t>quis</a:t>
-            </a:r>
-            <a:r>
-              <a:rPr lang="en-US" sz="2400" b="0" i="0" dirty="0">
-                <a:solidFill>
-                  <a:srgbClr val="000000"/>
-                </a:solidFill>
-                <a:latin typeface="Open Sans"/>
-                <a:ea typeface="Open Sans"/>
-                <a:cs typeface="Open Sans"/>
-                <a:sym typeface="Open Sans"/>
-              </a:rPr>
-              <a:t> </a:t>
-            </a:r>
-            <a:r>
-              <a:rPr lang="en-US" sz="2400" b="0" i="0" dirty="0" err="1">
-                <a:solidFill>
-                  <a:srgbClr val="000000"/>
-                </a:solidFill>
-                <a:latin typeface="Open Sans"/>
-                <a:ea typeface="Open Sans"/>
-                <a:cs typeface="Open Sans"/>
-                <a:sym typeface="Open Sans"/>
-              </a:rPr>
-              <a:t>nostrud</a:t>
-            </a:r>
-            <a:r>
-              <a:rPr lang="en-US" sz="2400" b="0" i="0" dirty="0">
-                <a:solidFill>
-                  <a:srgbClr val="000000"/>
-                </a:solidFill>
-                <a:latin typeface="Open Sans"/>
-                <a:ea typeface="Open Sans"/>
-                <a:cs typeface="Open Sans"/>
-                <a:sym typeface="Open Sans"/>
-              </a:rPr>
-              <a:t> exercitation </a:t>
-            </a:r>
-            <a:r>
-              <a:rPr lang="en-US" sz="2400" b="0" i="0" dirty="0" err="1">
-                <a:solidFill>
-                  <a:srgbClr val="000000"/>
-                </a:solidFill>
-                <a:latin typeface="Open Sans"/>
-                <a:ea typeface="Open Sans"/>
-                <a:cs typeface="Open Sans"/>
-                <a:sym typeface="Open Sans"/>
-              </a:rPr>
-              <a:t>ullamco</a:t>
-            </a:r>
-            <a:r>
-              <a:rPr lang="en-US" sz="2400" b="0" i="0" dirty="0">
-                <a:solidFill>
-                  <a:srgbClr val="000000"/>
-                </a:solidFill>
-                <a:latin typeface="Open Sans"/>
-                <a:ea typeface="Open Sans"/>
-                <a:cs typeface="Open Sans"/>
-                <a:sym typeface="Open Sans"/>
-              </a:rPr>
-              <a:t> </a:t>
-            </a:r>
-            <a:r>
-              <a:rPr lang="en-US" sz="2400" b="0" i="0" dirty="0" err="1">
-                <a:solidFill>
-                  <a:srgbClr val="000000"/>
-                </a:solidFill>
-                <a:latin typeface="Open Sans"/>
-                <a:ea typeface="Open Sans"/>
-                <a:cs typeface="Open Sans"/>
-                <a:sym typeface="Open Sans"/>
-              </a:rPr>
-              <a:t>laboris</a:t>
-            </a:r>
-            <a:r>
-              <a:rPr lang="en-US" sz="2400" b="0" i="0" dirty="0">
-                <a:solidFill>
-                  <a:srgbClr val="000000"/>
-                </a:solidFill>
-                <a:latin typeface="Open Sans"/>
-                <a:ea typeface="Open Sans"/>
-                <a:cs typeface="Open Sans"/>
-                <a:sym typeface="Open Sans"/>
-              </a:rPr>
-              <a:t> nisi </a:t>
-            </a:r>
-            <a:r>
-              <a:rPr lang="en-US" sz="2400" b="0" i="0" dirty="0" err="1">
-                <a:solidFill>
-                  <a:srgbClr val="000000"/>
-                </a:solidFill>
-                <a:latin typeface="Open Sans"/>
-                <a:ea typeface="Open Sans"/>
-                <a:cs typeface="Open Sans"/>
-                <a:sym typeface="Open Sans"/>
-              </a:rPr>
-              <a:t>ut</a:t>
-            </a:r>
-            <a:r>
-              <a:rPr lang="en-US" sz="2400" b="0" i="0" dirty="0">
-                <a:solidFill>
-                  <a:srgbClr val="000000"/>
-                </a:solidFill>
-                <a:latin typeface="Open Sans"/>
-                <a:ea typeface="Open Sans"/>
-                <a:cs typeface="Open Sans"/>
-                <a:sym typeface="Open Sans"/>
-              </a:rPr>
-              <a:t> </a:t>
-            </a:r>
-            <a:r>
-              <a:rPr lang="en-US" sz="2400" b="0" i="0" dirty="0" err="1">
-                <a:solidFill>
-                  <a:srgbClr val="000000"/>
-                </a:solidFill>
-                <a:latin typeface="Open Sans"/>
-                <a:ea typeface="Open Sans"/>
-                <a:cs typeface="Open Sans"/>
-                <a:sym typeface="Open Sans"/>
-              </a:rPr>
-              <a:t>aliquip</a:t>
-            </a:r>
-            <a:r>
-              <a:rPr lang="en-US" sz="2400" b="0" i="0" dirty="0">
-                <a:solidFill>
-                  <a:srgbClr val="000000"/>
-                </a:solidFill>
-                <a:latin typeface="Open Sans"/>
-                <a:ea typeface="Open Sans"/>
-                <a:cs typeface="Open Sans"/>
-                <a:sym typeface="Open Sans"/>
-              </a:rPr>
-              <a:t> ex </a:t>
-            </a:r>
-            <a:r>
-              <a:rPr lang="en-US" sz="2400" b="0" i="0" dirty="0" err="1">
-                <a:solidFill>
-                  <a:srgbClr val="000000"/>
-                </a:solidFill>
-                <a:latin typeface="Open Sans"/>
-                <a:ea typeface="Open Sans"/>
-                <a:cs typeface="Open Sans"/>
-                <a:sym typeface="Open Sans"/>
-              </a:rPr>
-              <a:t>ea</a:t>
-            </a:r>
-            <a:r>
-              <a:rPr lang="en-US" sz="2400" b="0" i="0" dirty="0">
-                <a:solidFill>
-                  <a:srgbClr val="000000"/>
-                </a:solidFill>
-                <a:latin typeface="Open Sans"/>
-                <a:ea typeface="Open Sans"/>
-                <a:cs typeface="Open Sans"/>
-                <a:sym typeface="Open Sans"/>
-              </a:rPr>
-              <a:t> </a:t>
-            </a:r>
-            <a:r>
-              <a:rPr lang="en-US" sz="2400" b="0" i="0" dirty="0" err="1">
-                <a:solidFill>
-                  <a:srgbClr val="000000"/>
-                </a:solidFill>
-                <a:latin typeface="Open Sans"/>
-                <a:ea typeface="Open Sans"/>
-                <a:cs typeface="Open Sans"/>
-                <a:sym typeface="Open Sans"/>
-              </a:rPr>
-              <a:t>commodo</a:t>
-            </a:r>
-            <a:r>
-              <a:rPr lang="en-US" sz="2400" b="0" i="0" dirty="0">
-                <a:solidFill>
-                  <a:srgbClr val="000000"/>
-                </a:solidFill>
-                <a:latin typeface="Open Sans"/>
-                <a:ea typeface="Open Sans"/>
-                <a:cs typeface="Open Sans"/>
-                <a:sym typeface="Open Sans"/>
-              </a:rPr>
-              <a:t> </a:t>
-            </a:r>
-            <a:r>
-              <a:rPr lang="en-US" sz="2400" b="0" i="0" dirty="0" err="1">
-                <a:solidFill>
-                  <a:srgbClr val="000000"/>
-                </a:solidFill>
-                <a:latin typeface="Open Sans"/>
-                <a:ea typeface="Open Sans"/>
-                <a:cs typeface="Open Sans"/>
-                <a:sym typeface="Open Sans"/>
-              </a:rPr>
-              <a:t>consequat</a:t>
-            </a:r>
-            <a:r>
-              <a:rPr lang="en-US" sz="2400" b="0" i="0" dirty="0">
-                <a:solidFill>
-                  <a:srgbClr val="000000"/>
-                </a:solidFill>
-                <a:latin typeface="Open Sans"/>
-                <a:ea typeface="Open Sans"/>
-                <a:cs typeface="Open Sans"/>
-                <a:sym typeface="Open Sans"/>
-              </a:rPr>
-              <a:t>. Duis </a:t>
-            </a:r>
-            <a:r>
-              <a:rPr lang="en-US" sz="2400" b="0" i="0" dirty="0" err="1">
-                <a:solidFill>
-                  <a:srgbClr val="000000"/>
-                </a:solidFill>
-                <a:latin typeface="Open Sans"/>
-                <a:ea typeface="Open Sans"/>
-                <a:cs typeface="Open Sans"/>
-                <a:sym typeface="Open Sans"/>
-              </a:rPr>
-              <a:t>aute</a:t>
-            </a:r>
-            <a:r>
-              <a:rPr lang="en-US" sz="2400" b="0" i="0" dirty="0">
-                <a:solidFill>
-                  <a:srgbClr val="000000"/>
-                </a:solidFill>
-                <a:latin typeface="Open Sans"/>
-                <a:ea typeface="Open Sans"/>
-                <a:cs typeface="Open Sans"/>
-                <a:sym typeface="Open Sans"/>
-              </a:rPr>
-              <a:t> </a:t>
-            </a:r>
-            <a:r>
-              <a:rPr lang="en-US" sz="2400" b="0" i="0" dirty="0" err="1">
-                <a:solidFill>
-                  <a:srgbClr val="000000"/>
-                </a:solidFill>
-                <a:latin typeface="Open Sans"/>
-                <a:ea typeface="Open Sans"/>
-                <a:cs typeface="Open Sans"/>
-                <a:sym typeface="Open Sans"/>
-              </a:rPr>
-              <a:t>irure</a:t>
-            </a:r>
-            <a:r>
-              <a:rPr lang="en-US" sz="2400" b="0" i="0" dirty="0">
-                <a:solidFill>
-                  <a:srgbClr val="000000"/>
-                </a:solidFill>
-                <a:latin typeface="Open Sans"/>
-                <a:ea typeface="Open Sans"/>
-                <a:cs typeface="Open Sans"/>
-                <a:sym typeface="Open Sans"/>
-              </a:rPr>
-              <a:t> dolor in </a:t>
-            </a:r>
-            <a:r>
-              <a:rPr lang="en-US" sz="2400" b="0" i="0" dirty="0" err="1">
-                <a:solidFill>
-                  <a:srgbClr val="000000"/>
-                </a:solidFill>
-                <a:latin typeface="Open Sans"/>
-                <a:ea typeface="Open Sans"/>
-                <a:cs typeface="Open Sans"/>
-                <a:sym typeface="Open Sans"/>
-              </a:rPr>
-              <a:t>reprehenderit</a:t>
-            </a:r>
-            <a:r>
-              <a:rPr lang="en-US" sz="2400" b="0" i="0" dirty="0">
-                <a:solidFill>
-                  <a:srgbClr val="000000"/>
-                </a:solidFill>
-                <a:latin typeface="Open Sans"/>
-                <a:ea typeface="Open Sans"/>
-                <a:cs typeface="Open Sans"/>
-                <a:sym typeface="Open Sans"/>
-              </a:rPr>
-              <a:t> in </a:t>
-            </a:r>
-            <a:r>
-              <a:rPr lang="en-US" sz="2400" b="0" i="0" dirty="0" err="1">
-                <a:solidFill>
-                  <a:srgbClr val="000000"/>
-                </a:solidFill>
-                <a:latin typeface="Open Sans"/>
-                <a:ea typeface="Open Sans"/>
-                <a:cs typeface="Open Sans"/>
-                <a:sym typeface="Open Sans"/>
-              </a:rPr>
-              <a:t>voluptate</a:t>
-            </a:r>
-            <a:r>
-              <a:rPr lang="en-US" sz="2400" b="0" i="0" dirty="0">
-                <a:solidFill>
-                  <a:srgbClr val="000000"/>
-                </a:solidFill>
-                <a:latin typeface="Open Sans"/>
-                <a:ea typeface="Open Sans"/>
-                <a:cs typeface="Open Sans"/>
-                <a:sym typeface="Open Sans"/>
-              </a:rPr>
-              <a:t> </a:t>
-            </a:r>
-            <a:r>
-              <a:rPr lang="en-US" sz="2400" b="0" i="0" dirty="0" err="1">
-                <a:solidFill>
-                  <a:srgbClr val="000000"/>
-                </a:solidFill>
-                <a:latin typeface="Open Sans"/>
-                <a:ea typeface="Open Sans"/>
-                <a:cs typeface="Open Sans"/>
-                <a:sym typeface="Open Sans"/>
-              </a:rPr>
-              <a:t>velit</a:t>
-            </a:r>
-            <a:r>
-              <a:rPr lang="en-US" sz="2400" b="0" i="0" dirty="0">
-                <a:solidFill>
-                  <a:srgbClr val="000000"/>
-                </a:solidFill>
-                <a:latin typeface="Open Sans"/>
-                <a:ea typeface="Open Sans"/>
-                <a:cs typeface="Open Sans"/>
-                <a:sym typeface="Open Sans"/>
-              </a:rPr>
-              <a:t> </a:t>
-            </a:r>
-            <a:r>
-              <a:rPr lang="en-US" sz="2400" b="0" i="0" dirty="0" err="1">
-                <a:solidFill>
-                  <a:srgbClr val="000000"/>
-                </a:solidFill>
-                <a:latin typeface="Open Sans"/>
-                <a:ea typeface="Open Sans"/>
-                <a:cs typeface="Open Sans"/>
-                <a:sym typeface="Open Sans"/>
-              </a:rPr>
-              <a:t>esse</a:t>
-            </a:r>
-            <a:r>
-              <a:rPr lang="en-US" sz="2400" b="0" i="0" dirty="0">
-                <a:solidFill>
-                  <a:srgbClr val="000000"/>
-                </a:solidFill>
-                <a:latin typeface="Open Sans"/>
-                <a:ea typeface="Open Sans"/>
-                <a:cs typeface="Open Sans"/>
-                <a:sym typeface="Open Sans"/>
-              </a:rPr>
-              <a:t> </a:t>
-            </a:r>
-            <a:r>
-              <a:rPr lang="en-US" sz="2400" b="0" i="0" dirty="0" err="1">
-                <a:solidFill>
-                  <a:srgbClr val="000000"/>
-                </a:solidFill>
-                <a:latin typeface="Open Sans"/>
-                <a:ea typeface="Open Sans"/>
-                <a:cs typeface="Open Sans"/>
-                <a:sym typeface="Open Sans"/>
-              </a:rPr>
-              <a:t>cillum</a:t>
-            </a:r>
-            <a:r>
-              <a:rPr lang="en-US" sz="2400" b="0" i="0" dirty="0">
-                <a:solidFill>
-                  <a:srgbClr val="000000"/>
-                </a:solidFill>
-                <a:latin typeface="Open Sans"/>
-                <a:ea typeface="Open Sans"/>
-                <a:cs typeface="Open Sans"/>
-                <a:sym typeface="Open Sans"/>
-              </a:rPr>
-              <a:t> dolore </a:t>
-            </a:r>
-            <a:r>
-              <a:rPr lang="en-US" sz="2400" b="0" i="0" dirty="0" err="1">
-                <a:solidFill>
-                  <a:srgbClr val="000000"/>
-                </a:solidFill>
-                <a:latin typeface="Open Sans"/>
-                <a:ea typeface="Open Sans"/>
-                <a:cs typeface="Open Sans"/>
-                <a:sym typeface="Open Sans"/>
-              </a:rPr>
-              <a:t>eu</a:t>
-            </a:r>
-            <a:r>
-              <a:rPr lang="en-US" sz="2400" b="0" i="0" dirty="0">
-                <a:solidFill>
-                  <a:srgbClr val="000000"/>
-                </a:solidFill>
-                <a:latin typeface="Open Sans"/>
-                <a:ea typeface="Open Sans"/>
-                <a:cs typeface="Open Sans"/>
-                <a:sym typeface="Open Sans"/>
-              </a:rPr>
-              <a:t> </a:t>
-            </a:r>
-            <a:r>
-              <a:rPr lang="en-US" sz="2400" b="0" i="0" dirty="0" err="1">
-                <a:solidFill>
-                  <a:srgbClr val="000000"/>
-                </a:solidFill>
-                <a:latin typeface="Open Sans"/>
-                <a:ea typeface="Open Sans"/>
-                <a:cs typeface="Open Sans"/>
-                <a:sym typeface="Open Sans"/>
-              </a:rPr>
-              <a:t>fugiat</a:t>
-            </a:r>
-            <a:r>
-              <a:rPr lang="en-US" sz="2400" b="0" i="0" dirty="0">
-                <a:solidFill>
-                  <a:srgbClr val="000000"/>
-                </a:solidFill>
-                <a:latin typeface="Open Sans"/>
-                <a:ea typeface="Open Sans"/>
-                <a:cs typeface="Open Sans"/>
-                <a:sym typeface="Open Sans"/>
-              </a:rPr>
-              <a:t> </a:t>
-            </a:r>
-            <a:r>
-              <a:rPr lang="en-US" sz="2400" b="0" i="0" dirty="0" err="1">
-                <a:solidFill>
-                  <a:srgbClr val="000000"/>
-                </a:solidFill>
-                <a:latin typeface="Open Sans"/>
-                <a:ea typeface="Open Sans"/>
-                <a:cs typeface="Open Sans"/>
-                <a:sym typeface="Open Sans"/>
-              </a:rPr>
-              <a:t>nulla</a:t>
-            </a:r>
-            <a:r>
-              <a:rPr lang="en-US" sz="2400" b="0" i="0" dirty="0">
-                <a:solidFill>
-                  <a:srgbClr val="000000"/>
-                </a:solidFill>
-                <a:latin typeface="Open Sans"/>
-                <a:ea typeface="Open Sans"/>
-                <a:cs typeface="Open Sans"/>
-                <a:sym typeface="Open Sans"/>
-              </a:rPr>
-              <a:t> </a:t>
-            </a:r>
-            <a:r>
-              <a:rPr lang="en-US" sz="2400" b="0" i="0" dirty="0" err="1">
-                <a:solidFill>
-                  <a:srgbClr val="000000"/>
-                </a:solidFill>
-                <a:latin typeface="Open Sans"/>
-                <a:ea typeface="Open Sans"/>
-                <a:cs typeface="Open Sans"/>
-                <a:sym typeface="Open Sans"/>
-              </a:rPr>
-              <a:t>pariatur</a:t>
-            </a:r>
-            <a:r>
-              <a:rPr lang="en-US" sz="2400" b="0" i="0" dirty="0">
-                <a:solidFill>
-                  <a:srgbClr val="000000"/>
-                </a:solidFill>
-                <a:latin typeface="Open Sans"/>
-                <a:ea typeface="Open Sans"/>
-                <a:cs typeface="Open Sans"/>
-                <a:sym typeface="Open Sans"/>
-              </a:rPr>
-              <a:t>. </a:t>
-            </a:r>
-            <a:r>
-              <a:rPr lang="en-US" sz="2400" b="0" i="0" dirty="0" err="1">
-                <a:solidFill>
-                  <a:srgbClr val="000000"/>
-                </a:solidFill>
-                <a:latin typeface="Open Sans"/>
-                <a:ea typeface="Open Sans"/>
-                <a:cs typeface="Open Sans"/>
-                <a:sym typeface="Open Sans"/>
-              </a:rPr>
-              <a:t>Excepteur</a:t>
-            </a:r>
-            <a:r>
-              <a:rPr lang="en-US" sz="2400" b="0" i="0" dirty="0">
-                <a:solidFill>
-                  <a:srgbClr val="000000"/>
-                </a:solidFill>
-                <a:latin typeface="Open Sans"/>
-                <a:ea typeface="Open Sans"/>
-                <a:cs typeface="Open Sans"/>
-                <a:sym typeface="Open Sans"/>
-              </a:rPr>
-              <a:t> </a:t>
-            </a:r>
-            <a:r>
-              <a:rPr lang="en-US" sz="2400" b="0" i="0" dirty="0" err="1">
-                <a:solidFill>
-                  <a:srgbClr val="000000"/>
-                </a:solidFill>
-                <a:latin typeface="Open Sans"/>
-                <a:ea typeface="Open Sans"/>
-                <a:cs typeface="Open Sans"/>
-                <a:sym typeface="Open Sans"/>
-              </a:rPr>
-              <a:t>sint</a:t>
-            </a:r>
-            <a:r>
-              <a:rPr lang="en-US" sz="2400" b="0" i="0" dirty="0">
-                <a:solidFill>
-                  <a:srgbClr val="000000"/>
-                </a:solidFill>
-                <a:latin typeface="Open Sans"/>
-                <a:ea typeface="Open Sans"/>
-                <a:cs typeface="Open Sans"/>
-                <a:sym typeface="Open Sans"/>
-              </a:rPr>
-              <a:t> </a:t>
-            </a:r>
-            <a:r>
-              <a:rPr lang="en-US" sz="2400" b="0" i="0" dirty="0" err="1">
-                <a:solidFill>
-                  <a:srgbClr val="000000"/>
-                </a:solidFill>
-                <a:latin typeface="Open Sans"/>
-                <a:ea typeface="Open Sans"/>
-                <a:cs typeface="Open Sans"/>
-                <a:sym typeface="Open Sans"/>
-              </a:rPr>
-              <a:t>occaecat</a:t>
-            </a:r>
-            <a:r>
-              <a:rPr lang="en-US" sz="2400" b="0" i="0" dirty="0">
-                <a:solidFill>
-                  <a:srgbClr val="000000"/>
-                </a:solidFill>
-                <a:latin typeface="Open Sans"/>
-                <a:ea typeface="Open Sans"/>
-                <a:cs typeface="Open Sans"/>
-                <a:sym typeface="Open Sans"/>
-              </a:rPr>
-              <a:t> </a:t>
-            </a:r>
-            <a:r>
-              <a:rPr lang="en-US" sz="2400" b="0" i="0" dirty="0" err="1">
-                <a:solidFill>
-                  <a:srgbClr val="000000"/>
-                </a:solidFill>
-                <a:latin typeface="Open Sans"/>
-                <a:ea typeface="Open Sans"/>
-                <a:cs typeface="Open Sans"/>
-                <a:sym typeface="Open Sans"/>
-              </a:rPr>
-              <a:t>cupidatat</a:t>
-            </a:r>
-            <a:r>
-              <a:rPr lang="en-US" sz="2400" b="0" i="0" dirty="0">
-                <a:solidFill>
-                  <a:srgbClr val="000000"/>
-                </a:solidFill>
-                <a:latin typeface="Open Sans"/>
-                <a:ea typeface="Open Sans"/>
-                <a:cs typeface="Open Sans"/>
-                <a:sym typeface="Open Sans"/>
-              </a:rPr>
-              <a:t> non </a:t>
-            </a:r>
-            <a:r>
-              <a:rPr lang="en-US" sz="2400" b="0" i="0" dirty="0" err="1">
-                <a:solidFill>
-                  <a:srgbClr val="000000"/>
-                </a:solidFill>
-                <a:latin typeface="Open Sans"/>
-                <a:ea typeface="Open Sans"/>
-                <a:cs typeface="Open Sans"/>
-                <a:sym typeface="Open Sans"/>
-              </a:rPr>
-              <a:t>proident</a:t>
-            </a:r>
-            <a:r>
-              <a:rPr lang="en-US" sz="2400" b="0" i="0" dirty="0">
-                <a:solidFill>
-                  <a:srgbClr val="000000"/>
-                </a:solidFill>
-                <a:latin typeface="Open Sans"/>
-                <a:ea typeface="Open Sans"/>
-                <a:cs typeface="Open Sans"/>
-                <a:sym typeface="Open Sans"/>
-              </a:rPr>
-              <a:t>, sunt in culpa qui </a:t>
-            </a:r>
-            <a:r>
-              <a:rPr lang="en-US" sz="2400" b="0" i="0" dirty="0" err="1">
-                <a:solidFill>
-                  <a:srgbClr val="000000"/>
-                </a:solidFill>
-                <a:latin typeface="Open Sans"/>
-                <a:ea typeface="Open Sans"/>
-                <a:cs typeface="Open Sans"/>
-                <a:sym typeface="Open Sans"/>
-              </a:rPr>
-              <a:t>officia</a:t>
-            </a:r>
-            <a:r>
-              <a:rPr lang="en-US" sz="2400" b="0" i="0" dirty="0">
-                <a:solidFill>
-                  <a:srgbClr val="000000"/>
-                </a:solidFill>
-                <a:latin typeface="Open Sans"/>
-                <a:ea typeface="Open Sans"/>
-                <a:cs typeface="Open Sans"/>
-                <a:sym typeface="Open Sans"/>
-              </a:rPr>
-              <a:t> </a:t>
-            </a:r>
-            <a:r>
-              <a:rPr lang="en-US" sz="2400" b="0" i="0" dirty="0" err="1">
-                <a:solidFill>
-                  <a:srgbClr val="000000"/>
-                </a:solidFill>
-                <a:latin typeface="Open Sans"/>
-                <a:ea typeface="Open Sans"/>
-                <a:cs typeface="Open Sans"/>
-                <a:sym typeface="Open Sans"/>
-              </a:rPr>
-              <a:t>deserunt</a:t>
-            </a:r>
-            <a:r>
-              <a:rPr lang="en-US" sz="2400" b="0" i="0" dirty="0">
-                <a:solidFill>
-                  <a:srgbClr val="000000"/>
-                </a:solidFill>
-                <a:latin typeface="Open Sans"/>
-                <a:ea typeface="Open Sans"/>
-                <a:cs typeface="Open Sans"/>
-                <a:sym typeface="Open Sans"/>
-              </a:rPr>
-              <a:t> </a:t>
-            </a:r>
-            <a:r>
-              <a:rPr lang="en-US" sz="2400" b="0" i="0" dirty="0" err="1">
-                <a:solidFill>
-                  <a:srgbClr val="000000"/>
-                </a:solidFill>
-                <a:latin typeface="Open Sans"/>
-                <a:ea typeface="Open Sans"/>
-                <a:cs typeface="Open Sans"/>
-                <a:sym typeface="Open Sans"/>
-              </a:rPr>
-              <a:t>mollit</a:t>
-            </a:r>
-            <a:r>
-              <a:rPr lang="en-US" sz="2400" b="0" i="0" dirty="0">
-                <a:solidFill>
-                  <a:srgbClr val="000000"/>
-                </a:solidFill>
-                <a:latin typeface="Open Sans"/>
-                <a:ea typeface="Open Sans"/>
-                <a:cs typeface="Open Sans"/>
-                <a:sym typeface="Open Sans"/>
-              </a:rPr>
-              <a:t> </a:t>
-            </a:r>
-            <a:r>
-              <a:rPr lang="en-US" sz="2400" b="0" i="0" dirty="0" err="1">
-                <a:solidFill>
-                  <a:srgbClr val="000000"/>
-                </a:solidFill>
-                <a:latin typeface="Open Sans"/>
-                <a:ea typeface="Open Sans"/>
-                <a:cs typeface="Open Sans"/>
-                <a:sym typeface="Open Sans"/>
-              </a:rPr>
-              <a:t>anim</a:t>
-            </a:r>
-            <a:r>
-              <a:rPr lang="en-US" sz="2400" b="0" i="0" dirty="0">
-                <a:solidFill>
-                  <a:srgbClr val="000000"/>
-                </a:solidFill>
-                <a:latin typeface="Open Sans"/>
-                <a:ea typeface="Open Sans"/>
-                <a:cs typeface="Open Sans"/>
-                <a:sym typeface="Open Sans"/>
-              </a:rPr>
-              <a:t> id </a:t>
-            </a:r>
-            <a:r>
-              <a:rPr lang="en-US" sz="2400" b="0" i="0" dirty="0" err="1">
-                <a:solidFill>
-                  <a:srgbClr val="000000"/>
-                </a:solidFill>
-                <a:latin typeface="Open Sans"/>
-                <a:ea typeface="Open Sans"/>
-                <a:cs typeface="Open Sans"/>
-                <a:sym typeface="Open Sans"/>
-              </a:rPr>
-              <a:t>est</a:t>
-            </a:r>
-            <a:r>
-              <a:rPr lang="en-US" sz="2400" b="0" i="0" dirty="0">
-                <a:solidFill>
-                  <a:srgbClr val="000000"/>
-                </a:solidFill>
-                <a:latin typeface="Open Sans"/>
-                <a:ea typeface="Open Sans"/>
-                <a:cs typeface="Open Sans"/>
-                <a:sym typeface="Open Sans"/>
-              </a:rPr>
-              <a:t> </a:t>
-            </a:r>
-            <a:r>
-              <a:rPr lang="en-US" sz="2400" b="0" i="0" dirty="0" err="1">
-                <a:solidFill>
-                  <a:srgbClr val="000000"/>
-                </a:solidFill>
-                <a:latin typeface="Open Sans"/>
-                <a:ea typeface="Open Sans"/>
-                <a:cs typeface="Open Sans"/>
-                <a:sym typeface="Open Sans"/>
-              </a:rPr>
-              <a:t>laborum</a:t>
-            </a:r>
-            <a:r>
-              <a:rPr lang="en-US" sz="2400" b="0" i="0" dirty="0">
-                <a:solidFill>
-                  <a:srgbClr val="000000"/>
-                </a:solidFill>
-                <a:latin typeface="Open Sans"/>
-                <a:ea typeface="Open Sans"/>
-                <a:cs typeface="Open Sans"/>
-                <a:sym typeface="Open Sans"/>
-              </a:rPr>
-              <a:t>. </a:t>
-            </a:r>
-            <a:endParaRPr dirty="0"/>
-          </a:p>
-          <a:p>
-            <a:pPr marL="0" marR="0" lvl="0" indent="0" algn="l" rtl="0">
-              <a:spcBef>
-                <a:spcPts val="1200"/>
-              </a:spcBef>
-              <a:spcAft>
-                <a:spcPts val="0"/>
-              </a:spcAft>
-              <a:buNone/>
-            </a:pPr>
-            <a:r>
-              <a:rPr lang="en-US" sz="2400" b="0" i="0" dirty="0">
-                <a:solidFill>
-                  <a:srgbClr val="000000"/>
-                </a:solidFill>
-                <a:latin typeface="Open Sans"/>
-                <a:ea typeface="Open Sans"/>
-                <a:cs typeface="Open Sans"/>
-                <a:sym typeface="Open Sans"/>
-              </a:rPr>
-              <a:t>Lorem ipsum dolor sit </a:t>
-            </a:r>
-            <a:r>
-              <a:rPr lang="en-US" sz="2400" b="0" i="0" dirty="0" err="1">
-                <a:solidFill>
-                  <a:srgbClr val="000000"/>
-                </a:solidFill>
-                <a:latin typeface="Open Sans"/>
-                <a:ea typeface="Open Sans"/>
-                <a:cs typeface="Open Sans"/>
-                <a:sym typeface="Open Sans"/>
-              </a:rPr>
-              <a:t>amet</a:t>
-            </a:r>
-            <a:r>
-              <a:rPr lang="en-US" sz="2400" b="0" i="0" dirty="0">
-                <a:solidFill>
-                  <a:srgbClr val="000000"/>
-                </a:solidFill>
-                <a:latin typeface="Open Sans"/>
-                <a:ea typeface="Open Sans"/>
-                <a:cs typeface="Open Sans"/>
-                <a:sym typeface="Open Sans"/>
-              </a:rPr>
-              <a:t>, </a:t>
-            </a:r>
-            <a:r>
-              <a:rPr lang="en-US" sz="2400" b="0" i="0" dirty="0" err="1">
-                <a:solidFill>
-                  <a:srgbClr val="000000"/>
-                </a:solidFill>
-                <a:latin typeface="Open Sans"/>
-                <a:ea typeface="Open Sans"/>
-                <a:cs typeface="Open Sans"/>
-                <a:sym typeface="Open Sans"/>
-              </a:rPr>
-              <a:t>consectetur</a:t>
-            </a:r>
-            <a:r>
-              <a:rPr lang="en-US" sz="2400" b="0" i="0" dirty="0">
-                <a:solidFill>
-                  <a:srgbClr val="000000"/>
-                </a:solidFill>
-                <a:latin typeface="Open Sans"/>
-                <a:ea typeface="Open Sans"/>
-                <a:cs typeface="Open Sans"/>
-                <a:sym typeface="Open Sans"/>
-              </a:rPr>
-              <a:t> </a:t>
-            </a:r>
-            <a:r>
-              <a:rPr lang="en-US" sz="2400" b="0" i="0" dirty="0" err="1">
-                <a:solidFill>
-                  <a:srgbClr val="000000"/>
-                </a:solidFill>
-                <a:latin typeface="Open Sans"/>
-                <a:ea typeface="Open Sans"/>
-                <a:cs typeface="Open Sans"/>
-                <a:sym typeface="Open Sans"/>
-              </a:rPr>
-              <a:t>adipiscing</a:t>
-            </a:r>
-            <a:r>
-              <a:rPr lang="en-US" sz="2400" b="0" i="0" dirty="0">
-                <a:solidFill>
-                  <a:srgbClr val="000000"/>
-                </a:solidFill>
-                <a:latin typeface="Open Sans"/>
-                <a:ea typeface="Open Sans"/>
-                <a:cs typeface="Open Sans"/>
-                <a:sym typeface="Open Sans"/>
-              </a:rPr>
-              <a:t> </a:t>
-            </a:r>
-            <a:r>
-              <a:rPr lang="en-US" sz="2400" b="0" i="0" dirty="0" err="1">
-                <a:solidFill>
-                  <a:srgbClr val="000000"/>
-                </a:solidFill>
-                <a:latin typeface="Open Sans"/>
-                <a:ea typeface="Open Sans"/>
-                <a:cs typeface="Open Sans"/>
-                <a:sym typeface="Open Sans"/>
-              </a:rPr>
-              <a:t>elit</a:t>
-            </a:r>
-            <a:r>
-              <a:rPr lang="en-US" sz="2400" b="0" i="0" dirty="0">
-                <a:solidFill>
-                  <a:srgbClr val="000000"/>
-                </a:solidFill>
-                <a:latin typeface="Open Sans"/>
-                <a:ea typeface="Open Sans"/>
-                <a:cs typeface="Open Sans"/>
-                <a:sym typeface="Open Sans"/>
-              </a:rPr>
-              <a:t>, sed do </a:t>
-            </a:r>
-            <a:r>
-              <a:rPr lang="en-US" sz="2400" b="0" i="0" dirty="0" err="1">
-                <a:solidFill>
-                  <a:srgbClr val="000000"/>
-                </a:solidFill>
-                <a:latin typeface="Open Sans"/>
-                <a:ea typeface="Open Sans"/>
-                <a:cs typeface="Open Sans"/>
-                <a:sym typeface="Open Sans"/>
-              </a:rPr>
-              <a:t>eiusmod</a:t>
-            </a:r>
-            <a:r>
-              <a:rPr lang="en-US" sz="2400" b="0" i="0" dirty="0">
-                <a:solidFill>
-                  <a:srgbClr val="000000"/>
-                </a:solidFill>
-                <a:latin typeface="Open Sans"/>
-                <a:ea typeface="Open Sans"/>
-                <a:cs typeface="Open Sans"/>
-                <a:sym typeface="Open Sans"/>
-              </a:rPr>
-              <a:t> </a:t>
-            </a:r>
-            <a:r>
-              <a:rPr lang="en-US" sz="2400" b="0" i="0" dirty="0" err="1">
-                <a:solidFill>
-                  <a:srgbClr val="000000"/>
-                </a:solidFill>
-                <a:latin typeface="Open Sans"/>
-                <a:ea typeface="Open Sans"/>
-                <a:cs typeface="Open Sans"/>
-                <a:sym typeface="Open Sans"/>
-              </a:rPr>
-              <a:t>tempor</a:t>
-            </a:r>
-            <a:r>
-              <a:rPr lang="en-US" sz="2400" b="0" i="0" dirty="0">
-                <a:solidFill>
-                  <a:srgbClr val="000000"/>
-                </a:solidFill>
-                <a:latin typeface="Open Sans"/>
-                <a:ea typeface="Open Sans"/>
-                <a:cs typeface="Open Sans"/>
-                <a:sym typeface="Open Sans"/>
-              </a:rPr>
-              <a:t> </a:t>
-            </a:r>
-            <a:r>
-              <a:rPr lang="en-US" sz="2400" b="0" i="0" dirty="0" err="1">
-                <a:solidFill>
-                  <a:srgbClr val="000000"/>
-                </a:solidFill>
-                <a:latin typeface="Open Sans"/>
-                <a:ea typeface="Open Sans"/>
-                <a:cs typeface="Open Sans"/>
-                <a:sym typeface="Open Sans"/>
-              </a:rPr>
-              <a:t>incididunt</a:t>
-            </a:r>
-            <a:r>
-              <a:rPr lang="en-US" sz="2400" b="0" i="0" dirty="0">
-                <a:solidFill>
-                  <a:srgbClr val="000000"/>
-                </a:solidFill>
-                <a:latin typeface="Open Sans"/>
-                <a:ea typeface="Open Sans"/>
-                <a:cs typeface="Open Sans"/>
-                <a:sym typeface="Open Sans"/>
-              </a:rPr>
-              <a:t> </a:t>
-            </a:r>
-            <a:r>
-              <a:rPr lang="en-US" sz="2400" b="0" i="0" dirty="0" err="1">
-                <a:solidFill>
-                  <a:srgbClr val="000000"/>
-                </a:solidFill>
-                <a:latin typeface="Open Sans"/>
-                <a:ea typeface="Open Sans"/>
-                <a:cs typeface="Open Sans"/>
-                <a:sym typeface="Open Sans"/>
-              </a:rPr>
-              <a:t>ut</a:t>
-            </a:r>
-            <a:r>
-              <a:rPr lang="en-US" sz="2400" b="0" i="0" dirty="0">
-                <a:solidFill>
-                  <a:srgbClr val="000000"/>
-                </a:solidFill>
-                <a:latin typeface="Open Sans"/>
-                <a:ea typeface="Open Sans"/>
-                <a:cs typeface="Open Sans"/>
-                <a:sym typeface="Open Sans"/>
-              </a:rPr>
-              <a:t> labore et dolore magna </a:t>
-            </a:r>
-            <a:r>
-              <a:rPr lang="en-US" sz="2400" b="0" i="0" dirty="0" err="1">
-                <a:solidFill>
-                  <a:srgbClr val="000000"/>
-                </a:solidFill>
-                <a:latin typeface="Open Sans"/>
-                <a:ea typeface="Open Sans"/>
-                <a:cs typeface="Open Sans"/>
-                <a:sym typeface="Open Sans"/>
-              </a:rPr>
-              <a:t>aliqua</a:t>
-            </a:r>
-            <a:r>
-              <a:rPr lang="en-US" sz="2400" b="0" i="0" dirty="0">
-                <a:solidFill>
-                  <a:srgbClr val="000000"/>
-                </a:solidFill>
-                <a:latin typeface="Open Sans"/>
-                <a:ea typeface="Open Sans"/>
-                <a:cs typeface="Open Sans"/>
-                <a:sym typeface="Open Sans"/>
-              </a:rPr>
-              <a:t>. Ut </a:t>
-            </a:r>
-            <a:r>
-              <a:rPr lang="en-US" sz="2400" b="0" i="0" dirty="0" err="1">
-                <a:solidFill>
-                  <a:srgbClr val="000000"/>
-                </a:solidFill>
-                <a:latin typeface="Open Sans"/>
-                <a:ea typeface="Open Sans"/>
-                <a:cs typeface="Open Sans"/>
-                <a:sym typeface="Open Sans"/>
-              </a:rPr>
-              <a:t>enim</a:t>
-            </a:r>
-            <a:r>
-              <a:rPr lang="en-US" sz="2400" b="0" i="0" dirty="0">
-                <a:solidFill>
-                  <a:srgbClr val="000000"/>
-                </a:solidFill>
-                <a:latin typeface="Open Sans"/>
-                <a:ea typeface="Open Sans"/>
-                <a:cs typeface="Open Sans"/>
-                <a:sym typeface="Open Sans"/>
-              </a:rPr>
-              <a:t> ad minim </a:t>
-            </a:r>
-            <a:r>
-              <a:rPr lang="en-US" sz="2400" b="0" i="0" dirty="0" err="1">
-                <a:solidFill>
-                  <a:srgbClr val="000000"/>
-                </a:solidFill>
-                <a:latin typeface="Open Sans"/>
-                <a:ea typeface="Open Sans"/>
-                <a:cs typeface="Open Sans"/>
-                <a:sym typeface="Open Sans"/>
-              </a:rPr>
-              <a:t>veniam</a:t>
-            </a:r>
-            <a:r>
-              <a:rPr lang="en-US" sz="2400" b="0" i="0" dirty="0">
-                <a:solidFill>
-                  <a:srgbClr val="000000"/>
-                </a:solidFill>
-                <a:latin typeface="Open Sans"/>
-                <a:ea typeface="Open Sans"/>
-                <a:cs typeface="Open Sans"/>
-                <a:sym typeface="Open Sans"/>
-              </a:rPr>
-              <a:t>, </a:t>
-            </a:r>
-            <a:r>
-              <a:rPr lang="en-US" sz="2400" b="0" i="0" dirty="0" err="1">
-                <a:solidFill>
-                  <a:srgbClr val="000000"/>
-                </a:solidFill>
-                <a:latin typeface="Open Sans"/>
-                <a:ea typeface="Open Sans"/>
-                <a:cs typeface="Open Sans"/>
-                <a:sym typeface="Open Sans"/>
-              </a:rPr>
-              <a:t>quis</a:t>
-            </a:r>
-            <a:r>
-              <a:rPr lang="en-US" sz="2400" b="0" i="0" dirty="0">
-                <a:solidFill>
-                  <a:srgbClr val="000000"/>
-                </a:solidFill>
-                <a:latin typeface="Open Sans"/>
-                <a:ea typeface="Open Sans"/>
-                <a:cs typeface="Open Sans"/>
-                <a:sym typeface="Open Sans"/>
-              </a:rPr>
-              <a:t> </a:t>
-            </a:r>
-            <a:r>
-              <a:rPr lang="en-US" sz="2400" b="0" i="0" dirty="0" err="1">
-                <a:solidFill>
-                  <a:srgbClr val="000000"/>
-                </a:solidFill>
-                <a:latin typeface="Open Sans"/>
-                <a:ea typeface="Open Sans"/>
-                <a:cs typeface="Open Sans"/>
-                <a:sym typeface="Open Sans"/>
-              </a:rPr>
-              <a:t>nostrud</a:t>
-            </a:r>
-            <a:r>
-              <a:rPr lang="en-US" sz="2400" b="0" i="0" dirty="0">
-                <a:solidFill>
-                  <a:srgbClr val="000000"/>
-                </a:solidFill>
-                <a:latin typeface="Open Sans"/>
-                <a:ea typeface="Open Sans"/>
-                <a:cs typeface="Open Sans"/>
-                <a:sym typeface="Open Sans"/>
-              </a:rPr>
-              <a:t> exercitation </a:t>
-            </a:r>
-            <a:r>
-              <a:rPr lang="en-US" sz="2400" b="0" i="0" dirty="0" err="1">
-                <a:solidFill>
-                  <a:srgbClr val="000000"/>
-                </a:solidFill>
-                <a:latin typeface="Open Sans"/>
-                <a:ea typeface="Open Sans"/>
-                <a:cs typeface="Open Sans"/>
-                <a:sym typeface="Open Sans"/>
-              </a:rPr>
-              <a:t>ullamco</a:t>
-            </a:r>
-            <a:r>
-              <a:rPr lang="en-US" sz="2400" b="0" i="0" dirty="0">
-                <a:solidFill>
-                  <a:srgbClr val="000000"/>
-                </a:solidFill>
-                <a:latin typeface="Open Sans"/>
-                <a:ea typeface="Open Sans"/>
-                <a:cs typeface="Open Sans"/>
-                <a:sym typeface="Open Sans"/>
-              </a:rPr>
-              <a:t> </a:t>
-            </a:r>
-            <a:r>
-              <a:rPr lang="en-US" sz="2400" b="0" i="0" dirty="0" err="1">
-                <a:solidFill>
-                  <a:srgbClr val="000000"/>
-                </a:solidFill>
-                <a:latin typeface="Open Sans"/>
-                <a:ea typeface="Open Sans"/>
-                <a:cs typeface="Open Sans"/>
-                <a:sym typeface="Open Sans"/>
-              </a:rPr>
-              <a:t>laboris</a:t>
-            </a:r>
-            <a:r>
-              <a:rPr lang="en-US" sz="2400" b="0" i="0" dirty="0">
-                <a:solidFill>
-                  <a:srgbClr val="000000"/>
-                </a:solidFill>
-                <a:latin typeface="Open Sans"/>
-                <a:ea typeface="Open Sans"/>
-                <a:cs typeface="Open Sans"/>
-                <a:sym typeface="Open Sans"/>
-              </a:rPr>
-              <a:t> nisi </a:t>
-            </a:r>
-            <a:r>
-              <a:rPr lang="en-US" sz="2400" b="0" i="0" dirty="0" err="1">
-                <a:solidFill>
-                  <a:srgbClr val="000000"/>
-                </a:solidFill>
-                <a:latin typeface="Open Sans"/>
-                <a:ea typeface="Open Sans"/>
-                <a:cs typeface="Open Sans"/>
-                <a:sym typeface="Open Sans"/>
-              </a:rPr>
-              <a:t>ut</a:t>
-            </a:r>
-            <a:r>
-              <a:rPr lang="en-US" sz="2400" b="0" i="0" dirty="0">
-                <a:solidFill>
-                  <a:srgbClr val="000000"/>
-                </a:solidFill>
-                <a:latin typeface="Open Sans"/>
-                <a:ea typeface="Open Sans"/>
-                <a:cs typeface="Open Sans"/>
-                <a:sym typeface="Open Sans"/>
-              </a:rPr>
-              <a:t> </a:t>
-            </a:r>
-            <a:r>
-              <a:rPr lang="en-US" sz="2400" b="0" i="0" dirty="0" err="1">
-                <a:solidFill>
-                  <a:srgbClr val="000000"/>
-                </a:solidFill>
-                <a:latin typeface="Open Sans"/>
-                <a:ea typeface="Open Sans"/>
-                <a:cs typeface="Open Sans"/>
-                <a:sym typeface="Open Sans"/>
-              </a:rPr>
-              <a:t>aliquip</a:t>
-            </a:r>
-            <a:r>
-              <a:rPr lang="en-US" sz="2400" b="0" i="0" dirty="0">
-                <a:solidFill>
-                  <a:srgbClr val="000000"/>
-                </a:solidFill>
-                <a:latin typeface="Open Sans"/>
-                <a:ea typeface="Open Sans"/>
-                <a:cs typeface="Open Sans"/>
-                <a:sym typeface="Open Sans"/>
-              </a:rPr>
-              <a:t> ex </a:t>
-            </a:r>
-            <a:r>
-              <a:rPr lang="en-US" sz="2400" b="0" i="0" dirty="0" err="1">
-                <a:solidFill>
-                  <a:srgbClr val="000000"/>
-                </a:solidFill>
-                <a:latin typeface="Open Sans"/>
-                <a:ea typeface="Open Sans"/>
-                <a:cs typeface="Open Sans"/>
-                <a:sym typeface="Open Sans"/>
-              </a:rPr>
-              <a:t>ea</a:t>
-            </a:r>
-            <a:r>
-              <a:rPr lang="en-US" sz="2400" b="0" i="0" dirty="0">
-                <a:solidFill>
-                  <a:srgbClr val="000000"/>
-                </a:solidFill>
-                <a:latin typeface="Open Sans"/>
-                <a:ea typeface="Open Sans"/>
-                <a:cs typeface="Open Sans"/>
-                <a:sym typeface="Open Sans"/>
-              </a:rPr>
-              <a:t> </a:t>
-            </a:r>
-            <a:r>
-              <a:rPr lang="en-US" sz="2400" b="0" i="0" dirty="0" err="1">
-                <a:solidFill>
-                  <a:srgbClr val="000000"/>
-                </a:solidFill>
-                <a:latin typeface="Open Sans"/>
-                <a:ea typeface="Open Sans"/>
-                <a:cs typeface="Open Sans"/>
-                <a:sym typeface="Open Sans"/>
-              </a:rPr>
-              <a:t>commodo</a:t>
-            </a:r>
-            <a:r>
-              <a:rPr lang="en-US" sz="2400" b="0" i="0" dirty="0">
-                <a:solidFill>
-                  <a:srgbClr val="000000"/>
-                </a:solidFill>
-                <a:latin typeface="Open Sans"/>
-                <a:ea typeface="Open Sans"/>
-                <a:cs typeface="Open Sans"/>
-                <a:sym typeface="Open Sans"/>
-              </a:rPr>
-              <a:t> </a:t>
-            </a:r>
-            <a:r>
-              <a:rPr lang="en-US" sz="2400" b="0" i="0" dirty="0" err="1">
-                <a:solidFill>
-                  <a:srgbClr val="000000"/>
-                </a:solidFill>
-                <a:latin typeface="Open Sans"/>
-                <a:ea typeface="Open Sans"/>
-                <a:cs typeface="Open Sans"/>
-                <a:sym typeface="Open Sans"/>
-              </a:rPr>
-              <a:t>consequat</a:t>
-            </a:r>
-            <a:r>
-              <a:rPr lang="en-US" sz="2400" b="0" i="0" dirty="0">
-                <a:solidFill>
-                  <a:srgbClr val="000000"/>
-                </a:solidFill>
-                <a:latin typeface="Open Sans"/>
-                <a:ea typeface="Open Sans"/>
-                <a:cs typeface="Open Sans"/>
-                <a:sym typeface="Open Sans"/>
-              </a:rPr>
-              <a:t>. Duis </a:t>
-            </a:r>
-            <a:r>
-              <a:rPr lang="en-US" sz="2400" b="0" i="0" dirty="0" err="1">
-                <a:solidFill>
-                  <a:srgbClr val="000000"/>
-                </a:solidFill>
-                <a:latin typeface="Open Sans"/>
-                <a:ea typeface="Open Sans"/>
-                <a:cs typeface="Open Sans"/>
-                <a:sym typeface="Open Sans"/>
-              </a:rPr>
-              <a:t>aute</a:t>
-            </a:r>
-            <a:r>
-              <a:rPr lang="en-US" sz="2400" b="0" i="0" dirty="0">
-                <a:solidFill>
-                  <a:srgbClr val="000000"/>
-                </a:solidFill>
-                <a:latin typeface="Open Sans"/>
-                <a:ea typeface="Open Sans"/>
-                <a:cs typeface="Open Sans"/>
-                <a:sym typeface="Open Sans"/>
-              </a:rPr>
-              <a:t> </a:t>
-            </a:r>
-            <a:r>
-              <a:rPr lang="en-US" sz="2400" b="0" i="0" dirty="0" err="1">
-                <a:solidFill>
-                  <a:srgbClr val="000000"/>
-                </a:solidFill>
-                <a:latin typeface="Open Sans"/>
-                <a:ea typeface="Open Sans"/>
-                <a:cs typeface="Open Sans"/>
-                <a:sym typeface="Open Sans"/>
-              </a:rPr>
-              <a:t>irure</a:t>
-            </a:r>
-            <a:r>
-              <a:rPr lang="en-US" sz="2400" b="0" i="0" dirty="0">
-                <a:solidFill>
-                  <a:srgbClr val="000000"/>
-                </a:solidFill>
-                <a:latin typeface="Open Sans"/>
-                <a:ea typeface="Open Sans"/>
-                <a:cs typeface="Open Sans"/>
-                <a:sym typeface="Open Sans"/>
-              </a:rPr>
-              <a:t> dolor in </a:t>
-            </a:r>
-            <a:r>
-              <a:rPr lang="en-US" sz="2400" b="0" i="0" dirty="0" err="1">
-                <a:solidFill>
-                  <a:srgbClr val="000000"/>
-                </a:solidFill>
-                <a:latin typeface="Open Sans"/>
-                <a:ea typeface="Open Sans"/>
-                <a:cs typeface="Open Sans"/>
-                <a:sym typeface="Open Sans"/>
-              </a:rPr>
-              <a:t>reprehenderit</a:t>
-            </a:r>
-            <a:r>
-              <a:rPr lang="en-US" sz="2400" b="0" i="0" dirty="0">
-                <a:solidFill>
-                  <a:srgbClr val="000000"/>
-                </a:solidFill>
-                <a:latin typeface="Open Sans"/>
-                <a:ea typeface="Open Sans"/>
-                <a:cs typeface="Open Sans"/>
-                <a:sym typeface="Open Sans"/>
-              </a:rPr>
-              <a:t> in </a:t>
-            </a:r>
-            <a:r>
-              <a:rPr lang="en-US" sz="2400" b="0" i="0" dirty="0" err="1">
-                <a:solidFill>
-                  <a:srgbClr val="000000"/>
-                </a:solidFill>
-                <a:latin typeface="Open Sans"/>
-                <a:ea typeface="Open Sans"/>
-                <a:cs typeface="Open Sans"/>
-                <a:sym typeface="Open Sans"/>
-              </a:rPr>
-              <a:t>voluptate</a:t>
-            </a:r>
-            <a:r>
-              <a:rPr lang="en-US" sz="2400" b="0" i="0" dirty="0">
-                <a:solidFill>
-                  <a:srgbClr val="000000"/>
-                </a:solidFill>
-                <a:latin typeface="Open Sans"/>
-                <a:ea typeface="Open Sans"/>
-                <a:cs typeface="Open Sans"/>
-                <a:sym typeface="Open Sans"/>
-              </a:rPr>
-              <a:t> </a:t>
-            </a:r>
-            <a:r>
-              <a:rPr lang="en-US" sz="2400" b="0" i="0" dirty="0" err="1">
-                <a:solidFill>
-                  <a:srgbClr val="000000"/>
-                </a:solidFill>
-                <a:latin typeface="Open Sans"/>
-                <a:ea typeface="Open Sans"/>
-                <a:cs typeface="Open Sans"/>
-                <a:sym typeface="Open Sans"/>
-              </a:rPr>
-              <a:t>velit</a:t>
-            </a:r>
-            <a:r>
-              <a:rPr lang="en-US" sz="2400" b="0" i="0" dirty="0">
-                <a:solidFill>
-                  <a:srgbClr val="000000"/>
-                </a:solidFill>
-                <a:latin typeface="Open Sans"/>
-                <a:ea typeface="Open Sans"/>
-                <a:cs typeface="Open Sans"/>
-                <a:sym typeface="Open Sans"/>
-              </a:rPr>
-              <a:t> </a:t>
-            </a:r>
-            <a:r>
-              <a:rPr lang="en-US" sz="2400" b="0" i="0" dirty="0" err="1">
-                <a:solidFill>
-                  <a:srgbClr val="000000"/>
-                </a:solidFill>
-                <a:latin typeface="Open Sans"/>
-                <a:ea typeface="Open Sans"/>
-                <a:cs typeface="Open Sans"/>
-                <a:sym typeface="Open Sans"/>
-              </a:rPr>
-              <a:t>esse</a:t>
-            </a:r>
-            <a:r>
-              <a:rPr lang="en-US" sz="2400" b="0" i="0" dirty="0">
-                <a:solidFill>
-                  <a:srgbClr val="000000"/>
-                </a:solidFill>
-                <a:latin typeface="Open Sans"/>
-                <a:ea typeface="Open Sans"/>
-                <a:cs typeface="Open Sans"/>
-                <a:sym typeface="Open Sans"/>
-              </a:rPr>
-              <a:t> </a:t>
-            </a:r>
-            <a:r>
-              <a:rPr lang="en-US" sz="2400" b="0" i="0" dirty="0" err="1">
-                <a:solidFill>
-                  <a:srgbClr val="000000"/>
-                </a:solidFill>
-                <a:latin typeface="Open Sans"/>
-                <a:ea typeface="Open Sans"/>
-                <a:cs typeface="Open Sans"/>
-                <a:sym typeface="Open Sans"/>
-              </a:rPr>
-              <a:t>cillum</a:t>
-            </a:r>
-            <a:r>
-              <a:rPr lang="en-US" sz="2400" b="0" i="0" dirty="0">
-                <a:solidFill>
-                  <a:srgbClr val="000000"/>
-                </a:solidFill>
-                <a:latin typeface="Open Sans"/>
-                <a:ea typeface="Open Sans"/>
-                <a:cs typeface="Open Sans"/>
-                <a:sym typeface="Open Sans"/>
-              </a:rPr>
-              <a:t> dolore </a:t>
-            </a:r>
-            <a:r>
-              <a:rPr lang="en-US" sz="2400" b="0" i="0" dirty="0" err="1">
-                <a:solidFill>
-                  <a:srgbClr val="000000"/>
-                </a:solidFill>
-                <a:latin typeface="Open Sans"/>
-                <a:ea typeface="Open Sans"/>
-                <a:cs typeface="Open Sans"/>
-                <a:sym typeface="Open Sans"/>
-              </a:rPr>
-              <a:t>eu</a:t>
-            </a:r>
-            <a:r>
-              <a:rPr lang="en-US" sz="2400" b="0" i="0" dirty="0">
-                <a:solidFill>
-                  <a:srgbClr val="000000"/>
-                </a:solidFill>
-                <a:latin typeface="Open Sans"/>
-                <a:ea typeface="Open Sans"/>
-                <a:cs typeface="Open Sans"/>
-                <a:sym typeface="Open Sans"/>
-              </a:rPr>
-              <a:t> </a:t>
-            </a:r>
-            <a:r>
-              <a:rPr lang="en-US" sz="2400" b="0" i="0" dirty="0" err="1">
-                <a:solidFill>
-                  <a:srgbClr val="000000"/>
-                </a:solidFill>
-                <a:latin typeface="Open Sans"/>
-                <a:ea typeface="Open Sans"/>
-                <a:cs typeface="Open Sans"/>
-                <a:sym typeface="Open Sans"/>
-              </a:rPr>
-              <a:t>fugiat</a:t>
-            </a:r>
-            <a:r>
-              <a:rPr lang="en-US" sz="2400" b="0" i="0" dirty="0">
-                <a:solidFill>
-                  <a:srgbClr val="000000"/>
-                </a:solidFill>
-                <a:latin typeface="Open Sans"/>
-                <a:ea typeface="Open Sans"/>
-                <a:cs typeface="Open Sans"/>
-                <a:sym typeface="Open Sans"/>
-              </a:rPr>
-              <a:t> </a:t>
-            </a:r>
-            <a:r>
-              <a:rPr lang="en-US" sz="2400" b="0" i="0" dirty="0" err="1">
-                <a:solidFill>
-                  <a:srgbClr val="000000"/>
-                </a:solidFill>
-                <a:latin typeface="Open Sans"/>
-                <a:ea typeface="Open Sans"/>
-                <a:cs typeface="Open Sans"/>
-                <a:sym typeface="Open Sans"/>
-              </a:rPr>
-              <a:t>nulla</a:t>
-            </a:r>
-            <a:r>
-              <a:rPr lang="en-US" sz="2400" b="0" i="0" dirty="0">
-                <a:solidFill>
-                  <a:srgbClr val="000000"/>
-                </a:solidFill>
-                <a:latin typeface="Open Sans"/>
-                <a:ea typeface="Open Sans"/>
-                <a:cs typeface="Open Sans"/>
-                <a:sym typeface="Open Sans"/>
-              </a:rPr>
-              <a:t> </a:t>
-            </a:r>
-            <a:r>
-              <a:rPr lang="en-US" sz="2400" b="0" i="0" dirty="0" err="1">
-                <a:solidFill>
-                  <a:srgbClr val="000000"/>
-                </a:solidFill>
-                <a:latin typeface="Open Sans"/>
-                <a:ea typeface="Open Sans"/>
-                <a:cs typeface="Open Sans"/>
-                <a:sym typeface="Open Sans"/>
-              </a:rPr>
-              <a:t>pariatur</a:t>
-            </a:r>
-            <a:r>
-              <a:rPr lang="en-US" sz="2400" b="0" i="0" dirty="0">
-                <a:solidFill>
-                  <a:srgbClr val="000000"/>
-                </a:solidFill>
-                <a:latin typeface="Open Sans"/>
-                <a:ea typeface="Open Sans"/>
-                <a:cs typeface="Open Sans"/>
-                <a:sym typeface="Open Sans"/>
-              </a:rPr>
-              <a:t>. </a:t>
-            </a:r>
-            <a:r>
-              <a:rPr lang="en-US" sz="2400" b="0" i="0" dirty="0" err="1">
-                <a:solidFill>
-                  <a:srgbClr val="000000"/>
-                </a:solidFill>
-                <a:latin typeface="Open Sans"/>
-                <a:ea typeface="Open Sans"/>
-                <a:cs typeface="Open Sans"/>
-                <a:sym typeface="Open Sans"/>
-              </a:rPr>
-              <a:t>Excepteur</a:t>
-            </a:r>
-            <a:r>
-              <a:rPr lang="en-US" sz="2400" b="0" i="0" dirty="0">
-                <a:solidFill>
-                  <a:srgbClr val="000000"/>
-                </a:solidFill>
-                <a:latin typeface="Open Sans"/>
-                <a:ea typeface="Open Sans"/>
-                <a:cs typeface="Open Sans"/>
-                <a:sym typeface="Open Sans"/>
-              </a:rPr>
-              <a:t> </a:t>
-            </a:r>
-            <a:r>
-              <a:rPr lang="en-US" sz="2400" b="0" i="0" dirty="0" err="1">
-                <a:solidFill>
-                  <a:srgbClr val="000000"/>
-                </a:solidFill>
-                <a:latin typeface="Open Sans"/>
-                <a:ea typeface="Open Sans"/>
-                <a:cs typeface="Open Sans"/>
-                <a:sym typeface="Open Sans"/>
-              </a:rPr>
-              <a:t>sint</a:t>
-            </a:r>
-            <a:r>
-              <a:rPr lang="en-US" sz="2400" b="0" i="0" dirty="0">
-                <a:solidFill>
-                  <a:srgbClr val="000000"/>
-                </a:solidFill>
-                <a:latin typeface="Open Sans"/>
-                <a:ea typeface="Open Sans"/>
-                <a:cs typeface="Open Sans"/>
-                <a:sym typeface="Open Sans"/>
-              </a:rPr>
-              <a:t> </a:t>
-            </a:r>
-            <a:r>
-              <a:rPr lang="en-US" sz="2400" b="0" i="0" dirty="0" err="1">
-                <a:solidFill>
-                  <a:srgbClr val="000000"/>
-                </a:solidFill>
-                <a:latin typeface="Open Sans"/>
-                <a:ea typeface="Open Sans"/>
-                <a:cs typeface="Open Sans"/>
-                <a:sym typeface="Open Sans"/>
-              </a:rPr>
-              <a:t>occaecat</a:t>
-            </a:r>
-            <a:r>
-              <a:rPr lang="en-US" sz="2400" b="0" i="0" dirty="0">
-                <a:solidFill>
-                  <a:srgbClr val="000000"/>
-                </a:solidFill>
-                <a:latin typeface="Open Sans"/>
-                <a:ea typeface="Open Sans"/>
-                <a:cs typeface="Open Sans"/>
-                <a:sym typeface="Open Sans"/>
-              </a:rPr>
-              <a:t> </a:t>
-            </a:r>
-            <a:r>
-              <a:rPr lang="en-US" sz="2400" b="0" i="0" dirty="0" err="1">
-                <a:solidFill>
-                  <a:srgbClr val="000000"/>
-                </a:solidFill>
-                <a:latin typeface="Open Sans"/>
-                <a:ea typeface="Open Sans"/>
-                <a:cs typeface="Open Sans"/>
-                <a:sym typeface="Open Sans"/>
-              </a:rPr>
-              <a:t>cupidatat</a:t>
-            </a:r>
-            <a:r>
-              <a:rPr lang="en-US" sz="2400" b="0" i="0" dirty="0">
-                <a:solidFill>
-                  <a:srgbClr val="000000"/>
-                </a:solidFill>
-                <a:latin typeface="Open Sans"/>
-                <a:ea typeface="Open Sans"/>
-                <a:cs typeface="Open Sans"/>
-                <a:sym typeface="Open Sans"/>
-              </a:rPr>
-              <a:t> non </a:t>
-            </a:r>
-            <a:r>
-              <a:rPr lang="en-US" sz="2400" b="0" i="0" dirty="0" err="1">
-                <a:solidFill>
-                  <a:srgbClr val="000000"/>
-                </a:solidFill>
-                <a:latin typeface="Open Sans"/>
-                <a:ea typeface="Open Sans"/>
-                <a:cs typeface="Open Sans"/>
-                <a:sym typeface="Open Sans"/>
-              </a:rPr>
-              <a:t>proident</a:t>
-            </a:r>
-            <a:r>
-              <a:rPr lang="en-US" sz="2400" b="0" i="0" dirty="0">
-                <a:solidFill>
-                  <a:srgbClr val="000000"/>
-                </a:solidFill>
-                <a:latin typeface="Open Sans"/>
-                <a:ea typeface="Open Sans"/>
-                <a:cs typeface="Open Sans"/>
-                <a:sym typeface="Open Sans"/>
-              </a:rPr>
-              <a:t>, sunt in culpa qui </a:t>
-            </a:r>
-            <a:r>
-              <a:rPr lang="en-US" sz="2400" b="0" i="0" dirty="0" err="1">
-                <a:solidFill>
-                  <a:srgbClr val="000000"/>
-                </a:solidFill>
-                <a:latin typeface="Open Sans"/>
-                <a:ea typeface="Open Sans"/>
-                <a:cs typeface="Open Sans"/>
-                <a:sym typeface="Open Sans"/>
-              </a:rPr>
-              <a:t>officia</a:t>
-            </a:r>
-            <a:r>
-              <a:rPr lang="en-US" sz="2400" b="0" i="0" dirty="0">
-                <a:solidFill>
-                  <a:srgbClr val="000000"/>
-                </a:solidFill>
-                <a:latin typeface="Open Sans"/>
-                <a:ea typeface="Open Sans"/>
-                <a:cs typeface="Open Sans"/>
-                <a:sym typeface="Open Sans"/>
-              </a:rPr>
-              <a:t> </a:t>
-            </a:r>
-            <a:r>
-              <a:rPr lang="en-US" sz="2400" b="0" i="0" dirty="0" err="1">
-                <a:solidFill>
-                  <a:srgbClr val="000000"/>
-                </a:solidFill>
-                <a:latin typeface="Open Sans"/>
-                <a:ea typeface="Open Sans"/>
-                <a:cs typeface="Open Sans"/>
-                <a:sym typeface="Open Sans"/>
-              </a:rPr>
-              <a:t>deserunt</a:t>
-            </a:r>
-            <a:r>
-              <a:rPr lang="en-US" sz="2400" b="0" i="0" dirty="0">
-                <a:solidFill>
-                  <a:srgbClr val="000000"/>
-                </a:solidFill>
-                <a:latin typeface="Open Sans"/>
-                <a:ea typeface="Open Sans"/>
-                <a:cs typeface="Open Sans"/>
-                <a:sym typeface="Open Sans"/>
-              </a:rPr>
-              <a:t> </a:t>
-            </a:r>
-            <a:r>
-              <a:rPr lang="en-US" sz="2400" b="0" i="0" dirty="0" err="1">
-                <a:solidFill>
-                  <a:srgbClr val="000000"/>
-                </a:solidFill>
-                <a:latin typeface="Open Sans"/>
-                <a:ea typeface="Open Sans"/>
-                <a:cs typeface="Open Sans"/>
-                <a:sym typeface="Open Sans"/>
-              </a:rPr>
-              <a:t>mollit</a:t>
-            </a:r>
-            <a:r>
-              <a:rPr lang="en-US" sz="2400" b="0" i="0" dirty="0">
-                <a:solidFill>
-                  <a:srgbClr val="000000"/>
-                </a:solidFill>
-                <a:latin typeface="Open Sans"/>
-                <a:ea typeface="Open Sans"/>
-                <a:cs typeface="Open Sans"/>
-                <a:sym typeface="Open Sans"/>
-              </a:rPr>
-              <a:t> </a:t>
-            </a:r>
-            <a:r>
-              <a:rPr lang="en-US" sz="2400" b="0" i="0" dirty="0" err="1">
-                <a:solidFill>
-                  <a:srgbClr val="000000"/>
-                </a:solidFill>
-                <a:latin typeface="Open Sans"/>
-                <a:ea typeface="Open Sans"/>
-                <a:cs typeface="Open Sans"/>
-                <a:sym typeface="Open Sans"/>
-              </a:rPr>
-              <a:t>anim</a:t>
-            </a:r>
-            <a:r>
-              <a:rPr lang="en-US" sz="2400" b="0" i="0" dirty="0">
-                <a:solidFill>
-                  <a:srgbClr val="000000"/>
-                </a:solidFill>
-                <a:latin typeface="Open Sans"/>
-                <a:ea typeface="Open Sans"/>
-                <a:cs typeface="Open Sans"/>
-                <a:sym typeface="Open Sans"/>
-              </a:rPr>
-              <a:t> id </a:t>
-            </a:r>
-            <a:r>
-              <a:rPr lang="en-US" sz="2400" b="0" i="0" dirty="0" err="1">
-                <a:solidFill>
-                  <a:srgbClr val="000000"/>
-                </a:solidFill>
-                <a:latin typeface="Open Sans"/>
-                <a:ea typeface="Open Sans"/>
-                <a:cs typeface="Open Sans"/>
-                <a:sym typeface="Open Sans"/>
-              </a:rPr>
-              <a:t>est</a:t>
-            </a:r>
-            <a:r>
-              <a:rPr lang="en-US" sz="2400" b="0" i="0" dirty="0">
-                <a:solidFill>
-                  <a:srgbClr val="000000"/>
-                </a:solidFill>
-                <a:latin typeface="Open Sans"/>
-                <a:ea typeface="Open Sans"/>
-                <a:cs typeface="Open Sans"/>
-                <a:sym typeface="Open Sans"/>
-              </a:rPr>
-              <a:t> </a:t>
-            </a:r>
-            <a:r>
-              <a:rPr lang="en-US" sz="2400" b="0" i="0" dirty="0" err="1">
-                <a:solidFill>
-                  <a:srgbClr val="000000"/>
-                </a:solidFill>
-                <a:latin typeface="Open Sans"/>
-                <a:ea typeface="Open Sans"/>
-                <a:cs typeface="Open Sans"/>
-                <a:sym typeface="Open Sans"/>
-              </a:rPr>
-              <a:t>laborum</a:t>
-            </a:r>
-            <a:r>
-              <a:rPr lang="en-US" sz="2400" b="0" i="0" dirty="0">
-                <a:solidFill>
-                  <a:srgbClr val="000000"/>
-                </a:solidFill>
-                <a:latin typeface="Open Sans"/>
-                <a:ea typeface="Open Sans"/>
-                <a:cs typeface="Open Sans"/>
-                <a:sym typeface="Open Sans"/>
-              </a:rPr>
-              <a:t>.</a:t>
-            </a:r>
-            <a:endParaRPr sz="2400" dirty="0">
-              <a:solidFill>
-                <a:schemeClr val="dk1"/>
-              </a:solidFill>
-              <a:latin typeface="Calibri"/>
-              <a:ea typeface="Calibri"/>
-              <a:cs typeface="Calibri"/>
-              <a:sym typeface="Calibri"/>
-            </a:endParaRPr>
-          </a:p>
-        </p:txBody>
-      </p:sp>
-      <p:sp>
-        <p:nvSpPr>
-          <p:cNvPr id="101" name="Google Shape;101;p1"/>
-          <p:cNvSpPr txBox="1"/>
-          <p:nvPr/>
-        </p:nvSpPr>
-        <p:spPr>
-          <a:xfrm>
-            <a:off x="16952420" y="16104625"/>
-            <a:ext cx="7315200" cy="3749040"/>
-          </a:xfrm>
-          <a:prstGeom prst="rect">
-            <a:avLst/>
-          </a:prstGeom>
-          <a:noFill/>
-          <a:ln>
-            <a:noFill/>
-          </a:ln>
-        </p:spPr>
-        <p:txBody>
-          <a:bodyPr spcFirstLastPara="1" wrap="square" lIns="91425" tIns="45700" rIns="91425" bIns="45700" anchor="t" anchorCtr="0">
-            <a:spAutoFit/>
-          </a:bodyPr>
-          <a:lstStyle/>
-          <a:p>
-            <a:pPr marL="0" marR="0" lvl="0" indent="0" algn="l" rtl="0">
-              <a:spcBef>
-                <a:spcPts val="0"/>
-              </a:spcBef>
-              <a:spcAft>
-                <a:spcPts val="0"/>
-              </a:spcAft>
-              <a:buNone/>
-            </a:pPr>
-            <a:r>
-              <a:rPr lang="en-US" sz="2400" b="0" i="0" dirty="0">
-                <a:solidFill>
-                  <a:srgbClr val="000000"/>
-                </a:solidFill>
-                <a:latin typeface="Open Sans"/>
-                <a:ea typeface="Open Sans"/>
-                <a:cs typeface="Open Sans"/>
-                <a:sym typeface="Open Sans"/>
-              </a:rPr>
-              <a:t>Lorem ipsum dolor sit </a:t>
-            </a:r>
-            <a:r>
-              <a:rPr lang="en-US" sz="2400" b="0" i="0" dirty="0" err="1">
-                <a:solidFill>
-                  <a:srgbClr val="000000"/>
-                </a:solidFill>
-                <a:latin typeface="Open Sans"/>
-                <a:ea typeface="Open Sans"/>
-                <a:cs typeface="Open Sans"/>
-                <a:sym typeface="Open Sans"/>
-              </a:rPr>
-              <a:t>amet</a:t>
-            </a:r>
-            <a:r>
-              <a:rPr lang="en-US" sz="2400" b="0" i="0" dirty="0">
-                <a:solidFill>
-                  <a:srgbClr val="000000"/>
-                </a:solidFill>
-                <a:latin typeface="Open Sans"/>
-                <a:ea typeface="Open Sans"/>
-                <a:cs typeface="Open Sans"/>
-                <a:sym typeface="Open Sans"/>
-              </a:rPr>
-              <a:t>, </a:t>
-            </a:r>
-            <a:r>
-              <a:rPr lang="en-US" sz="2400" b="0" i="0" dirty="0" err="1">
-                <a:solidFill>
-                  <a:srgbClr val="000000"/>
-                </a:solidFill>
-                <a:latin typeface="Open Sans"/>
-                <a:ea typeface="Open Sans"/>
-                <a:cs typeface="Open Sans"/>
-                <a:sym typeface="Open Sans"/>
-              </a:rPr>
-              <a:t>consectetur</a:t>
-            </a:r>
-            <a:r>
-              <a:rPr lang="en-US" sz="2400" b="0" i="0" dirty="0">
-                <a:solidFill>
-                  <a:srgbClr val="000000"/>
-                </a:solidFill>
-                <a:latin typeface="Open Sans"/>
-                <a:ea typeface="Open Sans"/>
-                <a:cs typeface="Open Sans"/>
-                <a:sym typeface="Open Sans"/>
-              </a:rPr>
-              <a:t> </a:t>
-            </a:r>
-            <a:r>
-              <a:rPr lang="en-US" sz="2400" b="0" i="0" dirty="0" err="1">
-                <a:solidFill>
-                  <a:srgbClr val="000000"/>
-                </a:solidFill>
-                <a:latin typeface="Open Sans"/>
-                <a:ea typeface="Open Sans"/>
-                <a:cs typeface="Open Sans"/>
-                <a:sym typeface="Open Sans"/>
-              </a:rPr>
-              <a:t>adipiscing</a:t>
-            </a:r>
-            <a:r>
-              <a:rPr lang="en-US" sz="2400" b="0" i="0" dirty="0">
-                <a:solidFill>
-                  <a:srgbClr val="000000"/>
-                </a:solidFill>
-                <a:latin typeface="Open Sans"/>
-                <a:ea typeface="Open Sans"/>
-                <a:cs typeface="Open Sans"/>
-                <a:sym typeface="Open Sans"/>
-              </a:rPr>
-              <a:t> </a:t>
-            </a:r>
-            <a:r>
-              <a:rPr lang="en-US" sz="2400" b="0" i="0" dirty="0" err="1">
-                <a:solidFill>
-                  <a:srgbClr val="000000"/>
-                </a:solidFill>
-                <a:latin typeface="Open Sans"/>
-                <a:ea typeface="Open Sans"/>
-                <a:cs typeface="Open Sans"/>
-                <a:sym typeface="Open Sans"/>
-              </a:rPr>
-              <a:t>elit</a:t>
-            </a:r>
-            <a:r>
-              <a:rPr lang="en-US" sz="2400" b="0" i="0" dirty="0">
-                <a:solidFill>
-                  <a:srgbClr val="000000"/>
-                </a:solidFill>
-                <a:latin typeface="Open Sans"/>
-                <a:ea typeface="Open Sans"/>
-                <a:cs typeface="Open Sans"/>
-                <a:sym typeface="Open Sans"/>
-              </a:rPr>
-              <a:t>, sed do </a:t>
-            </a:r>
-            <a:r>
-              <a:rPr lang="en-US" sz="2400" b="0" i="0" dirty="0" err="1">
-                <a:solidFill>
-                  <a:srgbClr val="000000"/>
-                </a:solidFill>
-                <a:latin typeface="Open Sans"/>
-                <a:ea typeface="Open Sans"/>
-                <a:cs typeface="Open Sans"/>
-                <a:sym typeface="Open Sans"/>
-              </a:rPr>
-              <a:t>eiusmod</a:t>
-            </a:r>
-            <a:r>
-              <a:rPr lang="en-US" sz="2400" b="0" i="0" dirty="0">
-                <a:solidFill>
-                  <a:srgbClr val="000000"/>
-                </a:solidFill>
-                <a:latin typeface="Open Sans"/>
-                <a:ea typeface="Open Sans"/>
-                <a:cs typeface="Open Sans"/>
-                <a:sym typeface="Open Sans"/>
-              </a:rPr>
-              <a:t> </a:t>
-            </a:r>
-            <a:r>
-              <a:rPr lang="en-US" sz="2400" b="0" i="0" dirty="0" err="1">
-                <a:solidFill>
-                  <a:srgbClr val="000000"/>
-                </a:solidFill>
-                <a:latin typeface="Open Sans"/>
-                <a:ea typeface="Open Sans"/>
-                <a:cs typeface="Open Sans"/>
-                <a:sym typeface="Open Sans"/>
-              </a:rPr>
-              <a:t>tempor</a:t>
-            </a:r>
-            <a:r>
-              <a:rPr lang="en-US" sz="2400" b="0" i="0" dirty="0">
-                <a:solidFill>
-                  <a:srgbClr val="000000"/>
-                </a:solidFill>
-                <a:latin typeface="Open Sans"/>
-                <a:ea typeface="Open Sans"/>
-                <a:cs typeface="Open Sans"/>
-                <a:sym typeface="Open Sans"/>
-              </a:rPr>
-              <a:t> </a:t>
-            </a:r>
-            <a:r>
-              <a:rPr lang="en-US" sz="2400" b="0" i="0" dirty="0" err="1">
-                <a:solidFill>
-                  <a:srgbClr val="000000"/>
-                </a:solidFill>
-                <a:latin typeface="Open Sans"/>
-                <a:ea typeface="Open Sans"/>
-                <a:cs typeface="Open Sans"/>
-                <a:sym typeface="Open Sans"/>
-              </a:rPr>
-              <a:t>incididunt</a:t>
-            </a:r>
-            <a:r>
-              <a:rPr lang="en-US" sz="2400" b="0" i="0" dirty="0">
-                <a:solidFill>
-                  <a:srgbClr val="000000"/>
-                </a:solidFill>
-                <a:latin typeface="Open Sans"/>
-                <a:ea typeface="Open Sans"/>
-                <a:cs typeface="Open Sans"/>
-                <a:sym typeface="Open Sans"/>
-              </a:rPr>
-              <a:t> </a:t>
-            </a:r>
-            <a:r>
-              <a:rPr lang="en-US" sz="2400" b="0" i="0" dirty="0" err="1">
-                <a:solidFill>
-                  <a:srgbClr val="000000"/>
-                </a:solidFill>
-                <a:latin typeface="Open Sans"/>
-                <a:ea typeface="Open Sans"/>
-                <a:cs typeface="Open Sans"/>
-                <a:sym typeface="Open Sans"/>
-              </a:rPr>
-              <a:t>ut</a:t>
-            </a:r>
-            <a:r>
-              <a:rPr lang="en-US" sz="2400" b="0" i="0" dirty="0">
-                <a:solidFill>
-                  <a:srgbClr val="000000"/>
-                </a:solidFill>
-                <a:latin typeface="Open Sans"/>
-                <a:ea typeface="Open Sans"/>
-                <a:cs typeface="Open Sans"/>
-                <a:sym typeface="Open Sans"/>
-              </a:rPr>
-              <a:t> labore et dolore magna </a:t>
-            </a:r>
-            <a:r>
-              <a:rPr lang="en-US" sz="2400" b="0" i="0" dirty="0" err="1">
-                <a:solidFill>
-                  <a:srgbClr val="000000"/>
-                </a:solidFill>
-                <a:latin typeface="Open Sans"/>
-                <a:ea typeface="Open Sans"/>
-                <a:cs typeface="Open Sans"/>
-                <a:sym typeface="Open Sans"/>
-              </a:rPr>
-              <a:t>aliqua</a:t>
-            </a:r>
-            <a:r>
-              <a:rPr lang="en-US" sz="2400" b="0" i="0" dirty="0">
-                <a:solidFill>
-                  <a:srgbClr val="000000"/>
-                </a:solidFill>
-                <a:latin typeface="Open Sans"/>
-                <a:ea typeface="Open Sans"/>
-                <a:cs typeface="Open Sans"/>
-                <a:sym typeface="Open Sans"/>
-              </a:rPr>
-              <a:t>. Ut </a:t>
-            </a:r>
-            <a:r>
-              <a:rPr lang="en-US" sz="2400" b="0" i="0" dirty="0" err="1">
-                <a:solidFill>
-                  <a:srgbClr val="000000"/>
-                </a:solidFill>
-                <a:latin typeface="Open Sans"/>
-                <a:ea typeface="Open Sans"/>
-                <a:cs typeface="Open Sans"/>
-                <a:sym typeface="Open Sans"/>
-              </a:rPr>
-              <a:t>enim</a:t>
-            </a:r>
-            <a:r>
-              <a:rPr lang="en-US" sz="2400" b="0" i="0" dirty="0">
-                <a:solidFill>
-                  <a:srgbClr val="000000"/>
-                </a:solidFill>
-                <a:latin typeface="Open Sans"/>
-                <a:ea typeface="Open Sans"/>
-                <a:cs typeface="Open Sans"/>
-                <a:sym typeface="Open Sans"/>
-              </a:rPr>
-              <a:t> ad minim </a:t>
-            </a:r>
-            <a:r>
-              <a:rPr lang="en-US" sz="2400" b="0" i="0" dirty="0" err="1">
-                <a:solidFill>
-                  <a:srgbClr val="000000"/>
-                </a:solidFill>
-                <a:latin typeface="Open Sans"/>
-                <a:ea typeface="Open Sans"/>
-                <a:cs typeface="Open Sans"/>
-                <a:sym typeface="Open Sans"/>
-              </a:rPr>
-              <a:t>veniam</a:t>
-            </a:r>
-            <a:r>
-              <a:rPr lang="en-US" sz="2400" b="0" i="0" dirty="0">
-                <a:solidFill>
-                  <a:srgbClr val="000000"/>
-                </a:solidFill>
-                <a:latin typeface="Open Sans"/>
-                <a:ea typeface="Open Sans"/>
-                <a:cs typeface="Open Sans"/>
-                <a:sym typeface="Open Sans"/>
-              </a:rPr>
-              <a:t>, </a:t>
-            </a:r>
-            <a:r>
-              <a:rPr lang="en-US" sz="2400" b="0" i="0" dirty="0" err="1">
-                <a:solidFill>
-                  <a:srgbClr val="000000"/>
-                </a:solidFill>
-                <a:latin typeface="Open Sans"/>
-                <a:ea typeface="Open Sans"/>
-                <a:cs typeface="Open Sans"/>
-                <a:sym typeface="Open Sans"/>
-              </a:rPr>
-              <a:t>quis</a:t>
-            </a:r>
-            <a:r>
-              <a:rPr lang="en-US" sz="2400" b="0" i="0" dirty="0">
-                <a:solidFill>
-                  <a:srgbClr val="000000"/>
-                </a:solidFill>
-                <a:latin typeface="Open Sans"/>
-                <a:ea typeface="Open Sans"/>
-                <a:cs typeface="Open Sans"/>
-                <a:sym typeface="Open Sans"/>
-              </a:rPr>
-              <a:t> </a:t>
-            </a:r>
-            <a:r>
-              <a:rPr lang="en-US" sz="2400" b="0" i="0" dirty="0" err="1">
-                <a:solidFill>
-                  <a:srgbClr val="000000"/>
-                </a:solidFill>
-                <a:latin typeface="Open Sans"/>
-                <a:ea typeface="Open Sans"/>
-                <a:cs typeface="Open Sans"/>
-                <a:sym typeface="Open Sans"/>
-              </a:rPr>
-              <a:t>nostrud</a:t>
-            </a:r>
-            <a:r>
-              <a:rPr lang="en-US" sz="2400" b="0" i="0" dirty="0">
-                <a:solidFill>
-                  <a:srgbClr val="000000"/>
-                </a:solidFill>
-                <a:latin typeface="Open Sans"/>
-                <a:ea typeface="Open Sans"/>
-                <a:cs typeface="Open Sans"/>
-                <a:sym typeface="Open Sans"/>
-              </a:rPr>
-              <a:t> exercitation </a:t>
-            </a:r>
-            <a:r>
-              <a:rPr lang="en-US" sz="2400" b="0" i="0" dirty="0" err="1">
-                <a:solidFill>
-                  <a:srgbClr val="000000"/>
-                </a:solidFill>
-                <a:latin typeface="Open Sans"/>
-                <a:ea typeface="Open Sans"/>
-                <a:cs typeface="Open Sans"/>
-                <a:sym typeface="Open Sans"/>
-              </a:rPr>
-              <a:t>ullamco</a:t>
-            </a:r>
-            <a:r>
-              <a:rPr lang="en-US" sz="2400" b="0" i="0" dirty="0">
-                <a:solidFill>
-                  <a:srgbClr val="000000"/>
-                </a:solidFill>
-                <a:latin typeface="Open Sans"/>
-                <a:ea typeface="Open Sans"/>
-                <a:cs typeface="Open Sans"/>
-                <a:sym typeface="Open Sans"/>
-              </a:rPr>
-              <a:t> </a:t>
-            </a:r>
-            <a:r>
-              <a:rPr lang="en-US" sz="2400" b="0" i="0" dirty="0" err="1">
-                <a:solidFill>
-                  <a:srgbClr val="000000"/>
-                </a:solidFill>
-                <a:latin typeface="Open Sans"/>
-                <a:ea typeface="Open Sans"/>
-                <a:cs typeface="Open Sans"/>
-                <a:sym typeface="Open Sans"/>
-              </a:rPr>
-              <a:t>laboris</a:t>
-            </a:r>
-            <a:r>
-              <a:rPr lang="en-US" sz="2400" b="0" i="0" dirty="0">
-                <a:solidFill>
-                  <a:srgbClr val="000000"/>
-                </a:solidFill>
-                <a:latin typeface="Open Sans"/>
-                <a:ea typeface="Open Sans"/>
-                <a:cs typeface="Open Sans"/>
-                <a:sym typeface="Open Sans"/>
-              </a:rPr>
-              <a:t> nisi </a:t>
-            </a:r>
-            <a:r>
-              <a:rPr lang="en-US" sz="2400" b="0" i="0" dirty="0" err="1">
-                <a:solidFill>
-                  <a:srgbClr val="000000"/>
-                </a:solidFill>
-                <a:latin typeface="Open Sans"/>
-                <a:ea typeface="Open Sans"/>
-                <a:cs typeface="Open Sans"/>
-                <a:sym typeface="Open Sans"/>
-              </a:rPr>
-              <a:t>ut</a:t>
-            </a:r>
-            <a:r>
-              <a:rPr lang="en-US" sz="2400" b="0" i="0" dirty="0">
-                <a:solidFill>
-                  <a:srgbClr val="000000"/>
-                </a:solidFill>
-                <a:latin typeface="Open Sans"/>
-                <a:ea typeface="Open Sans"/>
-                <a:cs typeface="Open Sans"/>
-                <a:sym typeface="Open Sans"/>
-              </a:rPr>
-              <a:t> </a:t>
-            </a:r>
-            <a:r>
-              <a:rPr lang="en-US" sz="2400" b="0" i="0" dirty="0" err="1">
-                <a:solidFill>
-                  <a:srgbClr val="000000"/>
-                </a:solidFill>
-                <a:latin typeface="Open Sans"/>
-                <a:ea typeface="Open Sans"/>
-                <a:cs typeface="Open Sans"/>
-                <a:sym typeface="Open Sans"/>
-              </a:rPr>
-              <a:t>aliquip</a:t>
-            </a:r>
-            <a:r>
-              <a:rPr lang="en-US" sz="2400" b="0" i="0" dirty="0">
-                <a:solidFill>
-                  <a:srgbClr val="000000"/>
-                </a:solidFill>
-                <a:latin typeface="Open Sans"/>
-                <a:ea typeface="Open Sans"/>
-                <a:cs typeface="Open Sans"/>
-                <a:sym typeface="Open Sans"/>
-              </a:rPr>
-              <a:t> ex </a:t>
-            </a:r>
-            <a:r>
-              <a:rPr lang="en-US" sz="2400" b="0" i="0" dirty="0" err="1">
-                <a:solidFill>
-                  <a:srgbClr val="000000"/>
-                </a:solidFill>
-                <a:latin typeface="Open Sans"/>
-                <a:ea typeface="Open Sans"/>
-                <a:cs typeface="Open Sans"/>
-                <a:sym typeface="Open Sans"/>
-              </a:rPr>
-              <a:t>ea</a:t>
-            </a:r>
-            <a:r>
-              <a:rPr lang="en-US" sz="2400" b="0" i="0" dirty="0">
-                <a:solidFill>
-                  <a:srgbClr val="000000"/>
-                </a:solidFill>
-                <a:latin typeface="Open Sans"/>
-                <a:ea typeface="Open Sans"/>
-                <a:cs typeface="Open Sans"/>
-                <a:sym typeface="Open Sans"/>
-              </a:rPr>
-              <a:t> </a:t>
-            </a:r>
-            <a:r>
-              <a:rPr lang="en-US" sz="2400" b="0" i="0" dirty="0" err="1">
-                <a:solidFill>
-                  <a:srgbClr val="000000"/>
-                </a:solidFill>
-                <a:latin typeface="Open Sans"/>
-                <a:ea typeface="Open Sans"/>
-                <a:cs typeface="Open Sans"/>
-                <a:sym typeface="Open Sans"/>
-              </a:rPr>
-              <a:t>commodo</a:t>
-            </a:r>
-            <a:r>
-              <a:rPr lang="en-US" sz="2400" b="0" i="0" dirty="0">
-                <a:solidFill>
-                  <a:srgbClr val="000000"/>
-                </a:solidFill>
-                <a:latin typeface="Open Sans"/>
-                <a:ea typeface="Open Sans"/>
-                <a:cs typeface="Open Sans"/>
-                <a:sym typeface="Open Sans"/>
-              </a:rPr>
-              <a:t> </a:t>
-            </a:r>
-            <a:r>
-              <a:rPr lang="en-US" sz="2400" b="0" i="0" dirty="0" err="1">
-                <a:solidFill>
-                  <a:srgbClr val="000000"/>
-                </a:solidFill>
-                <a:latin typeface="Open Sans"/>
-                <a:ea typeface="Open Sans"/>
-                <a:cs typeface="Open Sans"/>
-                <a:sym typeface="Open Sans"/>
-              </a:rPr>
-              <a:t>consequat</a:t>
-            </a:r>
-            <a:r>
-              <a:rPr lang="en-US" sz="2400" b="0" i="0" dirty="0">
-                <a:solidFill>
-                  <a:srgbClr val="000000"/>
-                </a:solidFill>
-                <a:latin typeface="Open Sans"/>
-                <a:ea typeface="Open Sans"/>
-                <a:cs typeface="Open Sans"/>
-                <a:sym typeface="Open Sans"/>
-              </a:rPr>
-              <a:t>. Duis </a:t>
-            </a:r>
-            <a:r>
-              <a:rPr lang="en-US" sz="2400" b="0" i="0" dirty="0" err="1">
-                <a:solidFill>
-                  <a:srgbClr val="000000"/>
-                </a:solidFill>
-                <a:latin typeface="Open Sans"/>
-                <a:ea typeface="Open Sans"/>
-                <a:cs typeface="Open Sans"/>
-                <a:sym typeface="Open Sans"/>
-              </a:rPr>
-              <a:t>aute</a:t>
-            </a:r>
-            <a:r>
-              <a:rPr lang="en-US" sz="2400" b="0" i="0" dirty="0">
-                <a:solidFill>
-                  <a:srgbClr val="000000"/>
-                </a:solidFill>
-                <a:latin typeface="Open Sans"/>
-                <a:ea typeface="Open Sans"/>
-                <a:cs typeface="Open Sans"/>
-                <a:sym typeface="Open Sans"/>
-              </a:rPr>
-              <a:t> </a:t>
-            </a:r>
-            <a:r>
-              <a:rPr lang="en-US" sz="2400" b="0" i="0" dirty="0" err="1">
-                <a:solidFill>
-                  <a:srgbClr val="000000"/>
-                </a:solidFill>
-                <a:latin typeface="Open Sans"/>
-                <a:ea typeface="Open Sans"/>
-                <a:cs typeface="Open Sans"/>
-                <a:sym typeface="Open Sans"/>
-              </a:rPr>
-              <a:t>irure</a:t>
-            </a:r>
-            <a:r>
-              <a:rPr lang="en-US" sz="2400" b="0" i="0" dirty="0">
-                <a:solidFill>
-                  <a:srgbClr val="000000"/>
-                </a:solidFill>
-                <a:latin typeface="Open Sans"/>
-                <a:ea typeface="Open Sans"/>
-                <a:cs typeface="Open Sans"/>
-                <a:sym typeface="Open Sans"/>
-              </a:rPr>
-              <a:t> dolor in </a:t>
-            </a:r>
-            <a:r>
-              <a:rPr lang="en-US" sz="2400" b="0" i="0" dirty="0" err="1">
-                <a:solidFill>
-                  <a:srgbClr val="000000"/>
-                </a:solidFill>
-                <a:latin typeface="Open Sans"/>
-                <a:ea typeface="Open Sans"/>
-                <a:cs typeface="Open Sans"/>
-                <a:sym typeface="Open Sans"/>
-              </a:rPr>
-              <a:t>reprehenderit</a:t>
-            </a:r>
-            <a:r>
-              <a:rPr lang="en-US" sz="2400" b="0" i="0" dirty="0">
-                <a:solidFill>
-                  <a:srgbClr val="000000"/>
-                </a:solidFill>
-                <a:latin typeface="Open Sans"/>
-                <a:ea typeface="Open Sans"/>
-                <a:cs typeface="Open Sans"/>
-                <a:sym typeface="Open Sans"/>
-              </a:rPr>
-              <a:t> in </a:t>
-            </a:r>
-            <a:r>
-              <a:rPr lang="en-US" sz="2400" b="0" i="0" dirty="0" err="1">
-                <a:solidFill>
-                  <a:srgbClr val="000000"/>
-                </a:solidFill>
-                <a:latin typeface="Open Sans"/>
-                <a:ea typeface="Open Sans"/>
-                <a:cs typeface="Open Sans"/>
-                <a:sym typeface="Open Sans"/>
-              </a:rPr>
-              <a:t>voluptate</a:t>
-            </a:r>
-            <a:r>
-              <a:rPr lang="en-US" sz="2400" b="0" i="0" dirty="0">
-                <a:solidFill>
-                  <a:srgbClr val="000000"/>
-                </a:solidFill>
-                <a:latin typeface="Open Sans"/>
-                <a:ea typeface="Open Sans"/>
-                <a:cs typeface="Open Sans"/>
-                <a:sym typeface="Open Sans"/>
-              </a:rPr>
-              <a:t> </a:t>
-            </a:r>
-            <a:r>
-              <a:rPr lang="en-US" sz="2400" b="0" i="0" dirty="0" err="1">
-                <a:solidFill>
-                  <a:srgbClr val="000000"/>
-                </a:solidFill>
-                <a:latin typeface="Open Sans"/>
-                <a:ea typeface="Open Sans"/>
-                <a:cs typeface="Open Sans"/>
-                <a:sym typeface="Open Sans"/>
-              </a:rPr>
-              <a:t>velit</a:t>
-            </a:r>
-            <a:r>
-              <a:rPr lang="en-US" sz="2400" b="0" i="0" dirty="0">
-                <a:solidFill>
-                  <a:srgbClr val="000000"/>
-                </a:solidFill>
-                <a:latin typeface="Open Sans"/>
-                <a:ea typeface="Open Sans"/>
-                <a:cs typeface="Open Sans"/>
-                <a:sym typeface="Open Sans"/>
-              </a:rPr>
-              <a:t> </a:t>
-            </a:r>
-            <a:r>
-              <a:rPr lang="en-US" sz="2400" b="0" i="0" dirty="0" err="1">
-                <a:solidFill>
-                  <a:srgbClr val="000000"/>
-                </a:solidFill>
-                <a:latin typeface="Open Sans"/>
-                <a:ea typeface="Open Sans"/>
-                <a:cs typeface="Open Sans"/>
-                <a:sym typeface="Open Sans"/>
-              </a:rPr>
-              <a:t>esse</a:t>
-            </a:r>
-            <a:r>
-              <a:rPr lang="en-US" sz="2400" b="0" i="0" dirty="0">
-                <a:solidFill>
-                  <a:srgbClr val="000000"/>
-                </a:solidFill>
-                <a:latin typeface="Open Sans"/>
-                <a:ea typeface="Open Sans"/>
-                <a:cs typeface="Open Sans"/>
-                <a:sym typeface="Open Sans"/>
-              </a:rPr>
-              <a:t> </a:t>
-            </a:r>
-            <a:r>
-              <a:rPr lang="en-US" sz="2400" b="0" i="0" dirty="0" err="1">
-                <a:solidFill>
-                  <a:srgbClr val="000000"/>
-                </a:solidFill>
-                <a:latin typeface="Open Sans"/>
-                <a:ea typeface="Open Sans"/>
-                <a:cs typeface="Open Sans"/>
-                <a:sym typeface="Open Sans"/>
-              </a:rPr>
-              <a:t>cillum</a:t>
-            </a:r>
-            <a:r>
-              <a:rPr lang="en-US" sz="2400" b="0" i="0" dirty="0">
-                <a:solidFill>
-                  <a:srgbClr val="000000"/>
-                </a:solidFill>
-                <a:latin typeface="Open Sans"/>
-                <a:ea typeface="Open Sans"/>
-                <a:cs typeface="Open Sans"/>
-                <a:sym typeface="Open Sans"/>
-              </a:rPr>
-              <a:t> dolore </a:t>
-            </a:r>
-            <a:r>
-              <a:rPr lang="en-US" sz="2400" b="0" i="0" dirty="0" err="1">
-                <a:solidFill>
-                  <a:srgbClr val="000000"/>
-                </a:solidFill>
-                <a:latin typeface="Open Sans"/>
-                <a:ea typeface="Open Sans"/>
-                <a:cs typeface="Open Sans"/>
-                <a:sym typeface="Open Sans"/>
-              </a:rPr>
-              <a:t>eu</a:t>
-            </a:r>
-            <a:r>
-              <a:rPr lang="en-US" sz="2400" b="0" i="0" dirty="0">
-                <a:solidFill>
-                  <a:srgbClr val="000000"/>
-                </a:solidFill>
-                <a:latin typeface="Open Sans"/>
-                <a:ea typeface="Open Sans"/>
-                <a:cs typeface="Open Sans"/>
-                <a:sym typeface="Open Sans"/>
-              </a:rPr>
-              <a:t> </a:t>
-            </a:r>
-            <a:r>
-              <a:rPr lang="en-US" sz="2400" b="0" i="0" dirty="0" err="1">
-                <a:solidFill>
-                  <a:srgbClr val="000000"/>
-                </a:solidFill>
-                <a:latin typeface="Open Sans"/>
-                <a:ea typeface="Open Sans"/>
-                <a:cs typeface="Open Sans"/>
-                <a:sym typeface="Open Sans"/>
-              </a:rPr>
-              <a:t>fugiat</a:t>
-            </a:r>
-            <a:r>
-              <a:rPr lang="en-US" sz="2400" b="0" i="0" dirty="0">
-                <a:solidFill>
-                  <a:srgbClr val="000000"/>
-                </a:solidFill>
-                <a:latin typeface="Open Sans"/>
-                <a:ea typeface="Open Sans"/>
-                <a:cs typeface="Open Sans"/>
-                <a:sym typeface="Open Sans"/>
-              </a:rPr>
-              <a:t> </a:t>
-            </a:r>
-            <a:r>
-              <a:rPr lang="en-US" sz="2400" b="0" i="0" dirty="0" err="1">
-                <a:solidFill>
-                  <a:srgbClr val="000000"/>
-                </a:solidFill>
-                <a:latin typeface="Open Sans"/>
-                <a:ea typeface="Open Sans"/>
-                <a:cs typeface="Open Sans"/>
-                <a:sym typeface="Open Sans"/>
-              </a:rPr>
-              <a:t>nulla</a:t>
-            </a:r>
-            <a:r>
-              <a:rPr lang="en-US" sz="2400" b="0" i="0" dirty="0">
-                <a:solidFill>
-                  <a:srgbClr val="000000"/>
-                </a:solidFill>
-                <a:latin typeface="Open Sans"/>
-                <a:ea typeface="Open Sans"/>
-                <a:cs typeface="Open Sans"/>
-                <a:sym typeface="Open Sans"/>
-              </a:rPr>
-              <a:t> </a:t>
-            </a:r>
-            <a:r>
-              <a:rPr lang="en-US" sz="2400" b="0" i="0" dirty="0" err="1">
-                <a:solidFill>
-                  <a:srgbClr val="000000"/>
-                </a:solidFill>
-                <a:latin typeface="Open Sans"/>
-                <a:ea typeface="Open Sans"/>
-                <a:cs typeface="Open Sans"/>
-                <a:sym typeface="Open Sans"/>
-              </a:rPr>
-              <a:t>pariatur</a:t>
-            </a:r>
-            <a:r>
-              <a:rPr lang="en-US" sz="2400" b="0" i="0" dirty="0">
-                <a:solidFill>
-                  <a:srgbClr val="000000"/>
-                </a:solidFill>
-                <a:latin typeface="Open Sans"/>
-                <a:ea typeface="Open Sans"/>
-                <a:cs typeface="Open Sans"/>
-                <a:sym typeface="Open Sans"/>
-              </a:rPr>
-              <a:t>. </a:t>
-            </a:r>
-            <a:r>
-              <a:rPr lang="en-US" sz="2400" b="0" i="0" dirty="0" err="1">
-                <a:solidFill>
-                  <a:srgbClr val="000000"/>
-                </a:solidFill>
-                <a:latin typeface="Open Sans"/>
-                <a:ea typeface="Open Sans"/>
-                <a:cs typeface="Open Sans"/>
-                <a:sym typeface="Open Sans"/>
-              </a:rPr>
-              <a:t>Excepteur</a:t>
-            </a:r>
-            <a:r>
-              <a:rPr lang="en-US" sz="2400" b="0" i="0" dirty="0">
-                <a:solidFill>
-                  <a:srgbClr val="000000"/>
-                </a:solidFill>
-                <a:latin typeface="Open Sans"/>
-                <a:ea typeface="Open Sans"/>
-                <a:cs typeface="Open Sans"/>
-                <a:sym typeface="Open Sans"/>
-              </a:rPr>
-              <a:t> </a:t>
-            </a:r>
-            <a:r>
-              <a:rPr lang="en-US" sz="2400" b="0" i="0" dirty="0" err="1">
-                <a:solidFill>
-                  <a:srgbClr val="000000"/>
-                </a:solidFill>
-                <a:latin typeface="Open Sans"/>
-                <a:ea typeface="Open Sans"/>
-                <a:cs typeface="Open Sans"/>
-                <a:sym typeface="Open Sans"/>
-              </a:rPr>
-              <a:t>sint</a:t>
-            </a:r>
-            <a:r>
-              <a:rPr lang="en-US" sz="2400" b="0" i="0" dirty="0">
-                <a:solidFill>
-                  <a:srgbClr val="000000"/>
-                </a:solidFill>
-                <a:latin typeface="Open Sans"/>
-                <a:ea typeface="Open Sans"/>
-                <a:cs typeface="Open Sans"/>
-                <a:sym typeface="Open Sans"/>
-              </a:rPr>
-              <a:t> </a:t>
-            </a:r>
-            <a:r>
-              <a:rPr lang="en-US" sz="2400" b="0" i="0" dirty="0" err="1">
-                <a:solidFill>
-                  <a:srgbClr val="000000"/>
-                </a:solidFill>
-                <a:latin typeface="Open Sans"/>
-                <a:ea typeface="Open Sans"/>
-                <a:cs typeface="Open Sans"/>
-                <a:sym typeface="Open Sans"/>
-              </a:rPr>
-              <a:t>occaecat</a:t>
-            </a:r>
-            <a:r>
-              <a:rPr lang="en-US" sz="2400" b="0" i="0" dirty="0">
-                <a:solidFill>
-                  <a:srgbClr val="000000"/>
-                </a:solidFill>
-                <a:latin typeface="Open Sans"/>
-                <a:ea typeface="Open Sans"/>
-                <a:cs typeface="Open Sans"/>
-                <a:sym typeface="Open Sans"/>
-              </a:rPr>
-              <a:t> </a:t>
-            </a:r>
-            <a:r>
-              <a:rPr lang="en-US" sz="2400" b="0" i="0" dirty="0" err="1">
-                <a:solidFill>
-                  <a:srgbClr val="000000"/>
-                </a:solidFill>
-                <a:latin typeface="Open Sans"/>
-                <a:ea typeface="Open Sans"/>
-                <a:cs typeface="Open Sans"/>
-                <a:sym typeface="Open Sans"/>
-              </a:rPr>
-              <a:t>cupidatat</a:t>
-            </a:r>
-            <a:r>
-              <a:rPr lang="en-US" sz="2400" b="0" i="0" dirty="0">
-                <a:solidFill>
-                  <a:srgbClr val="000000"/>
-                </a:solidFill>
-                <a:latin typeface="Open Sans"/>
-                <a:ea typeface="Open Sans"/>
-                <a:cs typeface="Open Sans"/>
-                <a:sym typeface="Open Sans"/>
-              </a:rPr>
-              <a:t> non </a:t>
-            </a:r>
-            <a:r>
-              <a:rPr lang="en-US" sz="2400" b="0" i="0" dirty="0" err="1">
-                <a:solidFill>
-                  <a:srgbClr val="000000"/>
-                </a:solidFill>
-                <a:latin typeface="Open Sans"/>
-                <a:ea typeface="Open Sans"/>
-                <a:cs typeface="Open Sans"/>
-                <a:sym typeface="Open Sans"/>
-              </a:rPr>
-              <a:t>proident</a:t>
-            </a:r>
-            <a:r>
-              <a:rPr lang="en-US" sz="2400" b="0" i="0" dirty="0">
-                <a:solidFill>
-                  <a:srgbClr val="000000"/>
-                </a:solidFill>
-                <a:latin typeface="Open Sans"/>
-                <a:ea typeface="Open Sans"/>
-                <a:cs typeface="Open Sans"/>
-                <a:sym typeface="Open Sans"/>
-              </a:rPr>
-              <a:t>, sunt in culpa qui </a:t>
-            </a:r>
-            <a:r>
-              <a:rPr lang="en-US" sz="2400" b="0" i="0" dirty="0" err="1">
-                <a:solidFill>
-                  <a:srgbClr val="000000"/>
-                </a:solidFill>
-                <a:latin typeface="Open Sans"/>
-                <a:ea typeface="Open Sans"/>
-                <a:cs typeface="Open Sans"/>
-                <a:sym typeface="Open Sans"/>
-              </a:rPr>
-              <a:t>officia</a:t>
-            </a:r>
-            <a:r>
-              <a:rPr lang="en-US" sz="2400" b="0" i="0" dirty="0">
-                <a:solidFill>
-                  <a:srgbClr val="000000"/>
-                </a:solidFill>
-                <a:latin typeface="Open Sans"/>
-                <a:ea typeface="Open Sans"/>
-                <a:cs typeface="Open Sans"/>
-                <a:sym typeface="Open Sans"/>
-              </a:rPr>
-              <a:t> </a:t>
-            </a:r>
-            <a:r>
-              <a:rPr lang="en-US" sz="2400" b="0" i="0" dirty="0" err="1">
-                <a:solidFill>
-                  <a:srgbClr val="000000"/>
-                </a:solidFill>
-                <a:latin typeface="Open Sans"/>
-                <a:ea typeface="Open Sans"/>
-                <a:cs typeface="Open Sans"/>
-                <a:sym typeface="Open Sans"/>
-              </a:rPr>
-              <a:t>deserunt</a:t>
-            </a:r>
-            <a:r>
-              <a:rPr lang="en-US" sz="2400" b="0" i="0" dirty="0">
-                <a:solidFill>
-                  <a:srgbClr val="000000"/>
-                </a:solidFill>
-                <a:latin typeface="Open Sans"/>
-                <a:ea typeface="Open Sans"/>
-                <a:cs typeface="Open Sans"/>
-                <a:sym typeface="Open Sans"/>
-              </a:rPr>
-              <a:t> </a:t>
-            </a:r>
-            <a:r>
-              <a:rPr lang="en-US" sz="2400" b="0" i="0" dirty="0" err="1">
-                <a:solidFill>
-                  <a:srgbClr val="000000"/>
-                </a:solidFill>
-                <a:latin typeface="Open Sans"/>
-                <a:ea typeface="Open Sans"/>
-                <a:cs typeface="Open Sans"/>
-                <a:sym typeface="Open Sans"/>
-              </a:rPr>
-              <a:t>mollit</a:t>
-            </a:r>
-            <a:r>
-              <a:rPr lang="en-US" sz="2400" b="0" i="0" dirty="0">
-                <a:solidFill>
-                  <a:srgbClr val="000000"/>
-                </a:solidFill>
-                <a:latin typeface="Open Sans"/>
-                <a:ea typeface="Open Sans"/>
-                <a:cs typeface="Open Sans"/>
-                <a:sym typeface="Open Sans"/>
-              </a:rPr>
-              <a:t> </a:t>
-            </a:r>
-            <a:r>
-              <a:rPr lang="en-US" sz="2400" b="0" i="0" dirty="0" err="1">
-                <a:solidFill>
-                  <a:srgbClr val="000000"/>
-                </a:solidFill>
-                <a:latin typeface="Open Sans"/>
-                <a:ea typeface="Open Sans"/>
-                <a:cs typeface="Open Sans"/>
-                <a:sym typeface="Open Sans"/>
-              </a:rPr>
-              <a:t>anim</a:t>
-            </a:r>
-            <a:r>
-              <a:rPr lang="en-US" sz="2400" b="0" i="0" dirty="0">
-                <a:solidFill>
-                  <a:srgbClr val="000000"/>
-                </a:solidFill>
-                <a:latin typeface="Open Sans"/>
-                <a:ea typeface="Open Sans"/>
-                <a:cs typeface="Open Sans"/>
-                <a:sym typeface="Open Sans"/>
-              </a:rPr>
-              <a:t> id </a:t>
-            </a:r>
-            <a:r>
-              <a:rPr lang="en-US" sz="2400" b="0" i="0" dirty="0" err="1">
-                <a:solidFill>
-                  <a:srgbClr val="000000"/>
-                </a:solidFill>
-                <a:latin typeface="Open Sans"/>
-                <a:ea typeface="Open Sans"/>
-                <a:cs typeface="Open Sans"/>
-                <a:sym typeface="Open Sans"/>
-              </a:rPr>
-              <a:t>est</a:t>
-            </a:r>
-            <a:r>
-              <a:rPr lang="en-US" sz="2400" b="0" i="0" dirty="0">
-                <a:solidFill>
-                  <a:srgbClr val="000000"/>
-                </a:solidFill>
-                <a:latin typeface="Open Sans"/>
-                <a:ea typeface="Open Sans"/>
-                <a:cs typeface="Open Sans"/>
-                <a:sym typeface="Open Sans"/>
-              </a:rPr>
-              <a:t> </a:t>
-            </a:r>
-            <a:r>
-              <a:rPr lang="en-US" sz="2400" b="0" i="0" dirty="0" err="1">
-                <a:solidFill>
-                  <a:srgbClr val="000000"/>
-                </a:solidFill>
-                <a:latin typeface="Open Sans"/>
-                <a:ea typeface="Open Sans"/>
-                <a:cs typeface="Open Sans"/>
-                <a:sym typeface="Open Sans"/>
-              </a:rPr>
-              <a:t>laborum</a:t>
-            </a:r>
-            <a:r>
-              <a:rPr lang="en-US" sz="2400" b="0" i="0" dirty="0">
-                <a:solidFill>
-                  <a:srgbClr val="000000"/>
-                </a:solidFill>
-                <a:latin typeface="Open Sans"/>
-                <a:ea typeface="Open Sans"/>
-                <a:cs typeface="Open Sans"/>
-                <a:sym typeface="Open Sans"/>
-              </a:rPr>
-              <a:t>. </a:t>
-            </a:r>
-            <a:endParaRPr dirty="0"/>
-          </a:p>
-        </p:txBody>
-      </p:sp>
-      <p:sp>
-        <p:nvSpPr>
-          <p:cNvPr id="102" name="Google Shape;102;p1"/>
-          <p:cNvSpPr txBox="1"/>
-          <p:nvPr/>
-        </p:nvSpPr>
-        <p:spPr>
-          <a:xfrm>
-            <a:off x="24885251" y="3338265"/>
-            <a:ext cx="7315200" cy="3077766"/>
-          </a:xfrm>
-          <a:prstGeom prst="rect">
-            <a:avLst/>
-          </a:prstGeom>
-          <a:noFill/>
-          <a:ln>
-            <a:noFill/>
-          </a:ln>
-        </p:spPr>
-        <p:txBody>
-          <a:bodyPr spcFirstLastPara="1" wrap="square" lIns="91425" tIns="45700" rIns="91425" bIns="45700" anchor="t" anchorCtr="0">
-            <a:spAutoFit/>
-          </a:bodyPr>
-          <a:lstStyle/>
-          <a:p>
-            <a:pPr marL="342900" marR="0" lvl="0" indent="-342900" algn="l" rtl="0">
-              <a:spcBef>
-                <a:spcPts val="0"/>
-              </a:spcBef>
-              <a:spcAft>
-                <a:spcPts val="0"/>
-              </a:spcAft>
-              <a:buClr>
-                <a:srgbClr val="000000"/>
-              </a:buClr>
-              <a:buSzPts val="2400"/>
-              <a:buFont typeface="Arial"/>
-              <a:buChar char="•"/>
-            </a:pPr>
-            <a:r>
-              <a:rPr lang="en-US" sz="2400" b="0" i="0">
-                <a:solidFill>
-                  <a:srgbClr val="000000"/>
-                </a:solidFill>
-                <a:latin typeface="Open Sans"/>
-                <a:ea typeface="Open Sans"/>
-                <a:cs typeface="Open Sans"/>
-                <a:sym typeface="Open Sans"/>
-              </a:rPr>
-              <a:t>Dataset</a:t>
-            </a:r>
-            <a:endParaRPr/>
-          </a:p>
-          <a:p>
-            <a:pPr marL="342900" marR="0" lvl="0" indent="-342900" algn="l" rtl="0">
-              <a:spcBef>
-                <a:spcPts val="1200"/>
-              </a:spcBef>
-              <a:spcAft>
-                <a:spcPts val="0"/>
-              </a:spcAft>
-              <a:buClr>
-                <a:srgbClr val="000000"/>
-              </a:buClr>
-              <a:buSzPts val="2400"/>
-              <a:buFont typeface="Arial"/>
-              <a:buChar char="•"/>
-            </a:pPr>
-            <a:r>
-              <a:rPr lang="en-US" sz="2400" b="0" i="0">
-                <a:solidFill>
-                  <a:srgbClr val="000000"/>
-                </a:solidFill>
-                <a:latin typeface="Open Sans"/>
-                <a:ea typeface="Open Sans"/>
-                <a:cs typeface="Open Sans"/>
-                <a:sym typeface="Open Sans"/>
-              </a:rPr>
-              <a:t>Dataset</a:t>
-            </a:r>
-            <a:endParaRPr sz="2400">
-              <a:solidFill>
-                <a:srgbClr val="000000"/>
-              </a:solidFill>
-              <a:latin typeface="Open Sans"/>
-              <a:ea typeface="Open Sans"/>
-              <a:cs typeface="Open Sans"/>
-              <a:sym typeface="Open Sans"/>
-            </a:endParaRPr>
-          </a:p>
-          <a:p>
-            <a:pPr marL="342900" marR="0" lvl="0" indent="-342900" algn="l" rtl="0">
-              <a:spcBef>
-                <a:spcPts val="1200"/>
-              </a:spcBef>
-              <a:spcAft>
-                <a:spcPts val="0"/>
-              </a:spcAft>
-              <a:buClr>
-                <a:srgbClr val="000000"/>
-              </a:buClr>
-              <a:buSzPts val="2400"/>
-              <a:buFont typeface="Arial"/>
-              <a:buChar char="•"/>
-            </a:pPr>
-            <a:r>
-              <a:rPr lang="en-US" sz="2400" b="0" i="0">
-                <a:solidFill>
-                  <a:srgbClr val="000000"/>
-                </a:solidFill>
-                <a:latin typeface="Open Sans"/>
-                <a:ea typeface="Open Sans"/>
-                <a:cs typeface="Open Sans"/>
-                <a:sym typeface="Open Sans"/>
-              </a:rPr>
-              <a:t>Dataset</a:t>
-            </a:r>
-            <a:endParaRPr/>
-          </a:p>
-          <a:p>
-            <a:pPr marL="342900" marR="0" lvl="0" indent="-342900" algn="l" rtl="0">
-              <a:spcBef>
-                <a:spcPts val="1200"/>
-              </a:spcBef>
-              <a:spcAft>
-                <a:spcPts val="0"/>
-              </a:spcAft>
-              <a:buClr>
-                <a:srgbClr val="000000"/>
-              </a:buClr>
-              <a:buSzPts val="2400"/>
-              <a:buFont typeface="Arial"/>
-              <a:buChar char="•"/>
-            </a:pPr>
-            <a:r>
-              <a:rPr lang="en-US" sz="2400" b="0" i="0">
-                <a:solidFill>
-                  <a:srgbClr val="000000"/>
-                </a:solidFill>
-                <a:latin typeface="Open Sans"/>
-                <a:ea typeface="Open Sans"/>
-                <a:cs typeface="Open Sans"/>
-                <a:sym typeface="Open Sans"/>
-              </a:rPr>
-              <a:t>Dataset</a:t>
-            </a:r>
-            <a:endParaRPr sz="2400">
-              <a:solidFill>
-                <a:srgbClr val="000000"/>
-              </a:solidFill>
-              <a:latin typeface="Open Sans"/>
-              <a:ea typeface="Open Sans"/>
-              <a:cs typeface="Open Sans"/>
-              <a:sym typeface="Open Sans"/>
-            </a:endParaRPr>
-          </a:p>
-          <a:p>
-            <a:pPr marL="342900" marR="0" lvl="0" indent="-342900" algn="l" rtl="0">
-              <a:spcBef>
-                <a:spcPts val="1200"/>
-              </a:spcBef>
-              <a:spcAft>
-                <a:spcPts val="0"/>
-              </a:spcAft>
-              <a:buClr>
-                <a:srgbClr val="000000"/>
-              </a:buClr>
-              <a:buSzPts val="2400"/>
-              <a:buFont typeface="Arial"/>
-              <a:buChar char="•"/>
-            </a:pPr>
-            <a:r>
-              <a:rPr lang="en-US" sz="2400" b="0" i="0">
-                <a:solidFill>
-                  <a:srgbClr val="000000"/>
-                </a:solidFill>
-                <a:latin typeface="Open Sans"/>
-                <a:ea typeface="Open Sans"/>
-                <a:cs typeface="Open Sans"/>
-                <a:sym typeface="Open Sans"/>
-              </a:rPr>
-              <a:t>Dataset</a:t>
-            </a:r>
-            <a:endParaRPr/>
-          </a:p>
-          <a:p>
-            <a:pPr marL="342900" marR="0" lvl="0" indent="-342900" algn="l" rtl="0">
-              <a:spcBef>
-                <a:spcPts val="1200"/>
-              </a:spcBef>
-              <a:spcAft>
-                <a:spcPts val="0"/>
-              </a:spcAft>
-              <a:buClr>
-                <a:srgbClr val="000000"/>
-              </a:buClr>
-              <a:buSzPts val="2400"/>
-              <a:buFont typeface="Arial"/>
-              <a:buChar char="•"/>
-            </a:pPr>
-            <a:r>
-              <a:rPr lang="en-US" sz="2400" b="0" i="0">
-                <a:solidFill>
-                  <a:srgbClr val="000000"/>
-                </a:solidFill>
-                <a:latin typeface="Open Sans"/>
-                <a:ea typeface="Open Sans"/>
-                <a:cs typeface="Open Sans"/>
-                <a:sym typeface="Open Sans"/>
-              </a:rPr>
-              <a:t>Dataset</a:t>
-            </a:r>
-            <a:endParaRPr/>
-          </a:p>
-        </p:txBody>
-      </p:sp>
-      <p:sp>
-        <p:nvSpPr>
-          <p:cNvPr id="103" name="Google Shape;103;p1"/>
-          <p:cNvSpPr txBox="1"/>
-          <p:nvPr/>
-        </p:nvSpPr>
-        <p:spPr>
-          <a:xfrm>
-            <a:off x="24885251" y="7916023"/>
-            <a:ext cx="7315200" cy="3749040"/>
-          </a:xfrm>
-          <a:prstGeom prst="rect">
-            <a:avLst/>
-          </a:prstGeom>
-          <a:noFill/>
-          <a:ln>
-            <a:noFill/>
-          </a:ln>
-        </p:spPr>
-        <p:txBody>
-          <a:bodyPr spcFirstLastPara="1" wrap="square" lIns="91425" tIns="45700" rIns="91425" bIns="45700" anchor="t" anchorCtr="0">
-            <a:spAutoFit/>
-          </a:bodyPr>
-          <a:lstStyle/>
-          <a:p>
-            <a:pPr marL="0" marR="0" lvl="0" indent="0" algn="l" rtl="0">
-              <a:spcBef>
-                <a:spcPts val="0"/>
-              </a:spcBef>
-              <a:spcAft>
-                <a:spcPts val="0"/>
-              </a:spcAft>
-              <a:buNone/>
-            </a:pPr>
-            <a:r>
-              <a:rPr lang="en-US" sz="2400" b="0" i="0">
-                <a:solidFill>
-                  <a:srgbClr val="000000"/>
-                </a:solidFill>
-                <a:latin typeface="Open Sans"/>
-                <a:ea typeface="Open Sans"/>
-                <a:cs typeface="Open Sans"/>
-                <a:sym typeface="Open Sans"/>
-              </a:rPr>
-              <a:t>Lorem ipsum dolor sit amet, consectetur adipiscing elit, sed do eiusmod tempor incididunt ut labore et dolore magna aliqua. Ut enim ad minim veniam, quis nostrud exercitation ullamco laboris nisi ut aliquip ex ea commodo consequat. Duis aute irure dolor in reprehenderit in voluptate velit esse cillum dolore eu fugiat nulla pariatur. Excepteur sint occaecat cupidatat non proident, sunt in culpa qui officia deserunt mollit anim id est laborum. </a:t>
             </a:r>
             <a:endParaRPr/>
           </a:p>
@@ -17720,7 +11673,7 @@
               <a:buNone/>
             </a:pPr>
             <a:r>
-              <a:rPr lang="en-US" sz="1400" b="0" i="0">
+              <a:rPr lang="en-US" sz="1400" b="0" i="0" dirty="0">
                 <a:solidFill>
                   <a:schemeClr val="lt1"/>
                 </a:solidFill>
@@ -17732,7 +11685,7 @@
               <a:t>SG</a:t>
             </a:r>
             <a:r>
-              <a:rPr lang="en-US">
+              <a:rPr lang="en-US" dirty="0">
                 <a:solidFill>
                   <a:schemeClr val="lt1"/>
                 </a:solidFill>
@@ -17740,7 +11693,7 @@
               <a:t>X3</a:t>
             </a:r>
             <a:r>
-              <a:rPr lang="en-US" sz="1400" b="0" i="0">
+              <a:rPr lang="en-US" sz="1400" b="0" i="0" dirty="0">
                 <a:solidFill>
                   <a:schemeClr val="lt1"/>
                 </a:solidFill>
@@ -17752,14 +11705,14 @@
               <a:t> award # </a:t>
             </a:r>
             <a:r>
-              <a:rPr lang="en-US">
+              <a:rPr lang="en-US" dirty="0">
                 <a:solidFill>
                   <a:schemeClr val="lt1"/>
                 </a:solidFill>
               </a:rPr>
               <a:t>2231406</a:t>
             </a:r>
-            <a:endParaRPr/>
+            <a:endParaRPr dirty="0"/>
           </a:p>
         </p:txBody>
       </p:sp>
@@ -17771,8 +11724,8 @@
         </p:nvSpPr>
         <p:spPr>
           <a:xfrm>
-            <a:off x="2343300" y="83575"/>
-            <a:ext cx="27631500" cy="1754700"/>
+            <a:off x="2889733" y="154813"/>
+            <a:ext cx="27631500" cy="2554505"/>
           </a:xfrm>
           <a:prstGeom prst="rect">
             <a:avLst/>
@@ -17788,7 +11741,7 @@
           </a:bodyPr>
           <a:lstStyle/>
           <a:p>
-            <a:pPr marL="0" marR="0" lvl="0" indent="0" algn="l" rtl="0">
+            <a:pPr marL="0" marR="0" lvl="0" indent="0" algn="ctr" rtl="0">
               <a:spcBef>
                 <a:spcPts val="0"/>
               </a:spcBef>
@@ -17798,7 +11751,7 @@
               <a:buNone/>
             </a:pPr>
             <a:r>
-              <a:rPr lang="en-US" sz="5400" b="1" i="0" u="none" strike="noStrike" dirty="0">
+              <a:rPr lang="en-US" sz="4000" b="1" i="0" u="none" strike="noStrike" dirty="0">
                 <a:solidFill>
                   <a:srgbClr val="2B2B5F"/>
                 </a:solidFill>
@@ -17807,10 +11760,13 @@
                 <a:cs typeface="Calibri"/>
                 <a:sym typeface="Calibri"/>
               </a:rPr>
-              <a:t>Title: Lorem ipsum dolor sit </a:t>
+              <a:t>Adapting High-Performance Computing (HPC) tools in image classification using Convolutional Neural Networks (CNN)</a:t>
             </a:r>
+          </a:p>
+          <a:p>
+            <a:pPr algn="ctr"/>
             <a:r>
-              <a:rPr lang="en-US" sz="5400" b="1" i="0" u="none" strike="noStrike" dirty="0" err="1">
+              <a:rPr lang="en-US" sz="4000" b="1" dirty="0">
                 <a:solidFill>
                   <a:srgbClr val="2B2B5F"/>
                 </a:solidFill>
@@ -17819,10 +11775,10 @@
                 <a:cs typeface="Calibri"/>
                 <a:sym typeface="Calibri"/>
               </a:rPr>
-              <a:t>amet</a:t>
+              <a:t>Pawar Shrikant, Department of Computer Science, School of Natural Sciences</a:t>
             </a:r>
-            <a:r>
-              <a:rPr lang="en-US" sz="5400" b="1" i="0" u="none" strike="noStrike" dirty="0">
+            <a:br>
+              <a:rPr lang="en-US" sz="4000" b="1" dirty="0">
                 <a:solidFill>
                   <a:srgbClr val="2B2B5F"/>
                 </a:solidFill>
@@ -17831,10 +11787,9 @@
                 <a:cs typeface="Calibri"/>
                 <a:sym typeface="Calibri"/>
               </a:rPr>
-              <a:t>, </a:t>
-            </a:r>
+            </a:br>
             <a:r>
-              <a:rPr lang="en-US" sz="5400" b="1" i="0" u="none" strike="noStrike" dirty="0" err="1">
+              <a:rPr lang="en-US" sz="4000" b="1" dirty="0">
                 <a:solidFill>
                   <a:srgbClr val="2B2B5F"/>
                 </a:solidFill>
@@ -17843,237 +11798,29 @@
                 <a:cs typeface="Calibri"/>
                 <a:sym typeface="Calibri"/>
               </a:rPr>
-              <a:t>consectetur</a:t>
+              <a:t>Claflin University, Orangeburg, SC</a:t>
             </a:r>
-            <a:r>
-              <a:rPr lang="en-US" sz="5400" b="1" i="0" u="none" strike="noStrike" dirty="0">
-                <a:solidFill>
-                  <a:srgbClr val="2B2B5F"/>
-                </a:solidFill>
-                <a:latin typeface="Calibri"/>
-                <a:ea typeface="Calibri"/>
-                <a:cs typeface="Calibri"/>
-                <a:sym typeface="Calibri"/>
-              </a:rPr>
-              <a:t> </a:t>
-            </a:r>
-            <a:r>
-              <a:rPr lang="en-US" sz="5400" b="1" i="0" u="none" strike="noStrike" dirty="0" err="1">
-                <a:solidFill>
-                  <a:srgbClr val="2B2B5F"/>
-                </a:solidFill>
-                <a:latin typeface="Calibri"/>
-                <a:ea typeface="Calibri"/>
-                <a:cs typeface="Calibri"/>
-                <a:sym typeface="Calibri"/>
-              </a:rPr>
-              <a:t>adipiscing</a:t>
-            </a:r>
-            <a:r>
-              <a:rPr lang="en-US" sz="5400" b="1" i="0" u="none" strike="noStrike" dirty="0">
-                <a:solidFill>
-                  <a:srgbClr val="2B2B5F"/>
-                </a:solidFill>
-                <a:latin typeface="Calibri"/>
-                <a:ea typeface="Calibri"/>
-                <a:cs typeface="Calibri"/>
-                <a:sym typeface="Calibri"/>
-              </a:rPr>
-              <a:t> </a:t>
-            </a:r>
-            <a:r>
-              <a:rPr lang="en-US" sz="5400" b="1" i="0" u="none" strike="noStrike" dirty="0" err="1">
-                <a:solidFill>
-                  <a:srgbClr val="2B2B5F"/>
-                </a:solidFill>
-                <a:latin typeface="Calibri"/>
-                <a:ea typeface="Calibri"/>
-                <a:cs typeface="Calibri"/>
-                <a:sym typeface="Calibri"/>
-              </a:rPr>
-              <a:t>elit</a:t>
-            </a:r>
-            <a:r>
-              <a:rPr lang="en-US" sz="5400" b="1" i="0" u="none" strike="noStrike" dirty="0">
-                <a:solidFill>
-                  <a:srgbClr val="2B2B5F"/>
-                </a:solidFill>
-                <a:latin typeface="Calibri"/>
-                <a:ea typeface="Calibri"/>
-                <a:cs typeface="Calibri"/>
-                <a:sym typeface="Calibri"/>
-              </a:rPr>
-              <a:t>, sed do </a:t>
-            </a:r>
-            <a:r>
-              <a:rPr lang="en-US" sz="5400" b="1" i="0" u="none" strike="noStrike" dirty="0" err="1">
-                <a:solidFill>
-                  <a:srgbClr val="2B2B5F"/>
-                </a:solidFill>
-                <a:latin typeface="Calibri"/>
-                <a:ea typeface="Calibri"/>
-                <a:cs typeface="Calibri"/>
-                <a:sym typeface="Calibri"/>
-              </a:rPr>
-              <a:t>eiusmod</a:t>
-            </a:r>
-            <a:r>
-              <a:rPr lang="en-US" sz="5400" b="1" i="0" u="none" strike="noStrike" dirty="0">
-                <a:solidFill>
-                  <a:srgbClr val="2B2B5F"/>
-                </a:solidFill>
-                <a:latin typeface="Calibri"/>
-                <a:ea typeface="Calibri"/>
-                <a:cs typeface="Calibri"/>
-                <a:sym typeface="Calibri"/>
-              </a:rPr>
-              <a:t> </a:t>
-            </a:r>
-            <a:r>
-              <a:rPr lang="en-US" sz="5400" b="1" i="0" u="none" strike="noStrike" dirty="0" err="1">
-                <a:solidFill>
-                  <a:srgbClr val="2B2B5F"/>
-                </a:solidFill>
-                <a:latin typeface="Calibri"/>
-                <a:ea typeface="Calibri"/>
-                <a:cs typeface="Calibri"/>
-                <a:sym typeface="Calibri"/>
-              </a:rPr>
-              <a:t>tempor</a:t>
-            </a:r>
-            <a:r>
-              <a:rPr lang="en-US" sz="5400" b="1" i="0" u="none" strike="noStrike" dirty="0">
-                <a:solidFill>
-                  <a:srgbClr val="2B2B5F"/>
-                </a:solidFill>
-                <a:latin typeface="Calibri"/>
-                <a:ea typeface="Calibri"/>
-                <a:cs typeface="Calibri"/>
-                <a:sym typeface="Calibri"/>
-              </a:rPr>
-              <a:t> </a:t>
-            </a:r>
-            <a:r>
-              <a:rPr lang="en-US" sz="5400" b="1" i="0" u="none" strike="noStrike" dirty="0" err="1">
-                <a:solidFill>
-                  <a:srgbClr val="2B2B5F"/>
-                </a:solidFill>
-                <a:latin typeface="Calibri"/>
-                <a:ea typeface="Calibri"/>
-                <a:cs typeface="Calibri"/>
-                <a:sym typeface="Calibri"/>
-              </a:rPr>
-              <a:t>incididunt</a:t>
-            </a:r>
-            <a:r>
-              <a:rPr lang="en-US" sz="5400" b="1" i="0" u="none" strike="noStrike" dirty="0">
-                <a:solidFill>
-                  <a:srgbClr val="2B2B5F"/>
-                </a:solidFill>
-                <a:latin typeface="Calibri"/>
-                <a:ea typeface="Calibri"/>
-                <a:cs typeface="Calibri"/>
-                <a:sym typeface="Calibri"/>
-              </a:rPr>
-              <a:t> </a:t>
-            </a:r>
-            <a:r>
-              <a:rPr lang="en-US" sz="5400" b="1" i="0" u="none" strike="noStrike" dirty="0" err="1">
-                <a:solidFill>
-                  <a:srgbClr val="2B2B5F"/>
-                </a:solidFill>
-                <a:latin typeface="Calibri"/>
-                <a:ea typeface="Calibri"/>
-                <a:cs typeface="Calibri"/>
-                <a:sym typeface="Calibri"/>
-              </a:rPr>
-              <a:t>ut</a:t>
-            </a:r>
-            <a:r>
-              <a:rPr lang="en-US" sz="5400" b="1" i="0" u="none" strike="noStrike" dirty="0">
-                <a:solidFill>
-                  <a:srgbClr val="2B2B5F"/>
-                </a:solidFill>
-                <a:latin typeface="Calibri"/>
-                <a:ea typeface="Calibri"/>
-                <a:cs typeface="Calibri"/>
-                <a:sym typeface="Calibri"/>
-              </a:rPr>
-              <a:t> labore et dolore magna </a:t>
-            </a:r>
-            <a:r>
-              <a:rPr lang="en-US" sz="5400" b="1" i="0" u="none" strike="noStrike" dirty="0" err="1">
-                <a:solidFill>
-                  <a:srgbClr val="2B2B5F"/>
-                </a:solidFill>
-                <a:latin typeface="Calibri"/>
-                <a:ea typeface="Calibri"/>
-                <a:cs typeface="Calibri"/>
-                <a:sym typeface="Calibri"/>
-              </a:rPr>
-              <a:t>aliqua</a:t>
-            </a:r>
-            <a:r>
-              <a:rPr lang="en-US" sz="5400" b="1" i="0" u="none" strike="noStrike" dirty="0">
-                <a:solidFill>
-                  <a:srgbClr val="2B2B5F"/>
-                </a:solidFill>
-                <a:latin typeface="Calibri"/>
-                <a:ea typeface="Calibri"/>
-                <a:cs typeface="Calibri"/>
-                <a:sym typeface="Calibri"/>
-              </a:rPr>
-              <a:t>. Ut </a:t>
-            </a:r>
-            <a:r>
-              <a:rPr lang="en-US" sz="5400" b="1" i="0" u="none" strike="noStrike" dirty="0" err="1">
-                <a:solidFill>
-                  <a:srgbClr val="2B2B5F"/>
-                </a:solidFill>
-                <a:latin typeface="Calibri"/>
-                <a:ea typeface="Calibri"/>
-                <a:cs typeface="Calibri"/>
-                <a:sym typeface="Calibri"/>
-              </a:rPr>
-              <a:t>enim</a:t>
-            </a:r>
-            <a:r>
-              <a:rPr lang="en-US" sz="5400" b="1" i="0" u="none" strike="noStrike" dirty="0">
-                <a:solidFill>
-                  <a:srgbClr val="2B2B5F"/>
-                </a:solidFill>
-                <a:latin typeface="Calibri"/>
-                <a:ea typeface="Calibri"/>
-                <a:cs typeface="Calibri"/>
-                <a:sym typeface="Calibri"/>
-              </a:rPr>
-              <a:t> ad minim </a:t>
-            </a:r>
-            <a:r>
-              <a:rPr lang="en-US" sz="5400" b="1" i="0" u="none" strike="noStrike" dirty="0" err="1">
-                <a:solidFill>
-                  <a:srgbClr val="2B2B5F"/>
-                </a:solidFill>
-                <a:latin typeface="Calibri"/>
-                <a:ea typeface="Calibri"/>
-                <a:cs typeface="Calibri"/>
-                <a:sym typeface="Calibri"/>
-              </a:rPr>
-              <a:t>veniam</a:t>
-            </a:r>
-            <a:r>
-              <a:rPr lang="en-US" sz="5400" b="1" i="0" u="none" strike="noStrike" dirty="0">
-                <a:solidFill>
-                  <a:srgbClr val="2B2B5F"/>
-                </a:solidFill>
-                <a:latin typeface="Calibri"/>
-                <a:ea typeface="Calibri"/>
-                <a:cs typeface="Calibri"/>
-                <a:sym typeface="Calibri"/>
-              </a:rPr>
-              <a:t>.</a:t>
-            </a:r>
-            <a:endParaRPr b="1" dirty="0">
+            <a:endParaRPr lang="en-US" sz="4000" b="1" i="0" u="none" strike="noStrike" dirty="0">
+              <a:solidFill>
+                <a:srgbClr val="2B2B5F"/>
+              </a:solidFill>
+              <a:latin typeface="Calibri"/>
+              <a:ea typeface="Calibri"/>
+              <a:cs typeface="Calibri"/>
+              <a:sym typeface="Calibri"/>
+            </a:endParaRPr>
+          </a:p>
+          <a:p>
+            <a:pPr marL="0" marR="0" lvl="0" indent="0" algn="ctr" rtl="0">
+              <a:spcBef>
+                <a:spcPts val="0"/>
+              </a:spcBef>
+              <a:spcAft>
+                <a:spcPts val="0"/>
+              </a:spcAft>
+              <a:buNone/>
+            </a:pPr>
+            <a:endParaRPr sz="4000" b="1" dirty="0">
               <a:solidFill>
                 <a:srgbClr val="2B2B5F"/>
               </a:solidFill>
@@ -18089,7 +11836,7 @@
         </p:nvSpPr>
         <p:spPr>
           <a:xfrm>
-            <a:off x="26691602" y="13573335"/>
+            <a:off x="26691601" y="16199176"/>
             <a:ext cx="5508848" cy="1463039"/>
           </a:xfrm>
           <a:prstGeom prst="rect">
@@ -18116,7 +11863,7 @@
               <a:buNone/>
             </a:pPr>
             <a:r>
-              <a:rPr lang="en-US" sz="2000">
+              <a:rPr lang="en-US" sz="2000" dirty="0">
                 <a:solidFill>
                   <a:srgbClr val="000000"/>
                 </a:solidFill>
@@ -18125,9 +11872,8 @@
                 <a:cs typeface="Calibri"/>
                 <a:sym typeface="Calibri"/>
               </a:rPr>
-              <a:t>Author 1 Name</a:t>
+              <a:t>Pawar Shrikant,</a:t>
             </a:r>
-            <a:endParaRPr/>
           </a:p>
           <a:p>
             <a:pPr marL="0" marR="0" lvl="0" indent="0" algn="l" rtl="0">
@@ -18140,7 +11886,7 @@
               <a:buNone/>
             </a:pPr>
             <a:r>
-              <a:rPr lang="en-US" sz="2000">
+              <a:rPr lang="en-US" sz="2000" dirty="0">
                 <a:solidFill>
                   <a:srgbClr val="000000"/>
                 </a:solidFill>
@@ -18149,9 +11895,8 @@
                 <a:cs typeface="Calibri"/>
                 <a:sym typeface="Calibri"/>
               </a:rPr>
-              <a:t>Affiliation</a:t>
+              <a:t>Computer Science,</a:t>
             </a:r>
-            <a:endParaRPr/>
           </a:p>
           <a:p>
             <a:pPr marL="0" marR="0" lvl="0" indent="0" algn="l" rtl="0">
@@ -18164,7 +11909,7 @@
               <a:buNone/>
             </a:pPr>
             <a:r>
-              <a:rPr lang="en-US" sz="2000">
+              <a:rPr lang="en-US" sz="2000" dirty="0">
                 <a:solidFill>
                   <a:srgbClr val="000000"/>
                 </a:solidFill>
@@ -18173,281 +11918,11 @@
                 <a:cs typeface="Calibri"/>
                 <a:sym typeface="Calibri"/>
               </a:rPr>
-              <a:t>Email</a:t>
+              <a:t>Claflin University, South Carolina, USA.</a:t>
             </a:r>
-            <a:endParaRPr sz="2000">
+            <a:endParaRPr sz="2000" dirty="0">
               <a:solidFill>
                 <a:srgbClr val="000000"/>
-              </a:solidFill>
-              <a:latin typeface="Times New Roman"/>
-              <a:ea typeface="Times New Roman"/>
-              <a:cs typeface="Times New Roman"/>
-              <a:sym typeface="Times New Roman"/>
-            </a:endParaRPr>
-          </a:p>
-        </p:txBody>
-      </p:sp>
-      <p:sp>
-        <p:nvSpPr>
-          <p:cNvPr id="108" name="Google Shape;108;p1"/>
-          <p:cNvSpPr/>
-          <p:nvPr/>
-        </p:nvSpPr>
-        <p:spPr>
-          <a:xfrm>
-            <a:off x="24885251" y="13573335"/>
-            <a:ext cx="1510280" cy="2286000"/>
-          </a:xfrm>
-          <a:prstGeom prst="rect">
-            <a:avLst/>
-          </a:prstGeom>
-          <a:solidFill>
-            <a:schemeClr val="lt1"/>
-          </a:solidFill>
-          <a:ln w="12700" cap="flat" cmpd="sng">
-            <a:solidFill>
-              <a:srgbClr val="31538F"/>
-            </a:solidFill>
-            <a:prstDash val="solid"/>
-            <a:miter lim="800000"/>
-            <a:headEnd type="none" w="sm" len="sm"/>
-            <a:tailEnd type="none" w="sm" len="sm"/>
-          </a:ln>
-        </p:spPr>
-        <p:txBody>
-          <a:bodyPr spcFirstLastPara="1" wrap="square" lIns="91425" tIns="45700" rIns="91425" bIns="45700" anchor="ctr" anchorCtr="0">
-            <a:noAutofit/>
-          </a:bodyPr>
-          <a:lstStyle/>
-          <a:p>
-            <a:pPr marL="0" marR="0" lvl="0" indent="0" algn="ctr" rtl="0">
-              <a:spcBef>
-                <a:spcPts val="0"/>
-              </a:spcBef>
-              <a:spcAft>
-                <a:spcPts val="0"/>
-              </a:spcAft>
-              <a:buNone/>
-            </a:pPr>
-            <a:r>
-              <a:rPr lang="en-US" sz="1800" dirty="0">
-                <a:solidFill>
-                  <a:srgbClr val="000000"/>
-                </a:solidFill>
-                <a:latin typeface="Calibri"/>
-                <a:ea typeface="Calibri"/>
-                <a:cs typeface="Calibri"/>
-                <a:sym typeface="Calibri"/>
-              </a:rPr>
-              <a:t>Author</a:t>
-            </a:r>
-            <a:endParaRPr dirty="0"/>
-          </a:p>
-          <a:p>
-            <a:pPr marL="0" marR="0" lvl="0" indent="0" algn="ctr" rtl="0">
-              <a:spcBef>
-                <a:spcPts val="0"/>
-              </a:spcBef>
-              <a:spcAft>
-                <a:spcPts val="0"/>
-              </a:spcAft>
-              <a:buNone/>
-            </a:pPr>
-            <a:r>
-              <a:rPr lang="en-US" sz="1800" dirty="0">
-                <a:solidFill>
-                  <a:srgbClr val="000000"/>
-                </a:solidFill>
-                <a:latin typeface="Calibri"/>
-                <a:ea typeface="Calibri"/>
-                <a:cs typeface="Calibri"/>
-                <a:sym typeface="Calibri"/>
-              </a:rPr>
-              <a:t>Photo</a:t>
-            </a:r>
-            <a:endParaRPr dirty="0"/>
-          </a:p>
-        </p:txBody>
-      </p:sp>
-      <p:sp>
-        <p:nvSpPr>
-          <p:cNvPr id="109" name="Google Shape;109;p1"/>
-          <p:cNvSpPr/>
-          <p:nvPr/>
-        </p:nvSpPr>
-        <p:spPr>
-          <a:xfrm>
-            <a:off x="24885251" y="16158053"/>
-            <a:ext cx="1507658" cy="2286000"/>
-          </a:xfrm>
-          <a:prstGeom prst="rect">
-            <a:avLst/>
-          </a:prstGeom>
-          <a:solidFill>
-            <a:schemeClr val="lt1"/>
-          </a:solidFill>
-          <a:ln w="12700" cap="flat" cmpd="sng">
-            <a:solidFill>
-              <a:srgbClr val="31538F"/>
-            </a:solidFill>
-            <a:prstDash val="solid"/>
-            <a:miter lim="800000"/>
-            <a:headEnd type="none" w="sm" len="sm"/>
-            <a:tailEnd type="none" w="sm" len="sm"/>
-          </a:ln>
-        </p:spPr>
-        <p:txBody>
-          <a:bodyPr spcFirstLastPara="1" wrap="square" lIns="91425" tIns="45700" rIns="91425" bIns="45700" anchor="ctr" anchorCtr="0">
-            <a:noAutofit/>
-          </a:bodyPr>
-          <a:lstStyle/>
-          <a:p>
-            <a:pPr marL="0" marR="0" lvl="0" indent="0" algn="ctr" rtl="0">
-              <a:spcBef>
-                <a:spcPts val="0"/>
-              </a:spcBef>
-              <a:spcAft>
-                <a:spcPts val="0"/>
-              </a:spcAft>
-              <a:buNone/>
-            </a:pPr>
-            <a:r>
-              <a:rPr lang="en-US" sz="1800">
-                <a:solidFill>
-                  <a:schemeClr val="dk1"/>
-                </a:solidFill>
-                <a:latin typeface="Calibri"/>
-                <a:ea typeface="Calibri"/>
-                <a:cs typeface="Calibri"/>
-                <a:sym typeface="Calibri"/>
-              </a:rPr>
-              <a:t>Author 2</a:t>
-            </a:r>
-            <a:endParaRPr/>
-          </a:p>
-          <a:p>
-            <a:pPr marL="0" marR="0" lvl="0" indent="0" algn="ctr" rtl="0">
-              <a:spcBef>
-                <a:spcPts val="0"/>
-              </a:spcBef>
-              <a:spcAft>
-                <a:spcPts val="0"/>
-              </a:spcAft>
-              <a:buNone/>
-            </a:pPr>
-            <a:r>
-              <a:rPr lang="en-US" sz="1800">
-                <a:solidFill>
-                  <a:schemeClr val="dk1"/>
-                </a:solidFill>
-                <a:latin typeface="Calibri"/>
-                <a:ea typeface="Calibri"/>
-                <a:cs typeface="Calibri"/>
-                <a:sym typeface="Calibri"/>
-              </a:rPr>
-              <a:t>Photo</a:t>
-            </a:r>
-            <a:endParaRPr/>
-          </a:p>
-        </p:txBody>
-      </p:sp>
-      <p:sp>
-        <p:nvSpPr>
-          <p:cNvPr id="110" name="Google Shape;110;p1"/>
-          <p:cNvSpPr/>
-          <p:nvPr/>
-        </p:nvSpPr>
-        <p:spPr>
-          <a:xfrm>
-            <a:off x="26691602" y="16158053"/>
-            <a:ext cx="5508848" cy="1463039"/>
-          </a:xfrm>
-          <a:prstGeom prst="rect">
-            <a:avLst/>
-          </a:prstGeom>
-          <a:noFill/>
-          <a:ln>
-            <a:noFill/>
-          </a:ln>
-        </p:spPr>
-        <p:txBody>
-          <a:bodyPr spcFirstLastPara="1" wrap="square" lIns="91425" tIns="45700" rIns="91425" bIns="45700" anchor="t" anchorCtr="0">
-            <a:noAutofit/>
-          </a:bodyPr>
-          <a:lstStyle/>
-          <a:p>
-            <a:pPr marL="0" marR="0" lvl="0" indent="0" algn="l" rtl="0">
-              <a:spcBef>
-                <a:spcPts val="0"/>
-              </a:spcBef>
-              <a:spcAft>
-                <a:spcPts val="0"/>
-              </a:spcAft>
-              <a:buNone/>
-            </a:pPr>
-            <a:r>
-              <a:rPr lang="en-US" sz="2000">
-                <a:solidFill>
-                  <a:schemeClr val="dk1"/>
-                </a:solidFill>
-                <a:latin typeface="Calibri"/>
-                <a:ea typeface="Calibri"/>
-                <a:cs typeface="Calibri"/>
-                <a:sym typeface="Calibri"/>
-              </a:rPr>
-              <a:t>Author 2 Name</a:t>
-            </a:r>
-            <a:endParaRPr/>
-          </a:p>
-          <a:p>
-            <a:pPr marL="0" marR="0" lvl="0" indent="0" algn="l" rtl="0">
-              <a:spcBef>
-                <a:spcPts val="0"/>
-              </a:spcBef>
-              <a:spcAft>
-                <a:spcPts val="0"/>
-              </a:spcAft>
-              <a:buNone/>
-            </a:pPr>
-            <a:r>
-              <a:rPr lang="en-US" sz="2000">
-                <a:solidFill>
-                  <a:schemeClr val="dk1"/>
-                </a:solidFill>
-                <a:latin typeface="Calibri"/>
-                <a:ea typeface="Calibri"/>
-                <a:cs typeface="Calibri"/>
-                <a:sym typeface="Calibri"/>
-              </a:rPr>
-              <a:t>Affiliation</a:t>
-            </a:r>
-            <a:endParaRPr/>
-          </a:p>
-          <a:p>
-            <a:pPr marL="0" marR="0" lvl="0" indent="0" algn="l" rtl="0">
-              <a:spcBef>
-                <a:spcPts val="0"/>
-              </a:spcBef>
-              <a:spcAft>
-                <a:spcPts val="0"/>
-              </a:spcAft>
-              <a:buNone/>
-            </a:pPr>
-            <a:r>
-              <a:rPr lang="en-US" sz="2000">
-                <a:solidFill>
-                  <a:schemeClr val="dk1"/>
-                </a:solidFill>
-                <a:latin typeface="Calibri"/>
-                <a:ea typeface="Calibri"/>
-                <a:cs typeface="Calibri"/>
-                <a:sym typeface="Calibri"/>
-              </a:rPr>
-              <a:t>Email</a:t>
-            </a:r>
-            <a:endParaRPr sz="2000">
-              <a:solidFill>
-                <a:schemeClr val="dk1"/>
               </a:solidFill>
               <a:latin typeface="Times New Roman"/>
               <a:ea typeface="Times New Roman"/>
@@ -18492,7 +11967,7 @@
               <a:buNone/>
             </a:pPr>
             <a:r>
-              <a:rPr lang="en-US" sz="2000" b="1">
+              <a:rPr lang="en-US" sz="2000" b="1" dirty="0">
                 <a:solidFill>
                   <a:schemeClr val="dk1"/>
                 </a:solidFill>
@@ -18503,7 +11978,7 @@
               </a:rPr>
               <a:t>HPC/Gateways Mentor</a:t>
             </a:r>
-            <a:endParaRPr/>
+            <a:endParaRPr dirty="0"/>
           </a:p>
           <a:p>
             <a:pPr marL="0" marR="0" lvl="0" indent="0" algn="l" rtl="0">
@@ -18516,7 +11991,7 @@
               <a:buNone/>
             </a:pPr>
             <a:r>
-              <a:rPr lang="en-US" sz="2000">
+              <a:rPr lang="en-US" sz="2000" dirty="0">
                 <a:solidFill>
                   <a:schemeClr val="dk1"/>
                 </a:solidFill>
@@ -18525,9 +12000,8 @@
                 <a:cs typeface="Calibri"/>
                 <a:sym typeface="Calibri"/>
               </a:rPr>
-              <a:t>Name</a:t>
+              <a:t>Charlie Dey,</a:t>
             </a:r>
-            <a:endParaRPr/>
           </a:p>
           <a:p>
             <a:pPr marL="0" marR="0" lvl="0" indent="0" algn="l" rtl="0">
@@ -18540,7 +12014,7 @@
               <a:buNone/>
             </a:pPr>
             <a:r>
-              <a:rPr lang="en-US" sz="2000">
+              <a:rPr lang="en-US" sz="2000" dirty="0">
                 <a:solidFill>
                   <a:schemeClr val="dk1"/>
                 </a:solidFill>
@@ -18549,33 +12023,9 @@
                 <a:cs typeface="Calibri"/>
                 <a:sym typeface="Calibri"/>
               </a:rPr>
-              <a:t>Affiliation</a:t>
+              <a:t>Texas Advanced Computing Center (TACC), USA.</a:t>
             </a:r>
-            <a:endParaRPr/>
-          </a:p>
-          <a:p>
-            <a:pPr marL="0" marR="0" lvl="0" indent="0" algn="l" rtl="0">
-              <a:spcBef>
-                <a:spcPts val="0"/>
-              </a:spcBef>
-              <a:spcAft>
-                <a:spcPts val="0"/>
-              </a:spcAft>
-              <a:buNone/>
-            </a:pPr>
-            <a:r>
-              <a:rPr lang="en-US" sz="2000">
-                <a:solidFill>
-                  <a:schemeClr val="dk1"/>
-                </a:solidFill>
-                <a:latin typeface="Calibri"/>
-                <a:ea typeface="Calibri"/>
-                <a:cs typeface="Calibri"/>
-                <a:sym typeface="Calibri"/>
-              </a:rPr>
-              <a:t>Email</a:t>
-            </a:r>
-            <a:endParaRPr sz="2000">
+            <a:endParaRPr sz="2000" dirty="0">
               <a:solidFill>
                 <a:schemeClr val="dk1"/>
               </a:solidFill>
@@ -18677,7 +12127,7 @@
         </p:nvSpPr>
         <p:spPr>
           <a:xfrm>
-            <a:off x="24885251" y="12879202"/>
+            <a:off x="24885250" y="15505043"/>
             <a:ext cx="7315200" cy="457200"/>
           </a:xfrm>
           <a:prstGeom prst="rect">
@@ -18923,6 +12373,190 @@
           </a:ln>
         </p:spPr>
       </p:pic>
+      <p:pic>
+        <p:nvPicPr>
+          <p:cNvPr id="1026" name="Picture 2">
+            <a:extLst>
+              <a:ext uri="{FF2B5EF4-FFF2-40B4-BE49-F238E27FC236}">
+                <a16:creationId xmlns:a16="http://schemas.microsoft.com/office/drawing/2014/main" id="{0008CE47-3A8C-2ADF-2E98-BEC9B02AF6FB}"/>
+              </a:ext>
+            </a:extLst>
+          </p:cNvPr>
+          <p:cNvPicPr>
+            <a:picLocks noChangeAspect="1" noChangeArrowheads="1"/>
+          </p:cNvPicPr>
+          <p:nvPr/>
+        </p:nvPicPr>
+        <p:blipFill>
+          <a:blip r:embed="rId7">
+            <a:extLst>
+              <a:ext uri="{28A0092B-C50C-407E-A947-70E740481C1C}">
+                <a14:useLocalDpi xmlns:a14="http://schemas.microsoft.com/office/drawing/2010/main" val="0"/>
+              </a:ext>
+            </a:extLst>
+          </a:blip>
+          <a:srcRect/>
+          <a:stretch>
+            <a:fillRect/>
+          </a:stretch>
+        </p:blipFill>
+        <p:spPr bwMode="auto">
+          <a:xfrm>
+            <a:off x="25054880" y="16269860"/>
+            <a:ext cx="1507658" cy="1507658"/>
+          </a:xfrm>
+          <a:prstGeom prst="rect">
+            <a:avLst/>
+          </a:prstGeom>
+          <a:noFill/>
+          <a:extLst>
+            <a:ext uri="{909E8E84-426E-40DD-AFC4-6F175D3DCCD1}">
+              <a14:hiddenFill xmlns:a14="http://schemas.microsoft.com/office/drawing/2010/main">
+                <a:solidFill>
+                  <a:srgbClr val="FFFFFF"/>
+                </a:solidFill>
+              </a14:hiddenFill>
+            </a:ext>
+          </a:extLst>
+        </p:spPr>
+      </p:pic>
+      <p:pic>
+        <p:nvPicPr>
+          <p:cNvPr id="1028" name="Picture 4" descr="Claflin University - Wikipedia">
+            <a:extLst>
+              <a:ext uri="{FF2B5EF4-FFF2-40B4-BE49-F238E27FC236}">
+                <a16:creationId xmlns:a16="http://schemas.microsoft.com/office/drawing/2014/main" id="{66060541-2C39-7A80-CA80-61EC6E1957DB}"/>
+              </a:ext>
+            </a:extLst>
+          </p:cNvPr>
+          <p:cNvPicPr>
+            <a:picLocks noChangeAspect="1" noChangeArrowheads="1"/>
+          </p:cNvPicPr>
+          <p:nvPr/>
+        </p:nvPicPr>
+        <p:blipFill>
+          <a:blip r:embed="rId8">
+            <a:extLst>
+              <a:ext uri="{28A0092B-C50C-407E-A947-70E740481C1C}">
+                <a14:useLocalDpi xmlns:a14="http://schemas.microsoft.com/office/drawing/2010/main" val="0"/>
+              </a:ext>
+            </a:extLst>
+          </a:blip>
+          <a:srcRect/>
+          <a:stretch>
+            <a:fillRect/>
+          </a:stretch>
+        </p:blipFill>
+        <p:spPr bwMode="auto">
+          <a:xfrm>
+            <a:off x="30820189" y="15962244"/>
+            <a:ext cx="1697364" cy="1573522"/>
+          </a:xfrm>
+          <a:prstGeom prst="rect">
+            <a:avLst/>
+          </a:prstGeom>
+          <a:noFill/>
+          <a:extLst>
+            <a:ext uri="{909E8E84-426E-40DD-AFC4-6F175D3DCCD1}">
+              <a14:hiddenFill xmlns:a14="http://schemas.microsoft.com/office/drawing/2010/main">
+                <a:solidFill>
+                  <a:srgbClr val="FFFFFF"/>
+                </a:solidFill>
+              </a14:hiddenFill>
+            </a:ext>
+          </a:extLst>
+        </p:spPr>
+      </p:pic>
+      <p:sp>
+        <p:nvSpPr>
+          <p:cNvPr id="2" name="TextBox 1">
+            <a:extLst>
+              <a:ext uri="{FF2B5EF4-FFF2-40B4-BE49-F238E27FC236}">
+                <a16:creationId xmlns:a16="http://schemas.microsoft.com/office/drawing/2014/main" id="{7DD6A45C-AA78-8FE1-0D3C-EE606AFEB497}"/>
+              </a:ext>
+            </a:extLst>
+          </p:cNvPr>
+          <p:cNvSpPr txBox="1"/>
+          <p:nvPr/>
+        </p:nvSpPr>
+        <p:spPr>
+          <a:xfrm>
+            <a:off x="24885249" y="5162502"/>
+            <a:ext cx="7315199" cy="1815882"/>
+          </a:xfrm>
+          <a:prstGeom prst="rect">
+            <a:avLst/>
+          </a:prstGeom>
+          <a:noFill/>
+        </p:spPr>
+        <p:txBody>
+          <a:bodyPr wrap="square" rtlCol="0">
+            <a:spAutoFit/>
+          </a:bodyPr>
+          <a:lstStyle/>
+          <a:p>
+            <a:r>
+              <a:rPr lang="en-US" sz="2800" dirty="0"/>
+              <a:t>Image Classification using Convolutional Neural Networks (CNN): https://</a:t>
+            </a:r>
+            <a:r>
+              <a:rPr lang="en-US" sz="2800" dirty="0" err="1"/>
+              <a:t>www.kaggle.com</a:t>
+            </a:r>
+            <a:r>
+              <a:rPr lang="en-US" sz="2800" dirty="0"/>
+              <a:t>/code/arbazkhan971/image-classification-using-cnn-94-accuracy</a:t>
+            </a:r>
+          </a:p>
+        </p:txBody>
+      </p:sp>
+      <p:sp>
+        <p:nvSpPr>
+          <p:cNvPr id="3" name="TextBox 2">
+            <a:extLst>
+              <a:ext uri="{FF2B5EF4-FFF2-40B4-BE49-F238E27FC236}">
+                <a16:creationId xmlns:a16="http://schemas.microsoft.com/office/drawing/2014/main" id="{BAD7ABC9-978E-0770-A2D8-F7C1AD1BC7C0}"/>
+              </a:ext>
+            </a:extLst>
+          </p:cNvPr>
+          <p:cNvSpPr txBox="1"/>
+          <p:nvPr/>
+        </p:nvSpPr>
+        <p:spPr>
+          <a:xfrm>
+            <a:off x="118250" y="4673578"/>
+            <a:ext cx="7315199" cy="1815882"/>
+          </a:xfrm>
+          <a:prstGeom prst="rect">
+            <a:avLst/>
+          </a:prstGeom>
+          <a:noFill/>
+        </p:spPr>
+        <p:txBody>
+          <a:bodyPr wrap="square" rtlCol="0">
+            <a:spAutoFit/>
+          </a:bodyPr>
+          <a:lstStyle/>
+          <a:p>
+            <a:pPr marL="228600" marR="0" indent="228600">
+              <a:spcBef>
+                <a:spcPts val="0"/>
+              </a:spcBef>
+              <a:spcAft>
+                <a:spcPts val="0"/>
+              </a:spcAft>
+            </a:pPr>
+            <a:r>
+              <a:rPr lang="en-US" sz="2800" dirty="0">
+                <a:effectLst/>
+                <a:latin typeface="Times New Roman" panose="02020603050405020304" pitchFamily="18" charset="0"/>
+                <a:ea typeface="Times New Roman" panose="02020603050405020304" pitchFamily="18" charset="0"/>
+              </a:rPr>
+              <a:t>This course is designed to help students grasp basic statistical concepts and techniques, and to present real-life opportunities for applying them to their specific disciplines. </a:t>
+            </a:r>
+          </a:p>
+        </p:txBody>
+      </p:sp>
     </p:spTree>
   </p:cSld>
   <p:clrMapOvr>

--- a/2024-Data-Science-Poster.pptx
+++ b/2024-Data-Science-Poster.pptx
@@ -11359,7 +11359,7 @@
         </p:nvSpPr>
         <p:spPr>
           <a:xfrm>
-            <a:off x="8631380" y="11379758"/>
+            <a:off x="8673859" y="13802781"/>
             <a:ext cx="7315200" cy="640080"/>
           </a:xfrm>
           <a:prstGeom prst="rect">
@@ -11411,8 +11411,8 @@
         </p:nvSpPr>
         <p:spPr>
           <a:xfrm>
-            <a:off x="16929969" y="3654445"/>
-            <a:ext cx="15270480" cy="640080"/>
+            <a:off x="16671966" y="3654445"/>
+            <a:ext cx="15528483" cy="672818"/>
           </a:xfrm>
           <a:prstGeom prst="rect">
             <a:avLst/>
@@ -11463,7 +11463,7 @@
         </p:nvSpPr>
         <p:spPr>
           <a:xfrm>
-            <a:off x="16459200" y="11361419"/>
+            <a:off x="16758314" y="5058331"/>
             <a:ext cx="7315200" cy="719993"/>
           </a:xfrm>
           <a:prstGeom prst="rect">
@@ -11515,7 +11515,7 @@
         </p:nvSpPr>
         <p:spPr>
           <a:xfrm>
-            <a:off x="16459200" y="15505043"/>
+            <a:off x="16782562" y="13829590"/>
             <a:ext cx="7315200" cy="518768"/>
           </a:xfrm>
           <a:prstGeom prst="rect">
@@ -11567,7 +11567,7 @@
         </p:nvSpPr>
         <p:spPr>
           <a:xfrm>
-            <a:off x="24885250" y="4567317"/>
+            <a:off x="24885250" y="5202782"/>
             <a:ext cx="7315200" cy="457200"/>
           </a:xfrm>
           <a:prstGeom prst="rect">
@@ -11626,7 +11626,7 @@
         </p:blipFill>
         <p:spPr>
           <a:xfrm>
-            <a:off x="31054512" y="30819"/>
+            <a:off x="31054512" y="428387"/>
             <a:ext cx="1463040" cy="1463040"/>
           </a:xfrm>
           <a:prstGeom prst="rect">
@@ -11646,7 +11646,7 @@
         </p:nvSpPr>
         <p:spPr>
           <a:xfrm>
-            <a:off x="30709811" y="1479012"/>
+            <a:off x="30757519" y="1875523"/>
             <a:ext cx="2152443" cy="307777"/>
           </a:xfrm>
           <a:prstGeom prst="rect">
@@ -11724,7 +11724,7 @@
         </p:nvSpPr>
         <p:spPr>
           <a:xfrm>
-            <a:off x="2889733" y="154813"/>
+            <a:off x="2889733" y="353598"/>
             <a:ext cx="27631500" cy="2554505"/>
           </a:xfrm>
           <a:prstGeom prst="rect">
@@ -11775,7 +11775,7 @@
                 <a:cs typeface="Calibri"/>
                 <a:sym typeface="Calibri"/>
               </a:rPr>
-              <a:t>Pawar Shrikant, Department of Computer Science, School of Natural Sciences</a:t>
+              <a:t>Pawar Shrikant, Department of Computer Science &amp; Biology, School of Natural Sciences</a:t>
             </a:r>
             <a:br>
               <a:rPr lang="en-US" sz="4000" b="1" dirty="0">
@@ -11798,7 +11798,7 @@
                 <a:cs typeface="Calibri"/>
                 <a:sym typeface="Calibri"/>
               </a:rPr>
-              <a:t>Claflin University, Orangeburg, SC</a:t>
+              <a:t>Claflin University, Orangeburg, South Carolina</a:t>
             </a:r>
             <a:endParaRPr lang="en-US" sz="4000" b="1" i="0" u="none" strike="noStrike" dirty="0">
               <a:solidFill>
@@ -11836,7 +11836,7 @@
         </p:nvSpPr>
         <p:spPr>
           <a:xfrm>
-            <a:off x="26691601" y="16199176"/>
+            <a:off x="26949300" y="17312393"/>
             <a:ext cx="5508848" cy="1463039"/>
           </a:xfrm>
           <a:prstGeom prst="rect">
@@ -11940,7 +11940,7 @@
         </p:nvSpPr>
         <p:spPr>
           <a:xfrm>
-            <a:off x="26691602" y="18742771"/>
+            <a:off x="27008704" y="19580184"/>
             <a:ext cx="5508848" cy="1463039"/>
           </a:xfrm>
           <a:prstGeom prst="rect">
@@ -12039,95 +12039,13 @@
       </p:sp>
       <p:sp>
         <p:nvSpPr>
-          <p:cNvPr id="112" name="Google Shape;112;p1"/>
-          <p:cNvSpPr/>
-          <p:nvPr/>
-        </p:nvSpPr>
-        <p:spPr>
-          <a:xfrm>
-            <a:off x="24885251" y="18742771"/>
-            <a:ext cx="1507658" cy="2286000"/>
-          </a:xfrm>
-          <a:prstGeom prst="rect">
-            <a:avLst/>
-          </a:prstGeom>
-          <a:solidFill>
-            <a:schemeClr val="lt1"/>
-          </a:solidFill>
-          <a:ln w="12700" cap="flat" cmpd="sng">
-            <a:solidFill>
-              <a:srgbClr val="31538F"/>
-            </a:solidFill>
-            <a:prstDash val="solid"/>
-            <a:miter lim="800000"/>
-            <a:headEnd type="none" w="sm" len="sm"/>
-            <a:tailEnd type="none" w="sm" len="sm"/>
-          </a:ln>
-        </p:spPr>
-        <p:txBody>
-          <a:bodyPr spcFirstLastPara="1" wrap="square" lIns="91425" tIns="45700" rIns="91425" bIns="45700" anchor="ctr" anchorCtr="0">
-            <a:noAutofit/>
-          </a:bodyPr>
-          <a:lstStyle/>
-          <a:p>
-            <a:pPr marL="0" marR="0" lvl="0" indent="0" algn="ctr" rtl="0">
-              <a:spcBef>
-                <a:spcPts val="0"/>
-              </a:spcBef>
-              <a:spcAft>
-                <a:spcPts val="0"/>
-              </a:spcAft>
-              <a:buNone/>
-            </a:pPr>
-            <a:r>
-              <a:rPr lang="en-US" sz="1800">
-                <a:solidFill>
-                  <a:schemeClr val="dk1"/>
-                </a:solidFill>
-                <a:latin typeface="Calibri"/>
-                <a:ea typeface="Calibri"/>
-                <a:cs typeface="Calibri"/>
-                <a:sym typeface="Calibri"/>
-              </a:rPr>
-              <a:t>Author 2</a:t>
-            </a:r>
-            <a:endParaRPr/>
-          </a:p>
-          <a:p>
-            <a:pPr marL="0" marR="0" lvl="0" indent="0" algn="ctr" rtl="0">
-              <a:spcBef>
-                <a:spcPts val="0"/>
-              </a:spcBef>
-              <a:spcAft>
-                <a:spcPts val="0"/>
-              </a:spcAft>
-              <a:buNone/>
-            </a:pPr>
-            <a:r>
-              <a:rPr lang="en-US" sz="1800">
-                <a:solidFill>
-                  <a:schemeClr val="dk1"/>
-                </a:solidFill>
-                <a:latin typeface="Calibri"/>
-                <a:ea typeface="Calibri"/>
-                <a:cs typeface="Calibri"/>
-                <a:sym typeface="Calibri"/>
-              </a:rPr>
-              <a:t>Photo</a:t>
-            </a:r>
-            <a:endParaRPr/>
-          </a:p>
-        </p:txBody>
-      </p:sp>
-      <p:sp>
-        <p:nvSpPr>
           <p:cNvPr id="113" name="Google Shape;113;p1"/>
           <p:cNvSpPr/>
           <p:nvPr/>
         </p:nvSpPr>
         <p:spPr>
           <a:xfrm>
-            <a:off x="24885250" y="15505043"/>
+            <a:off x="25068031" y="15979674"/>
             <a:ext cx="7315200" cy="457200"/>
           </a:xfrm>
           <a:prstGeom prst="rect">
@@ -12300,7 +12218,7 @@
         </p:blipFill>
         <p:spPr>
           <a:xfrm>
-            <a:off x="118250" y="82150"/>
+            <a:off x="118250" y="201421"/>
             <a:ext cx="2014650" cy="2014650"/>
           </a:xfrm>
           <a:prstGeom prst="rect">
@@ -12402,7 +12320,7 @@
         </p:blipFill>
         <p:spPr bwMode="auto">
           <a:xfrm>
-            <a:off x="25054880" y="16269860"/>
+            <a:off x="25054880" y="16951493"/>
             <a:ext cx="1507658" cy="1507658"/>
           </a:xfrm>
           <a:prstGeom prst="rect">
@@ -12449,7 +12367,7 @@
         </p:blipFill>
         <p:spPr bwMode="auto">
           <a:xfrm>
-            <a:off x="30820189" y="15962244"/>
+            <a:off x="31054512" y="17098860"/>
             <a:ext cx="1697364" cy="1573522"/>
           </a:xfrm>
           <a:prstGeom prst="rect">
@@ -12481,8 +12399,8 @@
         </p:nvSpPr>
         <p:spPr>
           <a:xfrm>
-            <a:off x="24885249" y="5162502"/>
-            <a:ext cx="7315199" cy="1815882"/>
+            <a:off x="24885250" y="6032748"/>
+            <a:ext cx="7315199" cy="6740307"/>
           </a:xfrm>
           <a:prstGeom prst="rect">
             <a:avLst/>
@@ -12495,18 +12413,87 @@
           </a:bodyPr>
           <a:lstStyle/>
           <a:p>
+            <a:pPr algn="just"/>
             <a:r>
-              <a:rPr lang="en-US" sz="2800" dirty="0"/>
-              <a:t>Image Classification using Convolutional Neural Networks (CNN): https://</a:t>
+              <a:rPr lang="en-US" sz="3600" dirty="0">
+                <a:latin typeface="Times New Roman" panose="02020603050405020304" pitchFamily="18" charset="0"/>
+                <a:cs typeface="Times New Roman" panose="02020603050405020304" pitchFamily="18" charset="0"/>
+              </a:rPr>
+              <a:t>Image Classification using Convolutional Neural Networks (CNN): </a:t>
             </a:r>
             <a:r>
-              <a:rPr lang="en-US" sz="2800" dirty="0" err="1"/>
-              <a:t>www.kaggle.com</a:t>
+              <a:rPr lang="en-US" sz="3600" dirty="0">
+                <a:latin typeface="Times New Roman" panose="02020603050405020304" pitchFamily="18" charset="0"/>
+                <a:cs typeface="Times New Roman" panose="02020603050405020304" pitchFamily="18" charset="0"/>
+                <a:hlinkClick r:id="rId9"/>
+              </a:rPr>
+              <a:t>https://www.kaggle.com/code/arbazkhan971/</a:t>
+            </a:r>
+            <a:endParaRPr lang="en-US" sz="3600" dirty="0">
+              <a:latin typeface="Times New Roman" panose="02020603050405020304" pitchFamily="18" charset="0"/>
+              <a:cs typeface="Times New Roman" panose="02020603050405020304" pitchFamily="18" charset="0"/>
+            </a:endParaRPr>
+          </a:p>
+          <a:p>
+            <a:pPr algn="just"/>
+            <a:r>
+              <a:rPr lang="en-US" sz="3600" dirty="0">
+                <a:latin typeface="Times New Roman" panose="02020603050405020304" pitchFamily="18" charset="0"/>
+                <a:cs typeface="Times New Roman" panose="02020603050405020304" pitchFamily="18" charset="0"/>
+                <a:hlinkClick r:id="rId9"/>
+              </a:rPr>
+              <a:t>image-classification-using-cnn-94-accuracy</a:t>
+            </a:r>
+            <a:endParaRPr lang="en-US" sz="3600" dirty="0">
+              <a:latin typeface="Times New Roman" panose="02020603050405020304" pitchFamily="18" charset="0"/>
+              <a:cs typeface="Times New Roman" panose="02020603050405020304" pitchFamily="18" charset="0"/>
+            </a:endParaRPr>
+          </a:p>
+          <a:p>
+            <a:pPr algn="just"/>
+            <a:endParaRPr lang="en-US" sz="3600" dirty="0">
+              <a:latin typeface="Times New Roman" panose="02020603050405020304" pitchFamily="18" charset="0"/>
+              <a:cs typeface="Times New Roman" panose="02020603050405020304" pitchFamily="18" charset="0"/>
+            </a:endParaRPr>
+          </a:p>
+          <a:p>
+            <a:pPr algn="just"/>
+            <a:r>
+              <a:rPr lang="en-US" sz="3600" i="0" dirty="0">
+                <a:solidFill>
+                  <a:srgbClr val="3C4043"/>
+                </a:solidFill>
+                <a:effectLst/>
+                <a:latin typeface="Times New Roman" panose="02020603050405020304" pitchFamily="18" charset="0"/>
+                <a:cs typeface="Times New Roman" panose="02020603050405020304" pitchFamily="18" charset="0"/>
+              </a:rPr>
+              <a:t>This open-source data has 4000+ images of  </a:t>
             </a:r>
             <a:r>
-              <a:rPr lang="en-US" sz="2800" dirty="0"/>
-              <a:t>/code/arbazkhan971/image-classification-using-cnn-94-accuracy</a:t>
+              <a:rPr lang="en-US" sz="3600" dirty="0">
+                <a:solidFill>
+                  <a:srgbClr val="3C4043"/>
+                </a:solidFill>
+                <a:latin typeface="Times New Roman" panose="02020603050405020304" pitchFamily="18" charset="0"/>
+                <a:cs typeface="Times New Roman" panose="02020603050405020304" pitchFamily="18" charset="0"/>
+              </a:rPr>
+              <a:t>i</a:t>
             </a:r>
+            <a:r>
+              <a:rPr lang="en-US" sz="3600" i="0" dirty="0">
+                <a:solidFill>
+                  <a:srgbClr val="3C4043"/>
+                </a:solidFill>
+                <a:effectLst/>
+                <a:latin typeface="Times New Roman" panose="02020603050405020304" pitchFamily="18" charset="0"/>
+                <a:cs typeface="Times New Roman" panose="02020603050405020304" pitchFamily="18" charset="0"/>
+              </a:rPr>
+              <a:t>nvasive ductal carcinoma (IDC) histopathological images which can be utilized for CNN training.</a:t>
+            </a:r>
+            <a:endParaRPr lang="en-US" sz="3600" dirty="0">
+              <a:latin typeface="Times New Roman" panose="02020603050405020304" pitchFamily="18" charset="0"/>
+              <a:cs typeface="Times New Roman" panose="02020603050405020304" pitchFamily="18" charset="0"/>
+            </a:endParaRPr>
           </a:p>
         </p:txBody>
       </p:sp>
@@ -12525,7 +12512,7 @@
         <p:spPr>
           <a:xfrm>
             <a:off x="118250" y="4673578"/>
-            <a:ext cx="7315199" cy="1815882"/>
+            <a:ext cx="7315199" cy="6186309"/>
           </a:xfrm>
           <a:prstGeom prst="rect">
             <a:avLst/>
@@ -12538,7 +12525,7 @@
           </a:bodyPr>
           <a:lstStyle/>
           <a:p>
-            <a:pPr marL="228600" marR="0" indent="228600">
+            <a:pPr marL="228600" marR="0" indent="228600" algn="just">
               <a:spcBef>
                 <a:spcPts val="0"/>
               </a:spcBef>
@@ -12547,12 +12534,955 @@
               </a:spcAft>
             </a:pPr>
             <a:r>
-              <a:rPr lang="en-US" sz="2800" dirty="0">
+              <a:rPr lang="en-US" sz="3600" dirty="0">
                 <a:effectLst/>
                 <a:latin typeface="Times New Roman" panose="02020603050405020304" pitchFamily="18" charset="0"/>
                 <a:ea typeface="Times New Roman" panose="02020603050405020304" pitchFamily="18" charset="0"/>
               </a:rPr>
-              <a:t>This course is designed to help students grasp basic statistical concepts and techniques, and to present real-life opportunities for applying them to their specific disciplines. </a:t>
+              <a:t>BTEC680: This course is designed to help students grasp statistical concepts and techniques, and to present real-life opportunities for applying them to their specific disciplines. </a:t>
+            </a:r>
+            <a:r>
+              <a:rPr lang="en-US" sz="3600" dirty="0">
+                <a:latin typeface="Times New Roman" panose="02020603050405020304" pitchFamily="18" charset="0"/>
+                <a:ea typeface="Times New Roman" panose="02020603050405020304" pitchFamily="18" charset="0"/>
+              </a:rPr>
+              <a:t>Students will learn how to implement machine learning techniques on biomedical imaging data. Students will learn importance and implementation of HPC resources in big data training.</a:t>
+            </a:r>
+            <a:endParaRPr lang="en-US" sz="3600" dirty="0">
+              <a:effectLst/>
+              <a:latin typeface="Times New Roman" panose="02020603050405020304" pitchFamily="18" charset="0"/>
+              <a:ea typeface="Times New Roman" panose="02020603050405020304" pitchFamily="18" charset="0"/>
+            </a:endParaRPr>
+          </a:p>
+        </p:txBody>
+      </p:sp>
+      <p:sp>
+        <p:nvSpPr>
+          <p:cNvPr id="5" name="TextBox 4">
+            <a:extLst>
+              <a:ext uri="{FF2B5EF4-FFF2-40B4-BE49-F238E27FC236}">
+                <a16:creationId xmlns:a16="http://schemas.microsoft.com/office/drawing/2014/main" id="{36B9F5BE-FF1A-1AE7-400C-58AB72567618}"/>
+              </a:ext>
+            </a:extLst>
+          </p:cNvPr>
+          <p:cNvSpPr txBox="1"/>
+          <p:nvPr/>
+        </p:nvSpPr>
+        <p:spPr>
+          <a:xfrm>
+            <a:off x="290945" y="12345131"/>
+            <a:ext cx="7315199" cy="7725192"/>
+          </a:xfrm>
+          <a:prstGeom prst="rect">
+            <a:avLst/>
+          </a:prstGeom>
+          <a:noFill/>
+        </p:spPr>
+        <p:txBody>
+          <a:bodyPr wrap="square" rtlCol="0">
+            <a:spAutoFit/>
+          </a:bodyPr>
+          <a:lstStyle/>
+          <a:p>
+            <a:pPr marL="800100" marR="0" indent="-571500" algn="just">
+              <a:spcBef>
+                <a:spcPts val="0"/>
+              </a:spcBef>
+              <a:spcAft>
+                <a:spcPts val="0"/>
+              </a:spcAft>
+              <a:buFont typeface="Arial" panose="020B0604020202020204" pitchFamily="34" charset="0"/>
+              <a:buChar char="•"/>
+            </a:pPr>
+            <a:r>
+              <a:rPr lang="en-US" sz="3600" dirty="0">
+                <a:latin typeface="Times New Roman" panose="02020603050405020304" pitchFamily="18" charset="0"/>
+                <a:cs typeface="Times New Roman" panose="02020603050405020304" pitchFamily="18" charset="0"/>
+              </a:rPr>
+              <a:t>Data wrangling, visualization,  Theory overview: Machine Learning QDA, LDA, ROC, Decision Trees, Feature Engineering, Classification and Model Evaluation, Regression: Basics and Prediction, Evaluation and Interpretation, Clustering.</a:t>
+            </a:r>
+          </a:p>
+          <a:p>
+            <a:pPr marL="800100" marR="0" indent="-571500" algn="just">
+              <a:spcBef>
+                <a:spcPts val="0"/>
+              </a:spcBef>
+              <a:spcAft>
+                <a:spcPts val="0"/>
+              </a:spcAft>
+              <a:buFont typeface="Arial" panose="020B0604020202020204" pitchFamily="34" charset="0"/>
+              <a:buChar char="•"/>
+            </a:pPr>
+            <a:r>
+              <a:rPr lang="en-US" sz="3600" dirty="0">
+                <a:effectLst/>
+                <a:latin typeface="Times New Roman" panose="02020603050405020304" pitchFamily="18" charset="0"/>
+                <a:ea typeface="Times New Roman" panose="02020603050405020304" pitchFamily="18" charset="0"/>
+                <a:cs typeface="Times New Roman" panose="02020603050405020304" pitchFamily="18" charset="0"/>
+              </a:rPr>
+              <a:t>HPC overview.</a:t>
+            </a:r>
+          </a:p>
+          <a:p>
+            <a:pPr marL="800100" marR="0" indent="-571500" algn="just">
+              <a:spcBef>
+                <a:spcPts val="0"/>
+              </a:spcBef>
+              <a:spcAft>
+                <a:spcPts val="0"/>
+              </a:spcAft>
+              <a:buFont typeface="Arial" panose="020B0604020202020204" pitchFamily="34" charset="0"/>
+              <a:buChar char="•"/>
+            </a:pPr>
+            <a:r>
+              <a:rPr lang="en-US" sz="3600" dirty="0">
+                <a:latin typeface="Times New Roman" panose="02020603050405020304" pitchFamily="18" charset="0"/>
+                <a:ea typeface="Times New Roman" panose="02020603050405020304" pitchFamily="18" charset="0"/>
+                <a:cs typeface="Times New Roman" panose="02020603050405020304" pitchFamily="18" charset="0"/>
+              </a:rPr>
+              <a:t>Datasets overview and EDA.</a:t>
+            </a:r>
+          </a:p>
+          <a:p>
+            <a:pPr marL="800100" marR="0" indent="-571500" algn="just">
+              <a:spcBef>
+                <a:spcPts val="0"/>
+              </a:spcBef>
+              <a:spcAft>
+                <a:spcPts val="0"/>
+              </a:spcAft>
+              <a:buFont typeface="Arial" panose="020B0604020202020204" pitchFamily="34" charset="0"/>
+              <a:buChar char="•"/>
+            </a:pPr>
+            <a:r>
+              <a:rPr lang="en-US" sz="3600" dirty="0">
+                <a:effectLst/>
+                <a:latin typeface="Times New Roman" panose="02020603050405020304" pitchFamily="18" charset="0"/>
+                <a:ea typeface="Times New Roman" panose="02020603050405020304" pitchFamily="18" charset="0"/>
+                <a:cs typeface="Times New Roman" panose="02020603050405020304" pitchFamily="18" charset="0"/>
+              </a:rPr>
+              <a:t>Implem</a:t>
+            </a:r>
+            <a:r>
+              <a:rPr lang="en-US" sz="3600" dirty="0">
+                <a:latin typeface="Times New Roman" panose="02020603050405020304" pitchFamily="18" charset="0"/>
+                <a:ea typeface="Times New Roman" panose="02020603050405020304" pitchFamily="18" charset="0"/>
+                <a:cs typeface="Times New Roman" panose="02020603050405020304" pitchFamily="18" charset="0"/>
+              </a:rPr>
+              <a:t>entation of neural networks on training set.</a:t>
+            </a:r>
+          </a:p>
+          <a:p>
+            <a:pPr marL="800100" marR="0" indent="-571500" algn="just">
+              <a:spcBef>
+                <a:spcPts val="0"/>
+              </a:spcBef>
+              <a:spcAft>
+                <a:spcPts val="0"/>
+              </a:spcAft>
+              <a:buFont typeface="Arial" panose="020B0604020202020204" pitchFamily="34" charset="0"/>
+              <a:buChar char="•"/>
+            </a:pPr>
+            <a:r>
+              <a:rPr lang="en-US" sz="3600" dirty="0">
+                <a:effectLst/>
+                <a:latin typeface="Times New Roman" panose="02020603050405020304" pitchFamily="18" charset="0"/>
+                <a:ea typeface="Times New Roman" panose="02020603050405020304" pitchFamily="18" charset="0"/>
+                <a:cs typeface="Times New Roman" panose="02020603050405020304" pitchFamily="18" charset="0"/>
+              </a:rPr>
+              <a:t>Evaluation metrics.</a:t>
+            </a:r>
+          </a:p>
+          <a:p>
+            <a:pPr marL="228600" marR="0" indent="228600" algn="just">
+              <a:spcBef>
+                <a:spcPts val="0"/>
+              </a:spcBef>
+              <a:spcAft>
+                <a:spcPts val="0"/>
+              </a:spcAft>
+            </a:pPr>
+            <a:endParaRPr lang="en-US" sz="2800" dirty="0">
+              <a:effectLst/>
+              <a:latin typeface="Times New Roman" panose="02020603050405020304" pitchFamily="18" charset="0"/>
+              <a:ea typeface="Times New Roman" panose="02020603050405020304" pitchFamily="18" charset="0"/>
+              <a:cs typeface="Times New Roman" panose="02020603050405020304" pitchFamily="18" charset="0"/>
+            </a:endParaRPr>
+          </a:p>
+        </p:txBody>
+      </p:sp>
+      <p:sp>
+        <p:nvSpPr>
+          <p:cNvPr id="6" name="TextBox 5">
+            <a:extLst>
+              <a:ext uri="{FF2B5EF4-FFF2-40B4-BE49-F238E27FC236}">
+                <a16:creationId xmlns:a16="http://schemas.microsoft.com/office/drawing/2014/main" id="{03A5CDC0-1DD5-BCE2-D0AB-C782D6C3F8FB}"/>
+              </a:ext>
+            </a:extLst>
+          </p:cNvPr>
+          <p:cNvSpPr txBox="1"/>
+          <p:nvPr/>
+        </p:nvSpPr>
+        <p:spPr>
+          <a:xfrm>
+            <a:off x="8331532" y="4670671"/>
+            <a:ext cx="7315199" cy="3970318"/>
+          </a:xfrm>
+          <a:prstGeom prst="rect">
+            <a:avLst/>
+          </a:prstGeom>
+          <a:noFill/>
+        </p:spPr>
+        <p:txBody>
+          <a:bodyPr wrap="square" rtlCol="0">
+            <a:spAutoFit/>
+          </a:bodyPr>
+          <a:lstStyle/>
+          <a:p>
+            <a:pPr marL="800100" marR="0" indent="-571500" algn="just">
+              <a:spcBef>
+                <a:spcPts val="0"/>
+              </a:spcBef>
+              <a:spcAft>
+                <a:spcPts val="0"/>
+              </a:spcAft>
+              <a:buFont typeface="Arial" panose="020B0604020202020204" pitchFamily="34" charset="0"/>
+              <a:buChar char="•"/>
+            </a:pPr>
+            <a:r>
+              <a:rPr lang="en-US" sz="3600" dirty="0">
+                <a:latin typeface="Times New Roman" panose="02020603050405020304" pitchFamily="18" charset="0"/>
+                <a:cs typeface="Times New Roman" panose="02020603050405020304" pitchFamily="18" charset="0"/>
+              </a:rPr>
+              <a:t>Feature selection and data visualization.</a:t>
+            </a:r>
+          </a:p>
+          <a:p>
+            <a:pPr marL="800100" marR="0" indent="-571500" algn="just">
+              <a:spcBef>
+                <a:spcPts val="0"/>
+              </a:spcBef>
+              <a:spcAft>
+                <a:spcPts val="0"/>
+              </a:spcAft>
+              <a:buFont typeface="Arial" panose="020B0604020202020204" pitchFamily="34" charset="0"/>
+              <a:buChar char="•"/>
+            </a:pPr>
+            <a:r>
+              <a:rPr lang="en-US" sz="3600" dirty="0">
+                <a:latin typeface="Times New Roman" panose="02020603050405020304" pitchFamily="18" charset="0"/>
+                <a:cs typeface="Times New Roman" panose="02020603050405020304" pitchFamily="18" charset="0"/>
+              </a:rPr>
+              <a:t>Preprocessing and standardization. </a:t>
+            </a:r>
+          </a:p>
+          <a:p>
+            <a:pPr marL="800100" marR="0" indent="-571500" algn="just">
+              <a:spcBef>
+                <a:spcPts val="0"/>
+              </a:spcBef>
+              <a:spcAft>
+                <a:spcPts val="0"/>
+              </a:spcAft>
+              <a:buFont typeface="Arial" panose="020B0604020202020204" pitchFamily="34" charset="0"/>
+              <a:buChar char="•"/>
+            </a:pPr>
+            <a:r>
+              <a:rPr lang="en-US" sz="3600" dirty="0">
+                <a:latin typeface="Times New Roman" panose="02020603050405020304" pitchFamily="18" charset="0"/>
+                <a:cs typeface="Times New Roman" panose="02020603050405020304" pitchFamily="18" charset="0"/>
+              </a:rPr>
+              <a:t>Classification (training and test splits, cross validation) and model evaluation.</a:t>
+            </a:r>
+          </a:p>
+        </p:txBody>
+      </p:sp>
+      <p:sp>
+        <p:nvSpPr>
+          <p:cNvPr id="7" name="TextBox 6">
+            <a:extLst>
+              <a:ext uri="{FF2B5EF4-FFF2-40B4-BE49-F238E27FC236}">
+                <a16:creationId xmlns:a16="http://schemas.microsoft.com/office/drawing/2014/main" id="{0E8768BC-EE97-EAF6-E9CC-498D13AE01E1}"/>
+              </a:ext>
+            </a:extLst>
+          </p:cNvPr>
+          <p:cNvSpPr txBox="1"/>
+          <p:nvPr/>
+        </p:nvSpPr>
+        <p:spPr>
+          <a:xfrm>
+            <a:off x="16671966" y="6152543"/>
+            <a:ext cx="7315199" cy="7294305"/>
+          </a:xfrm>
+          <a:prstGeom prst="rect">
+            <a:avLst/>
+          </a:prstGeom>
+          <a:noFill/>
+        </p:spPr>
+        <p:txBody>
+          <a:bodyPr wrap="square" rtlCol="0">
+            <a:spAutoFit/>
+          </a:bodyPr>
+          <a:lstStyle/>
+          <a:p>
+            <a:pPr marL="228600" marR="0" indent="228600" algn="just">
+              <a:spcBef>
+                <a:spcPts val="0"/>
+              </a:spcBef>
+              <a:spcAft>
+                <a:spcPts val="0"/>
+              </a:spcAft>
+            </a:pPr>
+            <a:r>
+              <a:rPr lang="en-US" sz="3600" b="0" i="0" dirty="0">
+                <a:solidFill>
+                  <a:srgbClr val="000000"/>
+                </a:solidFill>
+                <a:effectLst/>
+                <a:latin typeface="Times New Roman" panose="02020603050405020304" pitchFamily="18" charset="0"/>
+                <a:cs typeface="Times New Roman" panose="02020603050405020304" pitchFamily="18" charset="0"/>
+              </a:rPr>
+              <a:t>HPC can optimize the Convolutional Neural Network (CNN) algorithm. </a:t>
+            </a:r>
+            <a:r>
+              <a:rPr lang="en-US" sz="3600" dirty="0">
+                <a:latin typeface="Times New Roman" panose="02020603050405020304" pitchFamily="18" charset="0"/>
+                <a:cs typeface="Times New Roman" panose="02020603050405020304" pitchFamily="18" charset="0"/>
+              </a:rPr>
+              <a:t>M</a:t>
+            </a:r>
+            <a:r>
+              <a:rPr lang="en-US" sz="3600" b="0" i="0" dirty="0">
+                <a:solidFill>
+                  <a:srgbClr val="000000"/>
+                </a:solidFill>
+                <a:effectLst/>
+                <a:latin typeface="Times New Roman" panose="02020603050405020304" pitchFamily="18" charset="0"/>
+                <a:cs typeface="Times New Roman" panose="02020603050405020304" pitchFamily="18" charset="0"/>
+              </a:rPr>
+              <a:t>ulti-core processors, GPUs, and parallel computing frameworks like </a:t>
+            </a:r>
+            <a:r>
+              <a:rPr lang="en-US" sz="3600" b="0" i="0" dirty="0" err="1">
+                <a:solidFill>
+                  <a:srgbClr val="000000"/>
+                </a:solidFill>
+                <a:effectLst/>
+                <a:latin typeface="Times New Roman" panose="02020603050405020304" pitchFamily="18" charset="0"/>
+                <a:cs typeface="Times New Roman" panose="02020603050405020304" pitchFamily="18" charset="0"/>
+              </a:rPr>
+              <a:t>OpenMPI</a:t>
+            </a:r>
+            <a:r>
+              <a:rPr lang="en-US" sz="3600" b="0" i="0" dirty="0">
+                <a:solidFill>
+                  <a:srgbClr val="000000"/>
+                </a:solidFill>
+                <a:effectLst/>
+                <a:latin typeface="Times New Roman" panose="02020603050405020304" pitchFamily="18" charset="0"/>
+                <a:cs typeface="Times New Roman" panose="02020603050405020304" pitchFamily="18" charset="0"/>
+              </a:rPr>
+              <a:t> and CUDA can speed up CNN model training. The approach improves performance and training time and is superior to alternative strategies. HPC technologies can refine the CNN method, resulting in faster and more accurate training of large-scale CNN models.</a:t>
+            </a:r>
+            <a:endParaRPr lang="en-US" sz="2800" dirty="0">
+              <a:effectLst/>
+              <a:latin typeface="Times New Roman" panose="02020603050405020304" pitchFamily="18" charset="0"/>
+              <a:ea typeface="Times New Roman" panose="02020603050405020304" pitchFamily="18" charset="0"/>
+              <a:cs typeface="Times New Roman" panose="02020603050405020304" pitchFamily="18" charset="0"/>
+            </a:endParaRPr>
+          </a:p>
+        </p:txBody>
+      </p:sp>
+      <p:pic>
+        <p:nvPicPr>
+          <p:cNvPr id="8" name="Picture 2" descr="Texas Advanced Computing Center (TACC ...">
+            <a:extLst>
+              <a:ext uri="{FF2B5EF4-FFF2-40B4-BE49-F238E27FC236}">
+                <a16:creationId xmlns:a16="http://schemas.microsoft.com/office/drawing/2014/main" id="{5A3D5BDD-7F7B-669D-460B-36386B761323}"/>
+              </a:ext>
+            </a:extLst>
+          </p:cNvPr>
+          <p:cNvPicPr>
+            <a:picLocks noChangeAspect="1" noChangeArrowheads="1"/>
+          </p:cNvPicPr>
+          <p:nvPr/>
+        </p:nvPicPr>
+        <p:blipFill>
+          <a:blip r:embed="rId10">
+            <a:extLst>
+              <a:ext uri="{28A0092B-C50C-407E-A947-70E740481C1C}">
+                <a14:useLocalDpi xmlns:a14="http://schemas.microsoft.com/office/drawing/2010/main" val="0"/>
+              </a:ext>
+            </a:extLst>
+          </a:blip>
+          <a:srcRect/>
+          <a:stretch>
+            <a:fillRect/>
+          </a:stretch>
+        </p:blipFill>
+        <p:spPr bwMode="auto">
+          <a:xfrm>
+            <a:off x="25054880" y="19125740"/>
+            <a:ext cx="1720953" cy="1720953"/>
+          </a:xfrm>
+          <a:prstGeom prst="rect">
+            <a:avLst/>
+          </a:prstGeom>
+          <a:noFill/>
+          <a:extLst>
+            <a:ext uri="{909E8E84-426E-40DD-AFC4-6F175D3DCCD1}">
+              <a14:hiddenFill xmlns:a14="http://schemas.microsoft.com/office/drawing/2010/main">
+                <a:solidFill>
+                  <a:srgbClr val="FFFFFF"/>
+                </a:solidFill>
+              </a14:hiddenFill>
+            </a:ext>
+          </a:extLst>
+        </p:spPr>
+      </p:pic>
+      <p:sp>
+        <p:nvSpPr>
+          <p:cNvPr id="9" name="TextBox 8">
+            <a:extLst>
+              <a:ext uri="{FF2B5EF4-FFF2-40B4-BE49-F238E27FC236}">
+                <a16:creationId xmlns:a16="http://schemas.microsoft.com/office/drawing/2014/main" id="{2AA02FFC-703D-6DF2-9A81-689519AFE7C5}"/>
+              </a:ext>
+            </a:extLst>
+          </p:cNvPr>
+          <p:cNvSpPr txBox="1"/>
+          <p:nvPr/>
+        </p:nvSpPr>
+        <p:spPr>
+          <a:xfrm>
+            <a:off x="16481191" y="14661135"/>
+            <a:ext cx="7315199" cy="6740307"/>
+          </a:xfrm>
+          <a:prstGeom prst="rect">
+            <a:avLst/>
+          </a:prstGeom>
+          <a:noFill/>
+        </p:spPr>
+        <p:txBody>
+          <a:bodyPr wrap="square" rtlCol="0">
+            <a:spAutoFit/>
+          </a:bodyPr>
+          <a:lstStyle/>
+          <a:p>
+            <a:pPr marL="228600" marR="0" indent="228600" algn="just">
+              <a:spcBef>
+                <a:spcPts val="0"/>
+              </a:spcBef>
+              <a:spcAft>
+                <a:spcPts val="0"/>
+              </a:spcAft>
+            </a:pPr>
+            <a:r>
+              <a:rPr lang="en-US" sz="3600" b="0" i="0" dirty="0">
+                <a:solidFill>
+                  <a:srgbClr val="1F2328"/>
+                </a:solidFill>
+                <a:effectLst/>
+                <a:latin typeface="Times New Roman" panose="02020603050405020304" pitchFamily="18" charset="0"/>
+                <a:cs typeface="Times New Roman" panose="02020603050405020304" pitchFamily="18" charset="0"/>
+              </a:rPr>
+              <a:t>CNN is a specialized neural network for processing data that has an input shape like a 2D matrix like images. CNN's are typically used for image detection and classification. In this example we learn how to implement CNN on general images, which then can be replicated for Computer Aided Diagnosis (CAD) on </a:t>
+            </a:r>
+            <a:r>
+              <a:rPr lang="en-US" sz="3600" b="0" i="0" dirty="0" err="1">
+                <a:solidFill>
+                  <a:srgbClr val="1F2328"/>
+                </a:solidFill>
+                <a:effectLst/>
+                <a:latin typeface="Times New Roman" panose="02020603050405020304" pitchFamily="18" charset="0"/>
+                <a:cs typeface="Times New Roman" panose="02020603050405020304" pitchFamily="18" charset="0"/>
+              </a:rPr>
+              <a:t>radioimaging</a:t>
+            </a:r>
+            <a:r>
+              <a:rPr lang="en-US" sz="3600" b="0" i="0" dirty="0">
+                <a:solidFill>
+                  <a:srgbClr val="1F2328"/>
+                </a:solidFill>
+                <a:effectLst/>
+                <a:latin typeface="Times New Roman" panose="02020603050405020304" pitchFamily="18" charset="0"/>
+                <a:cs typeface="Times New Roman" panose="02020603050405020304" pitchFamily="18" charset="0"/>
+              </a:rPr>
+              <a:t> datasets like X-rays, computed tomography (CT) scans, etc.</a:t>
+            </a:r>
+            <a:endParaRPr lang="en-US" sz="2800" dirty="0">
+              <a:effectLst/>
+              <a:latin typeface="Times New Roman" panose="02020603050405020304" pitchFamily="18" charset="0"/>
+              <a:ea typeface="Times New Roman" panose="02020603050405020304" pitchFamily="18" charset="0"/>
+              <a:cs typeface="Times New Roman" panose="02020603050405020304" pitchFamily="18" charset="0"/>
+            </a:endParaRPr>
+          </a:p>
+        </p:txBody>
+      </p:sp>
+      <p:sp>
+        <p:nvSpPr>
+          <p:cNvPr id="10" name="TextBox 9">
+            <a:extLst>
+              <a:ext uri="{FF2B5EF4-FFF2-40B4-BE49-F238E27FC236}">
+                <a16:creationId xmlns:a16="http://schemas.microsoft.com/office/drawing/2014/main" id="{642CE8C5-115D-8DB8-74DA-4CF0ACE4D09D}"/>
+              </a:ext>
+            </a:extLst>
+          </p:cNvPr>
+          <p:cNvSpPr txBox="1"/>
+          <p:nvPr/>
+        </p:nvSpPr>
+        <p:spPr>
+          <a:xfrm>
+            <a:off x="8114084" y="14793652"/>
+            <a:ext cx="7315199" cy="6740307"/>
+          </a:xfrm>
+          <a:prstGeom prst="rect">
+            <a:avLst/>
+          </a:prstGeom>
+          <a:noFill/>
+        </p:spPr>
+        <p:txBody>
+          <a:bodyPr wrap="square" rtlCol="0">
+            <a:spAutoFit/>
+          </a:bodyPr>
+          <a:lstStyle/>
+          <a:p>
+            <a:pPr marL="800100" marR="0" indent="-571500" algn="just">
+              <a:spcBef>
+                <a:spcPts val="0"/>
+              </a:spcBef>
+              <a:spcAft>
+                <a:spcPts val="0"/>
+              </a:spcAft>
+              <a:buFont typeface="Arial" panose="020B0604020202020204" pitchFamily="34" charset="0"/>
+              <a:buChar char="•"/>
+            </a:pPr>
+            <a:r>
+              <a:rPr lang="en-US" sz="3600" b="0" i="0" dirty="0">
+                <a:solidFill>
+                  <a:srgbClr val="161616"/>
+                </a:solidFill>
+                <a:effectLst/>
+                <a:latin typeface="Times New Roman" panose="02020603050405020304" pitchFamily="18" charset="0"/>
+                <a:cs typeface="Times New Roman" panose="02020603050405020304" pitchFamily="18" charset="0"/>
+              </a:rPr>
+              <a:t>Nodes with GPU cores.</a:t>
+            </a:r>
+          </a:p>
+          <a:p>
+            <a:pPr marL="800100" marR="0" indent="-571500" algn="just">
+              <a:spcBef>
+                <a:spcPts val="0"/>
+              </a:spcBef>
+              <a:spcAft>
+                <a:spcPts val="0"/>
+              </a:spcAft>
+              <a:buFont typeface="Arial" panose="020B0604020202020204" pitchFamily="34" charset="0"/>
+              <a:buChar char="•"/>
+            </a:pPr>
+            <a:r>
+              <a:rPr lang="en-US" sz="3600" dirty="0">
+                <a:solidFill>
+                  <a:srgbClr val="161616"/>
+                </a:solidFill>
+                <a:latin typeface="Times New Roman" panose="02020603050405020304" pitchFamily="18" charset="0"/>
+                <a:cs typeface="Times New Roman" panose="02020603050405020304" pitchFamily="18" charset="0"/>
+              </a:rPr>
+              <a:t>Each node with 20-50GB memory to store imaging datasets.</a:t>
+            </a:r>
+            <a:endParaRPr lang="en-US" sz="3600" b="0" i="0" dirty="0">
+              <a:solidFill>
+                <a:srgbClr val="161616"/>
+              </a:solidFill>
+              <a:effectLst/>
+              <a:latin typeface="Times New Roman" panose="02020603050405020304" pitchFamily="18" charset="0"/>
+              <a:cs typeface="Times New Roman" panose="02020603050405020304" pitchFamily="18" charset="0"/>
+            </a:endParaRPr>
+          </a:p>
+          <a:p>
+            <a:pPr marL="800100" marR="0" indent="-571500" algn="just">
+              <a:spcBef>
+                <a:spcPts val="0"/>
+              </a:spcBef>
+              <a:spcAft>
+                <a:spcPts val="0"/>
+              </a:spcAft>
+              <a:buFont typeface="Arial" panose="020B0604020202020204" pitchFamily="34" charset="0"/>
+              <a:buChar char="•"/>
+            </a:pPr>
+            <a:r>
+              <a:rPr lang="en-US" sz="3600" dirty="0">
+                <a:solidFill>
+                  <a:srgbClr val="161616"/>
+                </a:solidFill>
+                <a:latin typeface="Times New Roman" panose="02020603050405020304" pitchFamily="18" charset="0"/>
+                <a:cs typeface="Times New Roman" panose="02020603050405020304" pitchFamily="18" charset="0"/>
+              </a:rPr>
+              <a:t>Approximately 15-20 Students are expected to enroll per semester, each student will need individual allocation.</a:t>
+            </a:r>
+          </a:p>
+          <a:p>
+            <a:pPr marL="800100" marR="0" indent="-571500" algn="just">
+              <a:spcBef>
+                <a:spcPts val="0"/>
+              </a:spcBef>
+              <a:spcAft>
+                <a:spcPts val="0"/>
+              </a:spcAft>
+              <a:buFont typeface="Arial" panose="020B0604020202020204" pitchFamily="34" charset="0"/>
+              <a:buChar char="•"/>
+            </a:pPr>
+            <a:r>
+              <a:rPr lang="en-US" sz="3600" dirty="0">
+                <a:solidFill>
+                  <a:srgbClr val="161616"/>
+                </a:solidFill>
+                <a:latin typeface="Times New Roman" panose="02020603050405020304" pitchFamily="18" charset="0"/>
+                <a:cs typeface="Times New Roman" panose="02020603050405020304" pitchFamily="18" charset="0"/>
+              </a:rPr>
+              <a:t>Tutorial on accessing and using GPU nodes.</a:t>
+            </a:r>
+          </a:p>
+          <a:p>
+            <a:pPr marL="800100" marR="0" indent="-571500" algn="just">
+              <a:spcBef>
+                <a:spcPts val="0"/>
+              </a:spcBef>
+              <a:spcAft>
+                <a:spcPts val="0"/>
+              </a:spcAft>
+              <a:buFont typeface="Arial" panose="020B0604020202020204" pitchFamily="34" charset="0"/>
+              <a:buChar char="•"/>
+            </a:pPr>
+            <a:r>
+              <a:rPr lang="en-US" sz="3600" dirty="0">
+                <a:solidFill>
+                  <a:srgbClr val="161616"/>
+                </a:solidFill>
+                <a:latin typeface="Times New Roman" panose="02020603050405020304" pitchFamily="18" charset="0"/>
+                <a:cs typeface="Times New Roman" panose="02020603050405020304" pitchFamily="18" charset="0"/>
+              </a:rPr>
+              <a:t>CUDA tutorial for HPC.</a:t>
+            </a:r>
+          </a:p>
+          <a:p>
+            <a:pPr marL="800100" marR="0" indent="-571500" algn="just">
+              <a:spcBef>
+                <a:spcPts val="0"/>
+              </a:spcBef>
+              <a:spcAft>
+                <a:spcPts val="0"/>
+              </a:spcAft>
+              <a:buFont typeface="Arial" panose="020B0604020202020204" pitchFamily="34" charset="0"/>
+              <a:buChar char="•"/>
+            </a:pPr>
+            <a:endParaRPr lang="en-US" sz="3600" dirty="0">
+              <a:solidFill>
+                <a:srgbClr val="161616"/>
+              </a:solidFill>
+              <a:latin typeface="Times New Roman" panose="02020603050405020304" pitchFamily="18" charset="0"/>
+              <a:cs typeface="Times New Roman" panose="02020603050405020304" pitchFamily="18" charset="0"/>
+            </a:endParaRPr>
+          </a:p>
+          <a:p>
+            <a:pPr marL="800100" marR="0" indent="-571500" algn="just">
+              <a:spcBef>
+                <a:spcPts val="0"/>
+              </a:spcBef>
+              <a:spcAft>
+                <a:spcPts val="0"/>
+              </a:spcAft>
+              <a:buFont typeface="Arial" panose="020B0604020202020204" pitchFamily="34" charset="0"/>
+              <a:buChar char="•"/>
+            </a:pPr>
+            <a:endParaRPr lang="en-US" sz="3600" dirty="0">
+              <a:latin typeface="Times New Roman" panose="02020603050405020304" pitchFamily="18" charset="0"/>
+              <a:cs typeface="Times New Roman" panose="02020603050405020304" pitchFamily="18" charset="0"/>
+            </a:endParaRPr>
+          </a:p>
+        </p:txBody>
+      </p:sp>
+      <p:pic>
+        <p:nvPicPr>
+          <p:cNvPr id="13" name="Picture 12" descr="A purple and black image&#10;&#10;Description automatically generated with medium confidence">
+            <a:extLst>
+              <a:ext uri="{FF2B5EF4-FFF2-40B4-BE49-F238E27FC236}">
+                <a16:creationId xmlns:a16="http://schemas.microsoft.com/office/drawing/2014/main" id="{744390EF-1435-A0FD-BC08-83B5CDD025DE}"/>
+              </a:ext>
+            </a:extLst>
+          </p:cNvPr>
+          <p:cNvPicPr>
+            <a:picLocks noChangeAspect="1"/>
+          </p:cNvPicPr>
+          <p:nvPr/>
+        </p:nvPicPr>
+        <p:blipFill>
+          <a:blip r:embed="rId11"/>
+          <a:stretch>
+            <a:fillRect/>
+          </a:stretch>
+        </p:blipFill>
+        <p:spPr>
+          <a:xfrm>
+            <a:off x="24881651" y="13145821"/>
+            <a:ext cx="2435536" cy="2747285"/>
+          </a:xfrm>
+          <a:prstGeom prst="rect">
+            <a:avLst/>
+          </a:prstGeom>
+        </p:spPr>
+      </p:pic>
+      <p:pic>
+        <p:nvPicPr>
+          <p:cNvPr id="15" name="Picture 14" descr="A close up of a pink and white background&#10;&#10;Description automatically generated">
+            <a:extLst>
+              <a:ext uri="{FF2B5EF4-FFF2-40B4-BE49-F238E27FC236}">
+                <a16:creationId xmlns:a16="http://schemas.microsoft.com/office/drawing/2014/main" id="{B42E9872-A9F3-42CB-7617-93F63363B1B8}"/>
+              </a:ext>
+            </a:extLst>
+          </p:cNvPr>
+          <p:cNvPicPr>
+            <a:picLocks noChangeAspect="1"/>
+          </p:cNvPicPr>
+          <p:nvPr/>
+        </p:nvPicPr>
+        <p:blipFill>
+          <a:blip r:embed="rId12"/>
+          <a:stretch>
+            <a:fillRect/>
+          </a:stretch>
+        </p:blipFill>
+        <p:spPr>
+          <a:xfrm>
+            <a:off x="30191919" y="13030729"/>
+            <a:ext cx="2435536" cy="2749799"/>
+          </a:xfrm>
+          <a:prstGeom prst="rect">
+            <a:avLst/>
+          </a:prstGeom>
+        </p:spPr>
+      </p:pic>
+      <p:sp>
+        <p:nvSpPr>
+          <p:cNvPr id="16" name="TextBox 15">
+            <a:extLst>
+              <a:ext uri="{FF2B5EF4-FFF2-40B4-BE49-F238E27FC236}">
+                <a16:creationId xmlns:a16="http://schemas.microsoft.com/office/drawing/2014/main" id="{A98A089A-2FEE-9E00-9AA6-4BDE0A9ACB40}"/>
+              </a:ext>
+            </a:extLst>
+          </p:cNvPr>
+          <p:cNvSpPr txBox="1"/>
+          <p:nvPr/>
+        </p:nvSpPr>
+        <p:spPr>
+          <a:xfrm>
+            <a:off x="26995645" y="13906205"/>
+            <a:ext cx="2210862" cy="646331"/>
+          </a:xfrm>
+          <a:prstGeom prst="rect">
+            <a:avLst/>
+          </a:prstGeom>
+          <a:noFill/>
+        </p:spPr>
+        <p:txBody>
+          <a:bodyPr wrap="none" rtlCol="0">
+            <a:spAutoFit/>
+          </a:bodyPr>
+          <a:lstStyle/>
+          <a:p>
+            <a:r>
+              <a:rPr lang="en-US" sz="3600" dirty="0">
+                <a:latin typeface="Times New Roman" panose="02020603050405020304" pitchFamily="18" charset="0"/>
+                <a:cs typeface="Times New Roman" panose="02020603050405020304" pitchFamily="18" charset="0"/>
+              </a:rPr>
+              <a:t>Carcinoma</a:t>
+            </a:r>
+          </a:p>
+        </p:txBody>
+      </p:sp>
+      <p:sp>
+        <p:nvSpPr>
+          <p:cNvPr id="17" name="TextBox 16">
+            <a:extLst>
+              <a:ext uri="{FF2B5EF4-FFF2-40B4-BE49-F238E27FC236}">
+                <a16:creationId xmlns:a16="http://schemas.microsoft.com/office/drawing/2014/main" id="{67923414-737E-9960-48D1-3F187B8F017F}"/>
+              </a:ext>
+            </a:extLst>
+          </p:cNvPr>
+          <p:cNvSpPr txBox="1"/>
+          <p:nvPr/>
+        </p:nvSpPr>
+        <p:spPr>
+          <a:xfrm>
+            <a:off x="27587681" y="14442861"/>
+            <a:ext cx="2890535" cy="646331"/>
+          </a:xfrm>
+          <a:prstGeom prst="rect">
+            <a:avLst/>
+          </a:prstGeom>
+          <a:noFill/>
+        </p:spPr>
+        <p:txBody>
+          <a:bodyPr wrap="none" rtlCol="0">
+            <a:spAutoFit/>
+          </a:bodyPr>
+          <a:lstStyle/>
+          <a:p>
+            <a:r>
+              <a:rPr lang="en-US" sz="3600" dirty="0">
+                <a:latin typeface="Times New Roman" panose="02020603050405020304" pitchFamily="18" charset="0"/>
+                <a:cs typeface="Times New Roman" panose="02020603050405020304" pitchFamily="18" charset="0"/>
+              </a:rPr>
+              <a:t>No Carcinoma</a:t>
+            </a:r>
+          </a:p>
+        </p:txBody>
+      </p:sp>
+      <p:cxnSp>
+        <p:nvCxnSpPr>
+          <p:cNvPr id="19" name="Straight Arrow Connector 18">
+            <a:extLst>
+              <a:ext uri="{FF2B5EF4-FFF2-40B4-BE49-F238E27FC236}">
+                <a16:creationId xmlns:a16="http://schemas.microsoft.com/office/drawing/2014/main" id="{A3452CE9-0A4A-F177-58ED-38AC1F826BCC}"/>
+              </a:ext>
+            </a:extLst>
+          </p:cNvPr>
+          <p:cNvCxnSpPr>
+            <a:cxnSpLocks/>
+          </p:cNvCxnSpPr>
+          <p:nvPr/>
+        </p:nvCxnSpPr>
+        <p:spPr>
+          <a:xfrm>
+            <a:off x="29206507" y="14274198"/>
+            <a:ext cx="1104683" cy="0"/>
+          </a:xfrm>
+          <a:prstGeom prst="straightConnector1">
+            <a:avLst/>
+          </a:prstGeom>
+          <a:ln w="44450">
+            <a:tailEnd type="triangle"/>
+          </a:ln>
+        </p:spPr>
+        <p:style>
+          <a:lnRef idx="1">
+            <a:schemeClr val="accent2"/>
+          </a:lnRef>
+          <a:fillRef idx="0">
+            <a:schemeClr val="accent2"/>
+          </a:fillRef>
+          <a:effectRef idx="0">
+            <a:schemeClr val="accent2"/>
+          </a:effectRef>
+          <a:fontRef idx="minor">
+            <a:schemeClr val="tx1"/>
+          </a:fontRef>
+        </p:style>
+      </p:cxnSp>
+      <p:cxnSp>
+        <p:nvCxnSpPr>
+          <p:cNvPr id="21" name="Straight Arrow Connector 20">
+            <a:extLst>
+              <a:ext uri="{FF2B5EF4-FFF2-40B4-BE49-F238E27FC236}">
+                <a16:creationId xmlns:a16="http://schemas.microsoft.com/office/drawing/2014/main" id="{4FACE61A-922C-B2D4-0619-98805C5162DA}"/>
+              </a:ext>
+            </a:extLst>
+          </p:cNvPr>
+          <p:cNvCxnSpPr>
+            <a:cxnSpLocks/>
+          </p:cNvCxnSpPr>
+          <p:nvPr/>
+        </p:nvCxnSpPr>
+        <p:spPr>
+          <a:xfrm flipH="1">
+            <a:off x="27165948" y="14793380"/>
+            <a:ext cx="461490" cy="2263"/>
+          </a:xfrm>
+          <a:prstGeom prst="straightConnector1">
+            <a:avLst/>
+          </a:prstGeom>
+          <a:ln w="44450">
+            <a:tailEnd type="triangle"/>
+          </a:ln>
+        </p:spPr>
+        <p:style>
+          <a:lnRef idx="1">
+            <a:schemeClr val="accent2"/>
+          </a:lnRef>
+          <a:fillRef idx="0">
+            <a:schemeClr val="accent2"/>
+          </a:fillRef>
+          <a:effectRef idx="0">
+            <a:schemeClr val="accent2"/>
+          </a:effectRef>
+          <a:fontRef idx="minor">
+            <a:schemeClr val="tx1"/>
+          </a:fontRef>
+        </p:style>
+      </p:cxnSp>
+      <p:pic>
+        <p:nvPicPr>
+          <p:cNvPr id="11" name="Picture 10" descr="A diagram of a diagram&#10;&#10;Description automatically generated">
+            <a:extLst>
+              <a:ext uri="{FF2B5EF4-FFF2-40B4-BE49-F238E27FC236}">
+                <a16:creationId xmlns:a16="http://schemas.microsoft.com/office/drawing/2014/main" id="{9B0F1E87-70EA-9D02-88E4-6CCE7307F0C1}"/>
+              </a:ext>
+            </a:extLst>
+          </p:cNvPr>
+          <p:cNvPicPr>
+            <a:picLocks noChangeAspect="1"/>
+          </p:cNvPicPr>
+          <p:nvPr/>
+        </p:nvPicPr>
+        <p:blipFill>
+          <a:blip r:embed="rId13"/>
+          <a:stretch>
+            <a:fillRect/>
+          </a:stretch>
+        </p:blipFill>
+        <p:spPr>
+          <a:xfrm>
+            <a:off x="8501164" y="9603550"/>
+            <a:ext cx="7772400" cy="4023836"/>
+          </a:xfrm>
+          <a:prstGeom prst="rect">
+            <a:avLst/>
+          </a:prstGeom>
+        </p:spPr>
+      </p:pic>
+      <p:sp>
+        <p:nvSpPr>
+          <p:cNvPr id="12" name="TextBox 11">
+            <a:extLst>
+              <a:ext uri="{FF2B5EF4-FFF2-40B4-BE49-F238E27FC236}">
+                <a16:creationId xmlns:a16="http://schemas.microsoft.com/office/drawing/2014/main" id="{8E0574E5-8D8C-C529-41F1-DF17A9395B5F}"/>
+              </a:ext>
+            </a:extLst>
+          </p:cNvPr>
+          <p:cNvSpPr txBox="1"/>
+          <p:nvPr/>
+        </p:nvSpPr>
+        <p:spPr>
+          <a:xfrm>
+            <a:off x="8782892" y="9343274"/>
+            <a:ext cx="3506088" cy="646331"/>
+          </a:xfrm>
+          <a:prstGeom prst="rect">
+            <a:avLst/>
+          </a:prstGeom>
+          <a:noFill/>
+        </p:spPr>
+        <p:txBody>
+          <a:bodyPr wrap="none" rtlCol="0">
+            <a:spAutoFit/>
+          </a:bodyPr>
+          <a:lstStyle/>
+          <a:p>
+            <a:r>
+              <a:rPr lang="en-US" sz="3600" dirty="0">
+                <a:latin typeface="Times New Roman" panose="02020603050405020304" pitchFamily="18" charset="0"/>
+                <a:cs typeface="Times New Roman" panose="02020603050405020304" pitchFamily="18" charset="0"/>
+              </a:rPr>
+              <a:t>Exercise pipeline:</a:t>
             </a:r>
           </a:p>
         </p:txBody>
